--- a/collatz_puzzle.pptx
+++ b/collatz_puzzle.pptx
@@ -6,13 +6,14 @@
   </p:sldMasterIdLst>
   <p:sldIdLst>
     <p:sldId id="257" r:id="rId2"/>
-    <p:sldId id="264" r:id="rId3"/>
-    <p:sldId id="258" r:id="rId4"/>
-    <p:sldId id="259" r:id="rId5"/>
-    <p:sldId id="260" r:id="rId6"/>
-    <p:sldId id="261" r:id="rId7"/>
-    <p:sldId id="262" r:id="rId8"/>
-    <p:sldId id="263" r:id="rId9"/>
+    <p:sldId id="265" r:id="rId3"/>
+    <p:sldId id="264" r:id="rId4"/>
+    <p:sldId id="258" r:id="rId5"/>
+    <p:sldId id="259" r:id="rId6"/>
+    <p:sldId id="260" r:id="rId7"/>
+    <p:sldId id="261" r:id="rId8"/>
+    <p:sldId id="262" r:id="rId9"/>
+    <p:sldId id="263" r:id="rId10"/>
   </p:sldIdLst>
   <p:sldSz cx="12192000" cy="6858000"/>
   <p:notesSz cx="6858000" cy="9144000"/>
@@ -266,7 +267,7 @@
           <a:p>
             <a:fld id="{703B55A4-FD16-4FF7-9136-0F374374DE72}" type="datetimeFigureOut">
               <a:rPr lang="en-US" smtClean="0"/>
-              <a:t>4/11/2025</a:t>
+              <a:t>4/13/2025</a:t>
             </a:fld>
             <a:endParaRPr lang="en-US"/>
           </a:p>
@@ -464,7 +465,7 @@
           <a:p>
             <a:fld id="{703B55A4-FD16-4FF7-9136-0F374374DE72}" type="datetimeFigureOut">
               <a:rPr lang="en-US" smtClean="0"/>
-              <a:t>4/11/2025</a:t>
+              <a:t>4/13/2025</a:t>
             </a:fld>
             <a:endParaRPr lang="en-US"/>
           </a:p>
@@ -672,7 +673,7 @@
           <a:p>
             <a:fld id="{703B55A4-FD16-4FF7-9136-0F374374DE72}" type="datetimeFigureOut">
               <a:rPr lang="en-US" smtClean="0"/>
-              <a:t>4/11/2025</a:t>
+              <a:t>4/13/2025</a:t>
             </a:fld>
             <a:endParaRPr lang="en-US"/>
           </a:p>
@@ -870,7 +871,7 @@
           <a:p>
             <a:fld id="{703B55A4-FD16-4FF7-9136-0F374374DE72}" type="datetimeFigureOut">
               <a:rPr lang="en-US" smtClean="0"/>
-              <a:t>4/11/2025</a:t>
+              <a:t>4/13/2025</a:t>
             </a:fld>
             <a:endParaRPr lang="en-US"/>
           </a:p>
@@ -1145,7 +1146,7 @@
           <a:p>
             <a:fld id="{703B55A4-FD16-4FF7-9136-0F374374DE72}" type="datetimeFigureOut">
               <a:rPr lang="en-US" smtClean="0"/>
-              <a:t>4/11/2025</a:t>
+              <a:t>4/13/2025</a:t>
             </a:fld>
             <a:endParaRPr lang="en-US"/>
           </a:p>
@@ -1410,7 +1411,7 @@
           <a:p>
             <a:fld id="{703B55A4-FD16-4FF7-9136-0F374374DE72}" type="datetimeFigureOut">
               <a:rPr lang="en-US" smtClean="0"/>
-              <a:t>4/11/2025</a:t>
+              <a:t>4/13/2025</a:t>
             </a:fld>
             <a:endParaRPr lang="en-US"/>
           </a:p>
@@ -1822,7 +1823,7 @@
           <a:p>
             <a:fld id="{703B55A4-FD16-4FF7-9136-0F374374DE72}" type="datetimeFigureOut">
               <a:rPr lang="en-US" smtClean="0"/>
-              <a:t>4/11/2025</a:t>
+              <a:t>4/13/2025</a:t>
             </a:fld>
             <a:endParaRPr lang="en-US"/>
           </a:p>
@@ -1963,7 +1964,7 @@
           <a:p>
             <a:fld id="{703B55A4-FD16-4FF7-9136-0F374374DE72}" type="datetimeFigureOut">
               <a:rPr lang="en-US" smtClean="0"/>
-              <a:t>4/11/2025</a:t>
+              <a:t>4/13/2025</a:t>
             </a:fld>
             <a:endParaRPr lang="en-US"/>
           </a:p>
@@ -2076,7 +2077,7 @@
           <a:p>
             <a:fld id="{703B55A4-FD16-4FF7-9136-0F374374DE72}" type="datetimeFigureOut">
               <a:rPr lang="en-US" smtClean="0"/>
-              <a:t>4/11/2025</a:t>
+              <a:t>4/13/2025</a:t>
             </a:fld>
             <a:endParaRPr lang="en-US"/>
           </a:p>
@@ -2387,7 +2388,7 @@
           <a:p>
             <a:fld id="{703B55A4-FD16-4FF7-9136-0F374374DE72}" type="datetimeFigureOut">
               <a:rPr lang="en-US" smtClean="0"/>
-              <a:t>4/11/2025</a:t>
+              <a:t>4/13/2025</a:t>
             </a:fld>
             <a:endParaRPr lang="en-US"/>
           </a:p>
@@ -2675,7 +2676,7 @@
           <a:p>
             <a:fld id="{703B55A4-FD16-4FF7-9136-0F374374DE72}" type="datetimeFigureOut">
               <a:rPr lang="en-US" smtClean="0"/>
-              <a:t>4/11/2025</a:t>
+              <a:t>4/13/2025</a:t>
             </a:fld>
             <a:endParaRPr lang="en-US"/>
           </a:p>
@@ -2916,7 +2917,7 @@
           <a:p>
             <a:fld id="{703B55A4-FD16-4FF7-9136-0F374374DE72}" type="datetimeFigureOut">
               <a:rPr lang="en-US" smtClean="0"/>
-              <a:t>4/11/2025</a:t>
+              <a:t>4/13/2025</a:t>
             </a:fld>
             <a:endParaRPr lang="en-US"/>
           </a:p>
@@ -3333,12 +3334,3895 @@
           <a:chExt cx="0" cy="0"/>
         </a:xfrm>
       </p:grpSpPr>
+      <p:grpSp>
+        <p:nvGrpSpPr>
+          <p:cNvPr id="66" name="Group 65">
+            <a:extLst>
+              <a:ext uri="{FF2B5EF4-FFF2-40B4-BE49-F238E27FC236}">
+                <a16:creationId xmlns:a16="http://schemas.microsoft.com/office/drawing/2014/main" id="{D063D87D-C66D-B1DF-6DF3-E30B4B08C2C5}"/>
+              </a:ext>
+            </a:extLst>
+          </p:cNvPr>
+          <p:cNvGrpSpPr/>
+          <p:nvPr/>
+        </p:nvGrpSpPr>
+        <p:grpSpPr>
+          <a:xfrm>
+            <a:off x="7021153" y="532231"/>
+            <a:ext cx="1963859" cy="1390383"/>
+            <a:chOff x="3127059" y="3373126"/>
+            <a:chExt cx="1963859" cy="1390383"/>
+          </a:xfrm>
+        </p:grpSpPr>
+        <p:grpSp>
+          <p:nvGrpSpPr>
+            <p:cNvPr id="275" name="Group 274">
+              <a:extLst>
+                <a:ext uri="{FF2B5EF4-FFF2-40B4-BE49-F238E27FC236}">
+                  <a16:creationId xmlns:a16="http://schemas.microsoft.com/office/drawing/2014/main" id="{9857FA49-E309-9CC1-6A6B-B0A5900C6659}"/>
+                </a:ext>
+              </a:extLst>
+            </p:cNvPr>
+            <p:cNvGrpSpPr/>
+            <p:nvPr/>
+          </p:nvGrpSpPr>
+          <p:grpSpPr>
+            <a:xfrm>
+              <a:off x="3127059" y="3373126"/>
+              <a:ext cx="1572225" cy="1390383"/>
+              <a:chOff x="3127059" y="3373126"/>
+              <a:chExt cx="1572225" cy="1390383"/>
+            </a:xfrm>
+          </p:grpSpPr>
+          <p:sp>
+            <p:nvSpPr>
+              <p:cNvPr id="12" name="Rectangle 11">
+                <a:extLst>
+                  <a:ext uri="{FF2B5EF4-FFF2-40B4-BE49-F238E27FC236}">
+                    <a16:creationId xmlns:a16="http://schemas.microsoft.com/office/drawing/2014/main" id="{0EA104E8-9BC5-32EF-8B10-C216EF810958}"/>
+                  </a:ext>
+                </a:extLst>
+              </p:cNvPr>
+              <p:cNvSpPr/>
+              <p:nvPr/>
+            </p:nvSpPr>
+            <p:spPr>
+              <a:xfrm>
+                <a:off x="3343286" y="3620528"/>
+                <a:ext cx="1355998" cy="1084442"/>
+              </a:xfrm>
+              <a:prstGeom prst="rect">
+                <a:avLst/>
+              </a:prstGeom>
+              <a:gradFill flip="none" rotWithShape="1">
+                <a:gsLst>
+                  <a:gs pos="67000">
+                    <a:schemeClr val="tx2">
+                      <a:lumMod val="50000"/>
+                      <a:lumOff val="50000"/>
+                    </a:schemeClr>
+                  </a:gs>
+                  <a:gs pos="49000">
+                    <a:schemeClr val="tx2">
+                      <a:lumMod val="50000"/>
+                      <a:lumOff val="50000"/>
+                    </a:schemeClr>
+                  </a:gs>
+                </a:gsLst>
+                <a:lin ang="5400000" scaled="1"/>
+                <a:tileRect/>
+              </a:gradFill>
+              <a:ln>
+                <a:noFill/>
+              </a:ln>
+            </p:spPr>
+            <p:style>
+              <a:lnRef idx="2">
+                <a:schemeClr val="accent1">
+                  <a:shade val="15000"/>
+                </a:schemeClr>
+              </a:lnRef>
+              <a:fillRef idx="1">
+                <a:schemeClr val="accent1"/>
+              </a:fillRef>
+              <a:effectRef idx="0">
+                <a:schemeClr val="accent1"/>
+              </a:effectRef>
+              <a:fontRef idx="minor">
+                <a:schemeClr val="lt1"/>
+              </a:fontRef>
+            </p:style>
+            <p:txBody>
+              <a:bodyPr rtlCol="0" anchor="ctr"/>
+              <a:lstStyle/>
+              <a:p>
+                <a:pPr algn="ctr"/>
+                <a:endParaRPr lang="en-US"/>
+              </a:p>
+            </p:txBody>
+          </p:sp>
+          <p:sp>
+            <p:nvSpPr>
+              <p:cNvPr id="13" name="Rectangle 12">
+                <a:extLst>
+                  <a:ext uri="{FF2B5EF4-FFF2-40B4-BE49-F238E27FC236}">
+                    <a16:creationId xmlns:a16="http://schemas.microsoft.com/office/drawing/2014/main" id="{D3046944-A3AC-5CCC-0449-3BA998F8558A}"/>
+                  </a:ext>
+                </a:extLst>
+              </p:cNvPr>
+              <p:cNvSpPr/>
+              <p:nvPr/>
+            </p:nvSpPr>
+            <p:spPr>
+              <a:xfrm>
+                <a:off x="3127059" y="3845767"/>
+                <a:ext cx="214629" cy="200999"/>
+              </a:xfrm>
+              <a:prstGeom prst="rect">
+                <a:avLst/>
+              </a:prstGeom>
+              <a:solidFill>
+                <a:schemeClr val="tx2">
+                  <a:lumMod val="25000"/>
+                  <a:lumOff val="75000"/>
+                </a:schemeClr>
+              </a:solidFill>
+              <a:ln>
+                <a:noFill/>
+              </a:ln>
+            </p:spPr>
+            <p:style>
+              <a:lnRef idx="2">
+                <a:schemeClr val="accent1">
+                  <a:shade val="15000"/>
+                </a:schemeClr>
+              </a:lnRef>
+              <a:fillRef idx="1">
+                <a:schemeClr val="accent1"/>
+              </a:fillRef>
+              <a:effectRef idx="0">
+                <a:schemeClr val="accent1"/>
+              </a:effectRef>
+              <a:fontRef idx="minor">
+                <a:schemeClr val="lt1"/>
+              </a:fontRef>
+            </p:style>
+            <p:txBody>
+              <a:bodyPr rtlCol="0" anchor="ctr"/>
+              <a:lstStyle/>
+              <a:p>
+                <a:pPr algn="ctr"/>
+                <a:endParaRPr lang="en-US" b="1" dirty="0"/>
+              </a:p>
+            </p:txBody>
+          </p:sp>
+          <p:sp>
+            <p:nvSpPr>
+              <p:cNvPr id="14" name="Rectangle 13">
+                <a:extLst>
+                  <a:ext uri="{FF2B5EF4-FFF2-40B4-BE49-F238E27FC236}">
+                    <a16:creationId xmlns:a16="http://schemas.microsoft.com/office/drawing/2014/main" id="{D1C1F06A-66E8-3A06-44B1-70F3F0CB9428}"/>
+                  </a:ext>
+                </a:extLst>
+              </p:cNvPr>
+              <p:cNvSpPr/>
+              <p:nvPr/>
+            </p:nvSpPr>
+            <p:spPr>
+              <a:xfrm>
+                <a:off x="3127059" y="4298533"/>
+                <a:ext cx="214629" cy="200999"/>
+              </a:xfrm>
+              <a:prstGeom prst="rect">
+                <a:avLst/>
+              </a:prstGeom>
+              <a:solidFill>
+                <a:schemeClr val="tx2">
+                  <a:lumMod val="25000"/>
+                  <a:lumOff val="75000"/>
+                </a:schemeClr>
+              </a:solidFill>
+              <a:ln>
+                <a:noFill/>
+              </a:ln>
+            </p:spPr>
+            <p:style>
+              <a:lnRef idx="2">
+                <a:schemeClr val="accent1">
+                  <a:shade val="15000"/>
+                </a:schemeClr>
+              </a:lnRef>
+              <a:fillRef idx="1">
+                <a:schemeClr val="accent1"/>
+              </a:fillRef>
+              <a:effectRef idx="0">
+                <a:schemeClr val="accent1"/>
+              </a:effectRef>
+              <a:fontRef idx="minor">
+                <a:schemeClr val="lt1"/>
+              </a:fontRef>
+            </p:style>
+            <p:txBody>
+              <a:bodyPr rtlCol="0" anchor="ctr"/>
+              <a:lstStyle/>
+              <a:p>
+                <a:pPr algn="ctr"/>
+                <a:endParaRPr lang="en-US" b="1" dirty="0"/>
+              </a:p>
+            </p:txBody>
+          </p:sp>
+          <p:sp>
+            <p:nvSpPr>
+              <p:cNvPr id="15" name="Rectangle 14">
+                <a:extLst>
+                  <a:ext uri="{FF2B5EF4-FFF2-40B4-BE49-F238E27FC236}">
+                    <a16:creationId xmlns:a16="http://schemas.microsoft.com/office/drawing/2014/main" id="{C80E39EC-0EDD-A80D-4B45-FB70BF7B0AD9}"/>
+                  </a:ext>
+                </a:extLst>
+              </p:cNvPr>
+              <p:cNvSpPr/>
+              <p:nvPr/>
+            </p:nvSpPr>
+            <p:spPr>
+              <a:xfrm>
+                <a:off x="4433967" y="4276141"/>
+                <a:ext cx="260769" cy="247400"/>
+              </a:xfrm>
+              <a:prstGeom prst="rect">
+                <a:avLst/>
+              </a:prstGeom>
+              <a:solidFill>
+                <a:schemeClr val="bg1"/>
+              </a:solidFill>
+              <a:ln>
+                <a:solidFill>
+                  <a:schemeClr val="bg1"/>
+                </a:solidFill>
+              </a:ln>
+            </p:spPr>
+            <p:style>
+              <a:lnRef idx="2">
+                <a:schemeClr val="accent1">
+                  <a:shade val="15000"/>
+                </a:schemeClr>
+              </a:lnRef>
+              <a:fillRef idx="1">
+                <a:schemeClr val="accent1"/>
+              </a:fillRef>
+              <a:effectRef idx="0">
+                <a:schemeClr val="accent1"/>
+              </a:effectRef>
+              <a:fontRef idx="minor">
+                <a:schemeClr val="lt1"/>
+              </a:fontRef>
+            </p:style>
+            <p:txBody>
+              <a:bodyPr rtlCol="0" anchor="ctr"/>
+              <a:lstStyle/>
+              <a:p>
+                <a:pPr algn="ctr"/>
+                <a:endParaRPr lang="en-US" b="1"/>
+              </a:p>
+            </p:txBody>
+          </p:sp>
+          <p:sp>
+            <p:nvSpPr>
+              <p:cNvPr id="16" name="Rectangle 15">
+                <a:extLst>
+                  <a:ext uri="{FF2B5EF4-FFF2-40B4-BE49-F238E27FC236}">
+                    <a16:creationId xmlns:a16="http://schemas.microsoft.com/office/drawing/2014/main" id="{A939300D-B2C3-368B-9941-6F1558273684}"/>
+                  </a:ext>
+                </a:extLst>
+              </p:cNvPr>
+              <p:cNvSpPr/>
+              <p:nvPr/>
+            </p:nvSpPr>
+            <p:spPr>
+              <a:xfrm>
+                <a:off x="4431830" y="3823375"/>
+                <a:ext cx="260769" cy="247400"/>
+              </a:xfrm>
+              <a:prstGeom prst="rect">
+                <a:avLst/>
+              </a:prstGeom>
+              <a:solidFill>
+                <a:schemeClr val="bg1"/>
+              </a:solidFill>
+              <a:ln>
+                <a:solidFill>
+                  <a:schemeClr val="bg1"/>
+                </a:solidFill>
+              </a:ln>
+            </p:spPr>
+            <p:style>
+              <a:lnRef idx="2">
+                <a:schemeClr val="accent1">
+                  <a:shade val="15000"/>
+                </a:schemeClr>
+              </a:lnRef>
+              <a:fillRef idx="1">
+                <a:schemeClr val="accent1"/>
+              </a:fillRef>
+              <a:effectRef idx="0">
+                <a:schemeClr val="accent1"/>
+              </a:effectRef>
+              <a:fontRef idx="minor">
+                <a:schemeClr val="lt1"/>
+              </a:fontRef>
+            </p:style>
+            <p:txBody>
+              <a:bodyPr rtlCol="0" anchor="ctr"/>
+              <a:lstStyle/>
+              <a:p>
+                <a:pPr algn="ctr"/>
+                <a:endParaRPr lang="en-US" b="1"/>
+              </a:p>
+            </p:txBody>
+          </p:sp>
+          <p:sp>
+            <p:nvSpPr>
+              <p:cNvPr id="17" name="Rectangle 16">
+                <a:extLst>
+                  <a:ext uri="{FF2B5EF4-FFF2-40B4-BE49-F238E27FC236}">
+                    <a16:creationId xmlns:a16="http://schemas.microsoft.com/office/drawing/2014/main" id="{1D5BC98E-02B2-4B64-12E4-0197CDC9BE30}"/>
+                  </a:ext>
+                </a:extLst>
+              </p:cNvPr>
+              <p:cNvSpPr/>
+              <p:nvPr/>
+            </p:nvSpPr>
+            <p:spPr>
+              <a:xfrm>
+                <a:off x="3922579" y="3373126"/>
+                <a:ext cx="220479" cy="247400"/>
+              </a:xfrm>
+              <a:prstGeom prst="rect">
+                <a:avLst/>
+              </a:prstGeom>
+              <a:solidFill>
+                <a:schemeClr val="tx2">
+                  <a:lumMod val="50000"/>
+                  <a:lumOff val="50000"/>
+                </a:schemeClr>
+              </a:solidFill>
+              <a:ln>
+                <a:noFill/>
+              </a:ln>
+            </p:spPr>
+            <p:style>
+              <a:lnRef idx="2">
+                <a:schemeClr val="accent1">
+                  <a:shade val="15000"/>
+                </a:schemeClr>
+              </a:lnRef>
+              <a:fillRef idx="1">
+                <a:schemeClr val="accent1"/>
+              </a:fillRef>
+              <a:effectRef idx="0">
+                <a:schemeClr val="accent1"/>
+              </a:effectRef>
+              <a:fontRef idx="minor">
+                <a:schemeClr val="lt1"/>
+              </a:fontRef>
+            </p:style>
+            <p:txBody>
+              <a:bodyPr rtlCol="0" anchor="ctr"/>
+              <a:lstStyle/>
+              <a:p>
+                <a:pPr algn="ctr"/>
+                <a:endParaRPr lang="en-US"/>
+              </a:p>
+            </p:txBody>
+          </p:sp>
+          <p:sp>
+            <p:nvSpPr>
+              <p:cNvPr id="18" name="Rectangle 17">
+                <a:extLst>
+                  <a:ext uri="{FF2B5EF4-FFF2-40B4-BE49-F238E27FC236}">
+                    <a16:creationId xmlns:a16="http://schemas.microsoft.com/office/drawing/2014/main" id="{0447556C-5955-1B43-DF0D-6D80DFD218FF}"/>
+                  </a:ext>
+                </a:extLst>
+              </p:cNvPr>
+              <p:cNvSpPr/>
+              <p:nvPr/>
+            </p:nvSpPr>
+            <p:spPr>
+              <a:xfrm>
+                <a:off x="3890899" y="4457570"/>
+                <a:ext cx="260769" cy="247400"/>
+              </a:xfrm>
+              <a:prstGeom prst="rect">
+                <a:avLst/>
+              </a:prstGeom>
+              <a:solidFill>
+                <a:schemeClr val="bg1"/>
+              </a:solidFill>
+              <a:ln>
+                <a:solidFill>
+                  <a:schemeClr val="bg1"/>
+                </a:solidFill>
+              </a:ln>
+            </p:spPr>
+            <p:style>
+              <a:lnRef idx="2">
+                <a:schemeClr val="accent1">
+                  <a:shade val="15000"/>
+                </a:schemeClr>
+              </a:lnRef>
+              <a:fillRef idx="1">
+                <a:schemeClr val="accent1"/>
+              </a:fillRef>
+              <a:effectRef idx="0">
+                <a:schemeClr val="accent1"/>
+              </a:effectRef>
+              <a:fontRef idx="minor">
+                <a:schemeClr val="lt1"/>
+              </a:fontRef>
+            </p:style>
+            <p:txBody>
+              <a:bodyPr rtlCol="0" anchor="ctr"/>
+              <a:lstStyle/>
+              <a:p>
+                <a:pPr algn="ctr"/>
+                <a:endParaRPr lang="en-US"/>
+              </a:p>
+            </p:txBody>
+          </p:sp>
+          <p:sp>
+            <p:nvSpPr>
+              <p:cNvPr id="19" name="TextBox 18">
+                <a:extLst>
+                  <a:ext uri="{FF2B5EF4-FFF2-40B4-BE49-F238E27FC236}">
+                    <a16:creationId xmlns:a16="http://schemas.microsoft.com/office/drawing/2014/main" id="{2F7EBD3E-1E90-AA46-A521-D80D0F347F76}"/>
+                  </a:ext>
+                </a:extLst>
+              </p:cNvPr>
+              <p:cNvSpPr txBox="1"/>
+              <p:nvPr/>
+            </p:nvSpPr>
+            <p:spPr>
+              <a:xfrm>
+                <a:off x="3585961" y="3561989"/>
+                <a:ext cx="308098" cy="369332"/>
+              </a:xfrm>
+              <a:prstGeom prst="rect">
+                <a:avLst/>
+              </a:prstGeom>
+              <a:noFill/>
+            </p:spPr>
+            <p:txBody>
+              <a:bodyPr wrap="none" rtlCol="0">
+                <a:spAutoFit/>
+              </a:bodyPr>
+              <a:lstStyle/>
+              <a:p>
+                <a:r>
+                  <a:rPr lang="en-US" b="1" dirty="0"/>
+                  <a:t>1</a:t>
+                </a:r>
+              </a:p>
+            </p:txBody>
+          </p:sp>
+          <p:sp>
+            <p:nvSpPr>
+              <p:cNvPr id="20" name="TextBox 19">
+                <a:extLst>
+                  <a:ext uri="{FF2B5EF4-FFF2-40B4-BE49-F238E27FC236}">
+                    <a16:creationId xmlns:a16="http://schemas.microsoft.com/office/drawing/2014/main" id="{9B01F477-5541-109D-B0CE-E5B71ECC3279}"/>
+                  </a:ext>
+                </a:extLst>
+              </p:cNvPr>
+              <p:cNvSpPr txBox="1"/>
+              <p:nvPr/>
+            </p:nvSpPr>
+            <p:spPr>
+              <a:xfrm>
+                <a:off x="4095292" y="4394177"/>
+                <a:ext cx="308098" cy="369332"/>
+              </a:xfrm>
+              <a:prstGeom prst="rect">
+                <a:avLst/>
+              </a:prstGeom>
+              <a:noFill/>
+            </p:spPr>
+            <p:txBody>
+              <a:bodyPr wrap="none" rtlCol="0">
+                <a:spAutoFit/>
+              </a:bodyPr>
+              <a:lstStyle/>
+              <a:p>
+                <a:r>
+                  <a:rPr lang="en-US" b="1" dirty="0"/>
+                  <a:t>1</a:t>
+                </a:r>
+              </a:p>
+            </p:txBody>
+          </p:sp>
+          <p:cxnSp>
+            <p:nvCxnSpPr>
+              <p:cNvPr id="106" name="Connector: Curved 105">
+                <a:extLst>
+                  <a:ext uri="{FF2B5EF4-FFF2-40B4-BE49-F238E27FC236}">
+                    <a16:creationId xmlns:a16="http://schemas.microsoft.com/office/drawing/2014/main" id="{8889A558-A6C3-F11A-86A0-AE3DAB1B00C7}"/>
+                  </a:ext>
+                </a:extLst>
+              </p:cNvPr>
+              <p:cNvCxnSpPr>
+                <a:cxnSpLocks/>
+                <a:stCxn id="108" idx="0"/>
+                <a:endCxn id="13" idx="3"/>
+              </p:cNvCxnSpPr>
+              <p:nvPr/>
+            </p:nvCxnSpPr>
+            <p:spPr>
+              <a:xfrm rot="16200000" flipV="1">
+                <a:off x="3561097" y="3726858"/>
+                <a:ext cx="240778" cy="679595"/>
+              </a:xfrm>
+              <a:prstGeom prst="curvedConnector2">
+                <a:avLst/>
+              </a:prstGeom>
+              <a:ln>
+                <a:tailEnd type="triangle"/>
+              </a:ln>
+            </p:spPr>
+            <p:style>
+              <a:lnRef idx="2">
+                <a:schemeClr val="accent1"/>
+              </a:lnRef>
+              <a:fillRef idx="0">
+                <a:schemeClr val="accent1"/>
+              </a:fillRef>
+              <a:effectRef idx="1">
+                <a:schemeClr val="accent1"/>
+              </a:effectRef>
+              <a:fontRef idx="minor">
+                <a:schemeClr val="tx1"/>
+              </a:fontRef>
+            </p:style>
+          </p:cxnSp>
+          <p:cxnSp>
+            <p:nvCxnSpPr>
+              <p:cNvPr id="107" name="Connector: Curved 106">
+                <a:extLst>
+                  <a:ext uri="{FF2B5EF4-FFF2-40B4-BE49-F238E27FC236}">
+                    <a16:creationId xmlns:a16="http://schemas.microsoft.com/office/drawing/2014/main" id="{A106A4D3-9866-16E1-1C72-DAD4545237A3}"/>
+                  </a:ext>
+                </a:extLst>
+              </p:cNvPr>
+              <p:cNvCxnSpPr>
+                <a:cxnSpLocks/>
+                <a:stCxn id="108" idx="3"/>
+                <a:endCxn id="14" idx="3"/>
+              </p:cNvCxnSpPr>
+              <p:nvPr/>
+            </p:nvCxnSpPr>
+            <p:spPr>
+              <a:xfrm rot="5400000">
+                <a:off x="3623211" y="4055408"/>
+                <a:ext cx="62103" cy="625147"/>
+              </a:xfrm>
+              <a:prstGeom prst="curvedConnector2">
+                <a:avLst/>
+              </a:prstGeom>
+              <a:ln>
+                <a:tailEnd type="triangle"/>
+              </a:ln>
+            </p:spPr>
+            <p:style>
+              <a:lnRef idx="2">
+                <a:schemeClr val="accent1"/>
+              </a:lnRef>
+              <a:fillRef idx="0">
+                <a:schemeClr val="accent1"/>
+              </a:fillRef>
+              <a:effectRef idx="1">
+                <a:schemeClr val="accent1"/>
+              </a:effectRef>
+              <a:fontRef idx="minor">
+                <a:schemeClr val="tx1"/>
+              </a:fontRef>
+            </p:style>
+          </p:cxnSp>
+          <p:sp>
+            <p:nvSpPr>
+              <p:cNvPr id="108" name="Oval 107">
+                <a:extLst>
+                  <a:ext uri="{FF2B5EF4-FFF2-40B4-BE49-F238E27FC236}">
+                    <a16:creationId xmlns:a16="http://schemas.microsoft.com/office/drawing/2014/main" id="{3C8BAA31-E1C6-1A74-77B3-7952FFEF4B89}"/>
+                  </a:ext>
+                </a:extLst>
+              </p:cNvPr>
+              <p:cNvSpPr/>
+              <p:nvPr/>
+            </p:nvSpPr>
+            <p:spPr>
+              <a:xfrm>
+                <a:off x="3944282" y="4187045"/>
+                <a:ext cx="154001" cy="175601"/>
+              </a:xfrm>
+              <a:prstGeom prst="ellipse">
+                <a:avLst/>
+              </a:prstGeom>
+            </p:spPr>
+            <p:style>
+              <a:lnRef idx="2">
+                <a:schemeClr val="accent1">
+                  <a:shade val="15000"/>
+                </a:schemeClr>
+              </a:lnRef>
+              <a:fillRef idx="1">
+                <a:schemeClr val="accent1"/>
+              </a:fillRef>
+              <a:effectRef idx="0">
+                <a:schemeClr val="accent1"/>
+              </a:effectRef>
+              <a:fontRef idx="minor">
+                <a:schemeClr val="lt1"/>
+              </a:fontRef>
+            </p:style>
+            <p:txBody>
+              <a:bodyPr rtlCol="0" anchor="ctr"/>
+              <a:lstStyle/>
+              <a:p>
+                <a:pPr algn="ctr"/>
+                <a:endParaRPr lang="en-US" sz="500" dirty="0"/>
+              </a:p>
+            </p:txBody>
+          </p:sp>
+          <p:cxnSp>
+            <p:nvCxnSpPr>
+              <p:cNvPr id="109" name="Connector: Curved 108">
+                <a:extLst>
+                  <a:ext uri="{FF2B5EF4-FFF2-40B4-BE49-F238E27FC236}">
+                    <a16:creationId xmlns:a16="http://schemas.microsoft.com/office/drawing/2014/main" id="{C43394D2-3FCC-271A-578C-C3EF4968E470}"/>
+                  </a:ext>
+                </a:extLst>
+              </p:cNvPr>
+              <p:cNvCxnSpPr>
+                <a:cxnSpLocks/>
+                <a:stCxn id="108" idx="1"/>
+                <a:endCxn id="13" idx="3"/>
+              </p:cNvCxnSpPr>
+              <p:nvPr/>
+            </p:nvCxnSpPr>
+            <p:spPr>
+              <a:xfrm rot="16200000" flipV="1">
+                <a:off x="3521015" y="3766940"/>
+                <a:ext cx="266494" cy="625147"/>
+              </a:xfrm>
+              <a:prstGeom prst="curvedConnector2">
+                <a:avLst/>
+              </a:prstGeom>
+              <a:ln>
+                <a:tailEnd type="triangle"/>
+              </a:ln>
+            </p:spPr>
+            <p:style>
+              <a:lnRef idx="2">
+                <a:schemeClr val="accent1"/>
+              </a:lnRef>
+              <a:fillRef idx="0">
+                <a:schemeClr val="accent1"/>
+              </a:fillRef>
+              <a:effectRef idx="1">
+                <a:schemeClr val="accent1"/>
+              </a:effectRef>
+              <a:fontRef idx="minor">
+                <a:schemeClr val="tx1"/>
+              </a:fontRef>
+            </p:style>
+          </p:cxnSp>
+          <p:cxnSp>
+            <p:nvCxnSpPr>
+              <p:cNvPr id="113" name="Connector: Curved 112">
+                <a:extLst>
+                  <a:ext uri="{FF2B5EF4-FFF2-40B4-BE49-F238E27FC236}">
+                    <a16:creationId xmlns:a16="http://schemas.microsoft.com/office/drawing/2014/main" id="{22D9A917-2BF8-4693-20C8-56163F6B6E75}"/>
+                  </a:ext>
+                </a:extLst>
+              </p:cNvPr>
+              <p:cNvCxnSpPr>
+                <a:cxnSpLocks/>
+                <a:stCxn id="16" idx="1"/>
+                <a:endCxn id="17" idx="2"/>
+              </p:cNvCxnSpPr>
+              <p:nvPr/>
+            </p:nvCxnSpPr>
+            <p:spPr>
+              <a:xfrm rot="10800000">
+                <a:off x="4032820" y="3620527"/>
+                <a:ext cx="399011" cy="326549"/>
+              </a:xfrm>
+              <a:prstGeom prst="curvedConnector2">
+                <a:avLst/>
+              </a:prstGeom>
+              <a:ln>
+                <a:tailEnd type="triangle"/>
+              </a:ln>
+            </p:spPr>
+            <p:style>
+              <a:lnRef idx="2">
+                <a:schemeClr val="accent1"/>
+              </a:lnRef>
+              <a:fillRef idx="0">
+                <a:schemeClr val="accent1"/>
+              </a:fillRef>
+              <a:effectRef idx="1">
+                <a:schemeClr val="accent1"/>
+              </a:effectRef>
+              <a:fontRef idx="minor">
+                <a:schemeClr val="tx1"/>
+              </a:fontRef>
+            </p:style>
+          </p:cxnSp>
+          <p:cxnSp>
+            <p:nvCxnSpPr>
+              <p:cNvPr id="117" name="Connector: Curved 116">
+                <a:extLst>
+                  <a:ext uri="{FF2B5EF4-FFF2-40B4-BE49-F238E27FC236}">
+                    <a16:creationId xmlns:a16="http://schemas.microsoft.com/office/drawing/2014/main" id="{EA00C1EB-74D8-B828-17CF-5F50453AC79C}"/>
+                  </a:ext>
+                </a:extLst>
+              </p:cNvPr>
+              <p:cNvCxnSpPr>
+                <a:cxnSpLocks/>
+                <a:stCxn id="15" idx="1"/>
+                <a:endCxn id="14" idx="3"/>
+              </p:cNvCxnSpPr>
+              <p:nvPr/>
+            </p:nvCxnSpPr>
+            <p:spPr>
+              <a:xfrm rot="10800000">
+                <a:off x="3341689" y="4399033"/>
+                <a:ext cx="1092279" cy="808"/>
+              </a:xfrm>
+              <a:prstGeom prst="curvedConnector3">
+                <a:avLst>
+                  <a:gd name="adj1" fmla="val 50000"/>
+                </a:avLst>
+              </a:prstGeom>
+              <a:ln>
+                <a:tailEnd type="triangle"/>
+              </a:ln>
+            </p:spPr>
+            <p:style>
+              <a:lnRef idx="2">
+                <a:schemeClr val="accent1"/>
+              </a:lnRef>
+              <a:fillRef idx="0">
+                <a:schemeClr val="accent1"/>
+              </a:fillRef>
+              <a:effectRef idx="1">
+                <a:schemeClr val="accent1"/>
+              </a:effectRef>
+              <a:fontRef idx="minor">
+                <a:schemeClr val="tx1"/>
+              </a:fontRef>
+            </p:style>
+          </p:cxnSp>
+        </p:grpSp>
+        <p:sp>
+          <p:nvSpPr>
+            <p:cNvPr id="28" name="TextBox 27">
+              <a:extLst>
+                <a:ext uri="{FF2B5EF4-FFF2-40B4-BE49-F238E27FC236}">
+                  <a16:creationId xmlns:a16="http://schemas.microsoft.com/office/drawing/2014/main" id="{7966F720-0856-30BE-FC5B-68D1C802EAE6}"/>
+                </a:ext>
+              </a:extLst>
+            </p:cNvPr>
+            <p:cNvSpPr txBox="1"/>
+            <p:nvPr/>
+          </p:nvSpPr>
+          <p:spPr>
+            <a:xfrm>
+              <a:off x="4769996" y="3597598"/>
+              <a:ext cx="320922" cy="369332"/>
+            </a:xfrm>
+            <a:prstGeom prst="rect">
+              <a:avLst/>
+            </a:prstGeom>
+            <a:noFill/>
+          </p:spPr>
+          <p:txBody>
+            <a:bodyPr wrap="none" rtlCol="0">
+              <a:spAutoFit/>
+            </a:bodyPr>
+            <a:lstStyle/>
+            <a:p>
+              <a:r>
+                <a:rPr lang="en-US" dirty="0"/>
+                <a:t>A</a:t>
+              </a:r>
+            </a:p>
+          </p:txBody>
+        </p:sp>
+      </p:grpSp>
+      <p:grpSp>
+        <p:nvGrpSpPr>
+          <p:cNvPr id="63" name="Group 62">
+            <a:extLst>
+              <a:ext uri="{FF2B5EF4-FFF2-40B4-BE49-F238E27FC236}">
+                <a16:creationId xmlns:a16="http://schemas.microsoft.com/office/drawing/2014/main" id="{C1C032B5-0F90-2C37-92BE-9DA40D0148C7}"/>
+              </a:ext>
+            </a:extLst>
+          </p:cNvPr>
+          <p:cNvGrpSpPr/>
+          <p:nvPr/>
+        </p:nvGrpSpPr>
+        <p:grpSpPr>
+          <a:xfrm>
+            <a:off x="7056563" y="2311176"/>
+            <a:ext cx="1961177" cy="1241824"/>
+            <a:chOff x="427886" y="3373128"/>
+            <a:chExt cx="1961177" cy="1241824"/>
+          </a:xfrm>
+        </p:grpSpPr>
+        <p:sp>
+          <p:nvSpPr>
+            <p:cNvPr id="26" name="TextBox 25">
+              <a:extLst>
+                <a:ext uri="{FF2B5EF4-FFF2-40B4-BE49-F238E27FC236}">
+                  <a16:creationId xmlns:a16="http://schemas.microsoft.com/office/drawing/2014/main" id="{245983F3-4403-EC3A-B6C5-8C107013BAF2}"/>
+                </a:ext>
+              </a:extLst>
+            </p:cNvPr>
+            <p:cNvSpPr txBox="1"/>
+            <p:nvPr/>
+          </p:nvSpPr>
+          <p:spPr>
+            <a:xfrm>
+              <a:off x="910599" y="3373128"/>
+              <a:ext cx="308098" cy="369332"/>
+            </a:xfrm>
+            <a:prstGeom prst="rect">
+              <a:avLst/>
+            </a:prstGeom>
+            <a:noFill/>
+          </p:spPr>
+          <p:txBody>
+            <a:bodyPr wrap="none" rtlCol="0">
+              <a:spAutoFit/>
+            </a:bodyPr>
+            <a:lstStyle/>
+            <a:p>
+              <a:r>
+                <a:rPr lang="en-US" b="1"/>
+                <a:t>0</a:t>
+              </a:r>
+              <a:endParaRPr lang="en-US" b="1" dirty="0"/>
+            </a:p>
+          </p:txBody>
+        </p:sp>
+        <p:grpSp>
+          <p:nvGrpSpPr>
+            <p:cNvPr id="277" name="Group 276">
+              <a:extLst>
+                <a:ext uri="{FF2B5EF4-FFF2-40B4-BE49-F238E27FC236}">
+                  <a16:creationId xmlns:a16="http://schemas.microsoft.com/office/drawing/2014/main" id="{B9650466-782F-1394-924E-13C1DD33279A}"/>
+                </a:ext>
+              </a:extLst>
+            </p:cNvPr>
+            <p:cNvGrpSpPr/>
+            <p:nvPr/>
+          </p:nvGrpSpPr>
+          <p:grpSpPr>
+            <a:xfrm>
+              <a:off x="427886" y="3457863"/>
+              <a:ext cx="1566083" cy="1157089"/>
+              <a:chOff x="427886" y="3457863"/>
+              <a:chExt cx="1566083" cy="1157089"/>
+            </a:xfrm>
+          </p:grpSpPr>
+          <p:sp>
+            <p:nvSpPr>
+              <p:cNvPr id="22" name="Rectangle 21">
+                <a:extLst>
+                  <a:ext uri="{FF2B5EF4-FFF2-40B4-BE49-F238E27FC236}">
+                    <a16:creationId xmlns:a16="http://schemas.microsoft.com/office/drawing/2014/main" id="{A56F9B83-8C91-CA26-8EC1-271DA05A5BDB}"/>
+                  </a:ext>
+                </a:extLst>
+              </p:cNvPr>
+              <p:cNvSpPr/>
+              <p:nvPr/>
+            </p:nvSpPr>
+            <p:spPr>
+              <a:xfrm>
+                <a:off x="637971" y="3457863"/>
+                <a:ext cx="1355998" cy="1084442"/>
+              </a:xfrm>
+              <a:prstGeom prst="rect">
+                <a:avLst/>
+              </a:prstGeom>
+              <a:gradFill flip="none" rotWithShape="1">
+                <a:gsLst>
+                  <a:gs pos="100000">
+                    <a:schemeClr val="bg2">
+                      <a:lumMod val="90000"/>
+                    </a:schemeClr>
+                  </a:gs>
+                  <a:gs pos="0">
+                    <a:schemeClr val="bg2">
+                      <a:lumMod val="90000"/>
+                    </a:schemeClr>
+                  </a:gs>
+                </a:gsLst>
+                <a:lin ang="5400000" scaled="1"/>
+                <a:tileRect/>
+              </a:gradFill>
+              <a:ln>
+                <a:noFill/>
+              </a:ln>
+            </p:spPr>
+            <p:style>
+              <a:lnRef idx="2">
+                <a:schemeClr val="accent1">
+                  <a:shade val="15000"/>
+                </a:schemeClr>
+              </a:lnRef>
+              <a:fillRef idx="1">
+                <a:schemeClr val="accent1"/>
+              </a:fillRef>
+              <a:effectRef idx="0">
+                <a:schemeClr val="accent1"/>
+              </a:effectRef>
+              <a:fontRef idx="minor">
+                <a:schemeClr val="lt1"/>
+              </a:fontRef>
+            </p:style>
+            <p:txBody>
+              <a:bodyPr rtlCol="0" anchor="ctr"/>
+              <a:lstStyle/>
+              <a:p>
+                <a:pPr algn="ctr"/>
+                <a:endParaRPr lang="en-US"/>
+              </a:p>
+            </p:txBody>
+          </p:sp>
+          <p:sp>
+            <p:nvSpPr>
+              <p:cNvPr id="23" name="Rectangle 22">
+                <a:extLst>
+                  <a:ext uri="{FF2B5EF4-FFF2-40B4-BE49-F238E27FC236}">
+                    <a16:creationId xmlns:a16="http://schemas.microsoft.com/office/drawing/2014/main" id="{F07154AC-7BAC-00DB-BCDF-BF85219811DB}"/>
+                  </a:ext>
+                </a:extLst>
+              </p:cNvPr>
+              <p:cNvSpPr/>
+              <p:nvPr/>
+            </p:nvSpPr>
+            <p:spPr>
+              <a:xfrm>
+                <a:off x="427886" y="4135868"/>
+                <a:ext cx="214629" cy="200999"/>
+              </a:xfrm>
+              <a:prstGeom prst="rect">
+                <a:avLst/>
+              </a:prstGeom>
+              <a:solidFill>
+                <a:schemeClr val="tx2">
+                  <a:lumMod val="25000"/>
+                  <a:lumOff val="75000"/>
+                </a:schemeClr>
+              </a:solidFill>
+              <a:ln>
+                <a:noFill/>
+              </a:ln>
+            </p:spPr>
+            <p:style>
+              <a:lnRef idx="2">
+                <a:schemeClr val="accent1">
+                  <a:shade val="15000"/>
+                </a:schemeClr>
+              </a:lnRef>
+              <a:fillRef idx="1">
+                <a:schemeClr val="accent1"/>
+              </a:fillRef>
+              <a:effectRef idx="0">
+                <a:schemeClr val="accent1"/>
+              </a:effectRef>
+              <a:fontRef idx="minor">
+                <a:schemeClr val="lt1"/>
+              </a:fontRef>
+            </p:style>
+            <p:txBody>
+              <a:bodyPr rtlCol="0" anchor="ctr"/>
+              <a:lstStyle/>
+              <a:p>
+                <a:pPr algn="ctr"/>
+                <a:endParaRPr lang="en-US" b="1" dirty="0"/>
+              </a:p>
+            </p:txBody>
+          </p:sp>
+          <p:sp>
+            <p:nvSpPr>
+              <p:cNvPr id="24" name="Rectangle 23">
+                <a:extLst>
+                  <a:ext uri="{FF2B5EF4-FFF2-40B4-BE49-F238E27FC236}">
+                    <a16:creationId xmlns:a16="http://schemas.microsoft.com/office/drawing/2014/main" id="{D6748EDC-4E98-3163-753D-56C506E0E1EC}"/>
+                  </a:ext>
+                </a:extLst>
+              </p:cNvPr>
+              <p:cNvSpPr/>
+              <p:nvPr/>
+            </p:nvSpPr>
+            <p:spPr>
+              <a:xfrm>
+                <a:off x="1728652" y="4113476"/>
+                <a:ext cx="260769" cy="247400"/>
+              </a:xfrm>
+              <a:prstGeom prst="rect">
+                <a:avLst/>
+              </a:prstGeom>
+              <a:solidFill>
+                <a:schemeClr val="bg1"/>
+              </a:solidFill>
+              <a:ln>
+                <a:solidFill>
+                  <a:schemeClr val="bg1"/>
+                </a:solidFill>
+              </a:ln>
+            </p:spPr>
+            <p:style>
+              <a:lnRef idx="2">
+                <a:schemeClr val="accent1">
+                  <a:shade val="15000"/>
+                </a:schemeClr>
+              </a:lnRef>
+              <a:fillRef idx="1">
+                <a:schemeClr val="accent1"/>
+              </a:fillRef>
+              <a:effectRef idx="0">
+                <a:schemeClr val="accent1"/>
+              </a:effectRef>
+              <a:fontRef idx="minor">
+                <a:schemeClr val="lt1"/>
+              </a:fontRef>
+            </p:style>
+            <p:txBody>
+              <a:bodyPr rtlCol="0" anchor="ctr"/>
+              <a:lstStyle/>
+              <a:p>
+                <a:pPr algn="ctr"/>
+                <a:endParaRPr lang="en-US" b="1"/>
+              </a:p>
+            </p:txBody>
+          </p:sp>
+          <p:sp>
+            <p:nvSpPr>
+              <p:cNvPr id="25" name="Rectangle 24">
+                <a:extLst>
+                  <a:ext uri="{FF2B5EF4-FFF2-40B4-BE49-F238E27FC236}">
+                    <a16:creationId xmlns:a16="http://schemas.microsoft.com/office/drawing/2014/main" id="{D9013506-24A2-8664-D6AF-E8035068133F}"/>
+                  </a:ext>
+                </a:extLst>
+              </p:cNvPr>
+              <p:cNvSpPr/>
+              <p:nvPr/>
+            </p:nvSpPr>
+            <p:spPr>
+              <a:xfrm>
+                <a:off x="1726515" y="3660710"/>
+                <a:ext cx="260769" cy="247400"/>
+              </a:xfrm>
+              <a:prstGeom prst="rect">
+                <a:avLst/>
+              </a:prstGeom>
+              <a:solidFill>
+                <a:schemeClr val="bg1"/>
+              </a:solidFill>
+              <a:ln>
+                <a:solidFill>
+                  <a:schemeClr val="bg1"/>
+                </a:solidFill>
+              </a:ln>
+            </p:spPr>
+            <p:style>
+              <a:lnRef idx="2">
+                <a:schemeClr val="accent1">
+                  <a:shade val="15000"/>
+                </a:schemeClr>
+              </a:lnRef>
+              <a:fillRef idx="1">
+                <a:schemeClr val="accent1"/>
+              </a:fillRef>
+              <a:effectRef idx="0">
+                <a:schemeClr val="accent1"/>
+              </a:effectRef>
+              <a:fontRef idx="minor">
+                <a:schemeClr val="lt1"/>
+              </a:fontRef>
+            </p:style>
+            <p:txBody>
+              <a:bodyPr rtlCol="0" anchor="ctr"/>
+              <a:lstStyle/>
+              <a:p>
+                <a:pPr algn="ctr"/>
+                <a:endParaRPr lang="en-US" b="1"/>
+              </a:p>
+            </p:txBody>
+          </p:sp>
+          <p:sp>
+            <p:nvSpPr>
+              <p:cNvPr id="27" name="TextBox 26">
+                <a:extLst>
+                  <a:ext uri="{FF2B5EF4-FFF2-40B4-BE49-F238E27FC236}">
+                    <a16:creationId xmlns:a16="http://schemas.microsoft.com/office/drawing/2014/main" id="{C6C941D3-41FE-0118-CF79-0AFE4E4BC556}"/>
+                  </a:ext>
+                </a:extLst>
+              </p:cNvPr>
+              <p:cNvSpPr txBox="1"/>
+              <p:nvPr/>
+            </p:nvSpPr>
+            <p:spPr>
+              <a:xfrm>
+                <a:off x="1420325" y="4245620"/>
+                <a:ext cx="308098" cy="369332"/>
+              </a:xfrm>
+              <a:prstGeom prst="rect">
+                <a:avLst/>
+              </a:prstGeom>
+              <a:noFill/>
+            </p:spPr>
+            <p:txBody>
+              <a:bodyPr wrap="none" rtlCol="0">
+                <a:spAutoFit/>
+              </a:bodyPr>
+              <a:lstStyle/>
+              <a:p>
+                <a:r>
+                  <a:rPr lang="en-US" b="1" dirty="0"/>
+                  <a:t>0</a:t>
+                </a:r>
+              </a:p>
+            </p:txBody>
+          </p:sp>
+          <p:cxnSp>
+            <p:nvCxnSpPr>
+              <p:cNvPr id="89" name="Connector: Curved 88">
+                <a:extLst>
+                  <a:ext uri="{FF2B5EF4-FFF2-40B4-BE49-F238E27FC236}">
+                    <a16:creationId xmlns:a16="http://schemas.microsoft.com/office/drawing/2014/main" id="{0E4693AA-2415-50A6-0F0C-913852DE3569}"/>
+                  </a:ext>
+                </a:extLst>
+              </p:cNvPr>
+              <p:cNvCxnSpPr>
+                <a:cxnSpLocks/>
+                <a:endCxn id="23" idx="3"/>
+              </p:cNvCxnSpPr>
+              <p:nvPr/>
+            </p:nvCxnSpPr>
+            <p:spPr>
+              <a:xfrm rot="10800000" flipV="1">
+                <a:off x="642515" y="3806428"/>
+                <a:ext cx="1060336" cy="429939"/>
+              </a:xfrm>
+              <a:prstGeom prst="curvedConnector3">
+                <a:avLst>
+                  <a:gd name="adj1" fmla="val 50000"/>
+                </a:avLst>
+              </a:prstGeom>
+              <a:ln>
+                <a:tailEnd type="triangle"/>
+              </a:ln>
+            </p:spPr>
+            <p:style>
+              <a:lnRef idx="2">
+                <a:schemeClr val="accent1"/>
+              </a:lnRef>
+              <a:fillRef idx="0">
+                <a:schemeClr val="accent1"/>
+              </a:fillRef>
+              <a:effectRef idx="1">
+                <a:schemeClr val="accent1"/>
+              </a:effectRef>
+              <a:fontRef idx="minor">
+                <a:schemeClr val="tx1"/>
+              </a:fontRef>
+            </p:style>
+          </p:cxnSp>
+          <p:cxnSp>
+            <p:nvCxnSpPr>
+              <p:cNvPr id="92" name="Connector: Curved 91">
+                <a:extLst>
+                  <a:ext uri="{FF2B5EF4-FFF2-40B4-BE49-F238E27FC236}">
+                    <a16:creationId xmlns:a16="http://schemas.microsoft.com/office/drawing/2014/main" id="{949B96A9-1BFC-0BA0-7CA8-DECB156C4BA0}"/>
+                  </a:ext>
+                </a:extLst>
+              </p:cNvPr>
+              <p:cNvCxnSpPr>
+                <a:cxnSpLocks/>
+                <a:stCxn id="24" idx="1"/>
+                <a:endCxn id="23" idx="3"/>
+              </p:cNvCxnSpPr>
+              <p:nvPr/>
+            </p:nvCxnSpPr>
+            <p:spPr>
+              <a:xfrm rot="10800000">
+                <a:off x="642516" y="4236368"/>
+                <a:ext cx="1086137" cy="808"/>
+              </a:xfrm>
+              <a:prstGeom prst="curvedConnector3">
+                <a:avLst>
+                  <a:gd name="adj1" fmla="val 50000"/>
+                </a:avLst>
+              </a:prstGeom>
+              <a:ln>
+                <a:tailEnd type="triangle"/>
+              </a:ln>
+            </p:spPr>
+            <p:style>
+              <a:lnRef idx="2">
+                <a:schemeClr val="accent1"/>
+              </a:lnRef>
+              <a:fillRef idx="0">
+                <a:schemeClr val="accent1"/>
+              </a:fillRef>
+              <a:effectRef idx="1">
+                <a:schemeClr val="accent1"/>
+              </a:effectRef>
+              <a:fontRef idx="minor">
+                <a:schemeClr val="tx1"/>
+              </a:fontRef>
+            </p:style>
+          </p:cxnSp>
+        </p:grpSp>
+        <p:sp>
+          <p:nvSpPr>
+            <p:cNvPr id="3" name="TextBox 2">
+              <a:extLst>
+                <a:ext uri="{FF2B5EF4-FFF2-40B4-BE49-F238E27FC236}">
+                  <a16:creationId xmlns:a16="http://schemas.microsoft.com/office/drawing/2014/main" id="{9B8AFA0D-C77F-F4E9-1E6D-597792641017}"/>
+                </a:ext>
+              </a:extLst>
+            </p:cNvPr>
+            <p:cNvSpPr txBox="1"/>
+            <p:nvPr/>
+          </p:nvSpPr>
+          <p:spPr>
+            <a:xfrm>
+              <a:off x="913942" y="3406498"/>
+              <a:ext cx="308098" cy="369332"/>
+            </a:xfrm>
+            <a:prstGeom prst="rect">
+              <a:avLst/>
+            </a:prstGeom>
+            <a:noFill/>
+          </p:spPr>
+          <p:txBody>
+            <a:bodyPr wrap="none" rtlCol="0">
+              <a:spAutoFit/>
+            </a:bodyPr>
+            <a:lstStyle/>
+            <a:p>
+              <a:r>
+                <a:rPr lang="en-US" b="1" dirty="0"/>
+                <a:t>0</a:t>
+              </a:r>
+            </a:p>
+          </p:txBody>
+        </p:sp>
+        <p:sp>
+          <p:nvSpPr>
+            <p:cNvPr id="42" name="TextBox 41">
+              <a:extLst>
+                <a:ext uri="{FF2B5EF4-FFF2-40B4-BE49-F238E27FC236}">
+                  <a16:creationId xmlns:a16="http://schemas.microsoft.com/office/drawing/2014/main" id="{09813C7E-3E51-97FC-835A-BB8BE0014A87}"/>
+                </a:ext>
+              </a:extLst>
+            </p:cNvPr>
+            <p:cNvSpPr txBox="1"/>
+            <p:nvPr/>
+          </p:nvSpPr>
+          <p:spPr>
+            <a:xfrm>
+              <a:off x="2064935" y="3429000"/>
+              <a:ext cx="324128" cy="369332"/>
+            </a:xfrm>
+            <a:prstGeom prst="rect">
+              <a:avLst/>
+            </a:prstGeom>
+            <a:noFill/>
+          </p:spPr>
+          <p:txBody>
+            <a:bodyPr wrap="none" rtlCol="0">
+              <a:spAutoFit/>
+            </a:bodyPr>
+            <a:lstStyle/>
+            <a:p>
+              <a:r>
+                <a:rPr lang="en-US" dirty="0"/>
+                <a:t>B</a:t>
+              </a:r>
+            </a:p>
+          </p:txBody>
+        </p:sp>
+      </p:grpSp>
+      <p:grpSp>
+        <p:nvGrpSpPr>
+          <p:cNvPr id="61" name="Group 60">
+            <a:extLst>
+              <a:ext uri="{FF2B5EF4-FFF2-40B4-BE49-F238E27FC236}">
+                <a16:creationId xmlns:a16="http://schemas.microsoft.com/office/drawing/2014/main" id="{7577A02D-152E-7B02-92F8-5EAEECE58A61}"/>
+              </a:ext>
+            </a:extLst>
+          </p:cNvPr>
+          <p:cNvGrpSpPr/>
+          <p:nvPr/>
+        </p:nvGrpSpPr>
+        <p:grpSpPr>
+          <a:xfrm>
+            <a:off x="4084805" y="652320"/>
+            <a:ext cx="1964720" cy="1202211"/>
+            <a:chOff x="427886" y="2117410"/>
+            <a:chExt cx="1964720" cy="1202211"/>
+          </a:xfrm>
+        </p:grpSpPr>
+        <p:sp>
+          <p:nvSpPr>
+            <p:cNvPr id="34" name="TextBox 33">
+              <a:extLst>
+                <a:ext uri="{FF2B5EF4-FFF2-40B4-BE49-F238E27FC236}">
+                  <a16:creationId xmlns:a16="http://schemas.microsoft.com/office/drawing/2014/main" id="{48666CF5-3764-6744-E438-C12226848B63}"/>
+                </a:ext>
+              </a:extLst>
+            </p:cNvPr>
+            <p:cNvSpPr txBox="1"/>
+            <p:nvPr/>
+          </p:nvSpPr>
+          <p:spPr>
+            <a:xfrm>
+              <a:off x="918780" y="2117410"/>
+              <a:ext cx="308098" cy="369332"/>
+            </a:xfrm>
+            <a:prstGeom prst="rect">
+              <a:avLst/>
+            </a:prstGeom>
+            <a:noFill/>
+          </p:spPr>
+          <p:txBody>
+            <a:bodyPr wrap="none" rtlCol="0">
+              <a:spAutoFit/>
+            </a:bodyPr>
+            <a:lstStyle/>
+            <a:p>
+              <a:r>
+                <a:rPr lang="en-US" b="1" dirty="0"/>
+                <a:t>0</a:t>
+              </a:r>
+            </a:p>
+          </p:txBody>
+        </p:sp>
+        <p:grpSp>
+          <p:nvGrpSpPr>
+            <p:cNvPr id="278" name="Group 277">
+              <a:extLst>
+                <a:ext uri="{FF2B5EF4-FFF2-40B4-BE49-F238E27FC236}">
+                  <a16:creationId xmlns:a16="http://schemas.microsoft.com/office/drawing/2014/main" id="{4048737D-0FFF-2CDD-C928-3B4E23F9AD7B}"/>
+                </a:ext>
+              </a:extLst>
+            </p:cNvPr>
+            <p:cNvGrpSpPr/>
+            <p:nvPr/>
+          </p:nvGrpSpPr>
+          <p:grpSpPr>
+            <a:xfrm>
+              <a:off x="427886" y="2188438"/>
+              <a:ext cx="1570631" cy="1131183"/>
+              <a:chOff x="427886" y="2188438"/>
+              <a:chExt cx="1570631" cy="1131183"/>
+            </a:xfrm>
+          </p:grpSpPr>
+          <p:sp>
+            <p:nvSpPr>
+              <p:cNvPr id="29" name="Rectangle 28">
+                <a:extLst>
+                  <a:ext uri="{FF2B5EF4-FFF2-40B4-BE49-F238E27FC236}">
+                    <a16:creationId xmlns:a16="http://schemas.microsoft.com/office/drawing/2014/main" id="{681E44A2-FAD2-F071-315C-AE6C2DA28499}"/>
+                  </a:ext>
+                </a:extLst>
+              </p:cNvPr>
+              <p:cNvSpPr/>
+              <p:nvPr/>
+            </p:nvSpPr>
+            <p:spPr>
+              <a:xfrm>
+                <a:off x="642519" y="2188438"/>
+                <a:ext cx="1355998" cy="1084442"/>
+              </a:xfrm>
+              <a:prstGeom prst="rect">
+                <a:avLst/>
+              </a:prstGeom>
+              <a:gradFill flip="none" rotWithShape="1">
+                <a:gsLst>
+                  <a:gs pos="30097">
+                    <a:schemeClr val="bg2">
+                      <a:lumMod val="90000"/>
+                    </a:schemeClr>
+                  </a:gs>
+                  <a:gs pos="62000">
+                    <a:schemeClr val="tx2">
+                      <a:lumMod val="50000"/>
+                      <a:lumOff val="50000"/>
+                    </a:schemeClr>
+                  </a:gs>
+                  <a:gs pos="36000">
+                    <a:schemeClr val="bg2">
+                      <a:lumMod val="90000"/>
+                    </a:schemeClr>
+                  </a:gs>
+                </a:gsLst>
+                <a:lin ang="5400000" scaled="1"/>
+                <a:tileRect/>
+              </a:gradFill>
+              <a:ln>
+                <a:noFill/>
+              </a:ln>
+            </p:spPr>
+            <p:style>
+              <a:lnRef idx="2">
+                <a:schemeClr val="accent1">
+                  <a:shade val="15000"/>
+                </a:schemeClr>
+              </a:lnRef>
+              <a:fillRef idx="1">
+                <a:schemeClr val="accent1"/>
+              </a:fillRef>
+              <a:effectRef idx="0">
+                <a:schemeClr val="accent1"/>
+              </a:effectRef>
+              <a:fontRef idx="minor">
+                <a:schemeClr val="lt1"/>
+              </a:fontRef>
+            </p:style>
+            <p:txBody>
+              <a:bodyPr rtlCol="0" anchor="ctr"/>
+              <a:lstStyle/>
+              <a:p>
+                <a:pPr algn="ctr"/>
+                <a:endParaRPr lang="en-US"/>
+              </a:p>
+            </p:txBody>
+          </p:sp>
+          <p:sp>
+            <p:nvSpPr>
+              <p:cNvPr id="30" name="Rectangle 29">
+                <a:extLst>
+                  <a:ext uri="{FF2B5EF4-FFF2-40B4-BE49-F238E27FC236}">
+                    <a16:creationId xmlns:a16="http://schemas.microsoft.com/office/drawing/2014/main" id="{4D23A105-2517-65E3-2F8B-5CC6D800292C}"/>
+                  </a:ext>
+                </a:extLst>
+              </p:cNvPr>
+              <p:cNvSpPr/>
+              <p:nvPr/>
+            </p:nvSpPr>
+            <p:spPr>
+              <a:xfrm>
+                <a:off x="427886" y="2413677"/>
+                <a:ext cx="214629" cy="200999"/>
+              </a:xfrm>
+              <a:prstGeom prst="rect">
+                <a:avLst/>
+              </a:prstGeom>
+              <a:solidFill>
+                <a:schemeClr val="tx2">
+                  <a:lumMod val="25000"/>
+                  <a:lumOff val="75000"/>
+                </a:schemeClr>
+              </a:solidFill>
+              <a:ln>
+                <a:noFill/>
+              </a:ln>
+            </p:spPr>
+            <p:style>
+              <a:lnRef idx="2">
+                <a:schemeClr val="accent1">
+                  <a:shade val="15000"/>
+                </a:schemeClr>
+              </a:lnRef>
+              <a:fillRef idx="1">
+                <a:schemeClr val="accent1"/>
+              </a:fillRef>
+              <a:effectRef idx="0">
+                <a:schemeClr val="accent1"/>
+              </a:effectRef>
+              <a:fontRef idx="minor">
+                <a:schemeClr val="lt1"/>
+              </a:fontRef>
+            </p:style>
+            <p:txBody>
+              <a:bodyPr rtlCol="0" anchor="ctr"/>
+              <a:lstStyle/>
+              <a:p>
+                <a:pPr algn="ctr"/>
+                <a:endParaRPr lang="en-US" b="1" dirty="0"/>
+              </a:p>
+            </p:txBody>
+          </p:sp>
+          <p:sp>
+            <p:nvSpPr>
+              <p:cNvPr id="31" name="Rectangle 30">
+                <a:extLst>
+                  <a:ext uri="{FF2B5EF4-FFF2-40B4-BE49-F238E27FC236}">
+                    <a16:creationId xmlns:a16="http://schemas.microsoft.com/office/drawing/2014/main" id="{B5BDCF78-0167-D93B-52A9-37BBDEC8175A}"/>
+                  </a:ext>
+                </a:extLst>
+              </p:cNvPr>
+              <p:cNvSpPr/>
+              <p:nvPr/>
+            </p:nvSpPr>
+            <p:spPr>
+              <a:xfrm>
+                <a:off x="427886" y="2866443"/>
+                <a:ext cx="214629" cy="200999"/>
+              </a:xfrm>
+              <a:prstGeom prst="rect">
+                <a:avLst/>
+              </a:prstGeom>
+              <a:solidFill>
+                <a:schemeClr val="tx2">
+                  <a:lumMod val="25000"/>
+                  <a:lumOff val="75000"/>
+                </a:schemeClr>
+              </a:solidFill>
+              <a:ln>
+                <a:noFill/>
+              </a:ln>
+            </p:spPr>
+            <p:style>
+              <a:lnRef idx="2">
+                <a:schemeClr val="accent1">
+                  <a:shade val="15000"/>
+                </a:schemeClr>
+              </a:lnRef>
+              <a:fillRef idx="1">
+                <a:schemeClr val="accent1"/>
+              </a:fillRef>
+              <a:effectRef idx="0">
+                <a:schemeClr val="accent1"/>
+              </a:effectRef>
+              <a:fontRef idx="minor">
+                <a:schemeClr val="lt1"/>
+              </a:fontRef>
+            </p:style>
+            <p:txBody>
+              <a:bodyPr rtlCol="0" anchor="ctr"/>
+              <a:lstStyle/>
+              <a:p>
+                <a:pPr algn="ctr"/>
+                <a:endParaRPr lang="en-US" b="1" dirty="0"/>
+              </a:p>
+            </p:txBody>
+          </p:sp>
+          <p:sp>
+            <p:nvSpPr>
+              <p:cNvPr id="32" name="Rectangle 31">
+                <a:extLst>
+                  <a:ext uri="{FF2B5EF4-FFF2-40B4-BE49-F238E27FC236}">
+                    <a16:creationId xmlns:a16="http://schemas.microsoft.com/office/drawing/2014/main" id="{05F671E8-9804-9174-F23A-59B5A2296281}"/>
+                  </a:ext>
+                </a:extLst>
+              </p:cNvPr>
+              <p:cNvSpPr/>
+              <p:nvPr/>
+            </p:nvSpPr>
+            <p:spPr>
+              <a:xfrm>
+                <a:off x="1733200" y="2844051"/>
+                <a:ext cx="260769" cy="247400"/>
+              </a:xfrm>
+              <a:prstGeom prst="rect">
+                <a:avLst/>
+              </a:prstGeom>
+              <a:solidFill>
+                <a:schemeClr val="bg1"/>
+              </a:solidFill>
+              <a:ln>
+                <a:solidFill>
+                  <a:schemeClr val="bg1"/>
+                </a:solidFill>
+              </a:ln>
+            </p:spPr>
+            <p:style>
+              <a:lnRef idx="2">
+                <a:schemeClr val="accent1">
+                  <a:shade val="15000"/>
+                </a:schemeClr>
+              </a:lnRef>
+              <a:fillRef idx="1">
+                <a:schemeClr val="accent1"/>
+              </a:fillRef>
+              <a:effectRef idx="0">
+                <a:schemeClr val="accent1"/>
+              </a:effectRef>
+              <a:fontRef idx="minor">
+                <a:schemeClr val="lt1"/>
+              </a:fontRef>
+            </p:style>
+            <p:txBody>
+              <a:bodyPr rtlCol="0" anchor="ctr"/>
+              <a:lstStyle/>
+              <a:p>
+                <a:pPr algn="ctr"/>
+                <a:endParaRPr lang="en-US" b="1"/>
+              </a:p>
+            </p:txBody>
+          </p:sp>
+          <p:sp>
+            <p:nvSpPr>
+              <p:cNvPr id="33" name="Rectangle 32">
+                <a:extLst>
+                  <a:ext uri="{FF2B5EF4-FFF2-40B4-BE49-F238E27FC236}">
+                    <a16:creationId xmlns:a16="http://schemas.microsoft.com/office/drawing/2014/main" id="{9F65DA1C-8917-2062-DDE7-955D90C99A77}"/>
+                  </a:ext>
+                </a:extLst>
+              </p:cNvPr>
+              <p:cNvSpPr/>
+              <p:nvPr/>
+            </p:nvSpPr>
+            <p:spPr>
+              <a:xfrm>
+                <a:off x="1190132" y="3025480"/>
+                <a:ext cx="260769" cy="247400"/>
+              </a:xfrm>
+              <a:prstGeom prst="rect">
+                <a:avLst/>
+              </a:prstGeom>
+              <a:solidFill>
+                <a:schemeClr val="bg1"/>
+              </a:solidFill>
+              <a:ln>
+                <a:solidFill>
+                  <a:schemeClr val="bg1"/>
+                </a:solidFill>
+              </a:ln>
+            </p:spPr>
+            <p:style>
+              <a:lnRef idx="2">
+                <a:schemeClr val="accent1">
+                  <a:shade val="15000"/>
+                </a:schemeClr>
+              </a:lnRef>
+              <a:fillRef idx="1">
+                <a:schemeClr val="accent1"/>
+              </a:fillRef>
+              <a:effectRef idx="0">
+                <a:schemeClr val="accent1"/>
+              </a:effectRef>
+              <a:fontRef idx="minor">
+                <a:schemeClr val="lt1"/>
+              </a:fontRef>
+            </p:style>
+            <p:txBody>
+              <a:bodyPr rtlCol="0" anchor="ctr"/>
+              <a:lstStyle/>
+              <a:p>
+                <a:pPr algn="ctr"/>
+                <a:endParaRPr lang="en-US"/>
+              </a:p>
+            </p:txBody>
+          </p:sp>
+          <p:sp>
+            <p:nvSpPr>
+              <p:cNvPr id="35" name="TextBox 34">
+                <a:extLst>
+                  <a:ext uri="{FF2B5EF4-FFF2-40B4-BE49-F238E27FC236}">
+                    <a16:creationId xmlns:a16="http://schemas.microsoft.com/office/drawing/2014/main" id="{CC06EA81-30CB-BB8F-E80B-DE7D8A89575F}"/>
+                  </a:ext>
+                </a:extLst>
+              </p:cNvPr>
+              <p:cNvSpPr txBox="1"/>
+              <p:nvPr/>
+            </p:nvSpPr>
+            <p:spPr>
+              <a:xfrm>
+                <a:off x="1424873" y="2950289"/>
+                <a:ext cx="308098" cy="369332"/>
+              </a:xfrm>
+              <a:prstGeom prst="rect">
+                <a:avLst/>
+              </a:prstGeom>
+              <a:noFill/>
+            </p:spPr>
+            <p:txBody>
+              <a:bodyPr wrap="none" rtlCol="0">
+                <a:spAutoFit/>
+              </a:bodyPr>
+              <a:lstStyle/>
+              <a:p>
+                <a:r>
+                  <a:rPr lang="en-US" b="1" dirty="0"/>
+                  <a:t>1</a:t>
+                </a:r>
+              </a:p>
+            </p:txBody>
+          </p:sp>
+          <p:cxnSp>
+            <p:nvCxnSpPr>
+              <p:cNvPr id="95" name="Connector: Curved 94">
+                <a:extLst>
+                  <a:ext uri="{FF2B5EF4-FFF2-40B4-BE49-F238E27FC236}">
+                    <a16:creationId xmlns:a16="http://schemas.microsoft.com/office/drawing/2014/main" id="{3255831B-7649-76AC-4677-CBF9F6251D49}"/>
+                  </a:ext>
+                </a:extLst>
+              </p:cNvPr>
+              <p:cNvCxnSpPr>
+                <a:cxnSpLocks/>
+                <a:stCxn id="97" idx="1"/>
+                <a:endCxn id="30" idx="3"/>
+              </p:cNvCxnSpPr>
+              <p:nvPr/>
+            </p:nvCxnSpPr>
+            <p:spPr>
+              <a:xfrm rot="16200000" flipV="1">
+                <a:off x="817809" y="2338884"/>
+                <a:ext cx="268421" cy="619007"/>
+              </a:xfrm>
+              <a:prstGeom prst="curvedConnector2">
+                <a:avLst/>
+              </a:prstGeom>
+              <a:ln>
+                <a:tailEnd type="triangle"/>
+              </a:ln>
+            </p:spPr>
+            <p:style>
+              <a:lnRef idx="2">
+                <a:schemeClr val="accent1"/>
+              </a:lnRef>
+              <a:fillRef idx="0">
+                <a:schemeClr val="accent1"/>
+              </a:fillRef>
+              <a:effectRef idx="1">
+                <a:schemeClr val="accent1"/>
+              </a:effectRef>
+              <a:fontRef idx="minor">
+                <a:schemeClr val="tx1"/>
+              </a:fontRef>
+            </p:style>
+          </p:cxnSp>
+          <p:cxnSp>
+            <p:nvCxnSpPr>
+              <p:cNvPr id="96" name="Connector: Curved 95">
+                <a:extLst>
+                  <a:ext uri="{FF2B5EF4-FFF2-40B4-BE49-F238E27FC236}">
+                    <a16:creationId xmlns:a16="http://schemas.microsoft.com/office/drawing/2014/main" id="{926046AC-CE31-D569-B5F3-DF264832715A}"/>
+                  </a:ext>
+                </a:extLst>
+              </p:cNvPr>
+              <p:cNvCxnSpPr>
+                <a:cxnSpLocks/>
+                <a:stCxn id="97" idx="3"/>
+                <a:endCxn id="31" idx="3"/>
+              </p:cNvCxnSpPr>
+              <p:nvPr/>
+            </p:nvCxnSpPr>
+            <p:spPr>
+              <a:xfrm rot="5400000">
+                <a:off x="921931" y="2627352"/>
+                <a:ext cx="60176" cy="619007"/>
+              </a:xfrm>
+              <a:prstGeom prst="curvedConnector2">
+                <a:avLst/>
+              </a:prstGeom>
+              <a:ln>
+                <a:tailEnd type="triangle"/>
+              </a:ln>
+            </p:spPr>
+            <p:style>
+              <a:lnRef idx="2">
+                <a:schemeClr val="accent1"/>
+              </a:lnRef>
+              <a:fillRef idx="0">
+                <a:schemeClr val="accent1"/>
+              </a:fillRef>
+              <a:effectRef idx="1">
+                <a:schemeClr val="accent1"/>
+              </a:effectRef>
+              <a:fontRef idx="minor">
+                <a:schemeClr val="tx1"/>
+              </a:fontRef>
+            </p:style>
+          </p:cxnSp>
+          <p:sp>
+            <p:nvSpPr>
+              <p:cNvPr id="97" name="Oval 96">
+                <a:extLst>
+                  <a:ext uri="{FF2B5EF4-FFF2-40B4-BE49-F238E27FC236}">
+                    <a16:creationId xmlns:a16="http://schemas.microsoft.com/office/drawing/2014/main" id="{C3168F44-67B1-D0E0-A078-2802F34525A1}"/>
+                  </a:ext>
+                </a:extLst>
+              </p:cNvPr>
+              <p:cNvSpPr/>
+              <p:nvPr/>
+            </p:nvSpPr>
+            <p:spPr>
+              <a:xfrm>
+                <a:off x="1238969" y="2756882"/>
+                <a:ext cx="154001" cy="175601"/>
+              </a:xfrm>
+              <a:prstGeom prst="ellipse">
+                <a:avLst/>
+              </a:prstGeom>
+            </p:spPr>
+            <p:style>
+              <a:lnRef idx="2">
+                <a:schemeClr val="accent1">
+                  <a:shade val="15000"/>
+                </a:schemeClr>
+              </a:lnRef>
+              <a:fillRef idx="1">
+                <a:schemeClr val="accent1"/>
+              </a:fillRef>
+              <a:effectRef idx="0">
+                <a:schemeClr val="accent1"/>
+              </a:effectRef>
+              <a:fontRef idx="minor">
+                <a:schemeClr val="lt1"/>
+              </a:fontRef>
+            </p:style>
+            <p:txBody>
+              <a:bodyPr rtlCol="0" anchor="ctr"/>
+              <a:lstStyle/>
+              <a:p>
+                <a:pPr algn="ctr"/>
+                <a:endParaRPr lang="en-US" sz="500" dirty="0"/>
+              </a:p>
+            </p:txBody>
+          </p:sp>
+          <p:cxnSp>
+            <p:nvCxnSpPr>
+              <p:cNvPr id="98" name="Connector: Curved 97">
+                <a:extLst>
+                  <a:ext uri="{FF2B5EF4-FFF2-40B4-BE49-F238E27FC236}">
+                    <a16:creationId xmlns:a16="http://schemas.microsoft.com/office/drawing/2014/main" id="{3868B91E-9105-3D8D-BBDE-0695EA3AACD5}"/>
+                  </a:ext>
+                </a:extLst>
+              </p:cNvPr>
+              <p:cNvCxnSpPr>
+                <a:cxnSpLocks/>
+                <a:stCxn id="97" idx="0"/>
+                <a:endCxn id="30" idx="3"/>
+              </p:cNvCxnSpPr>
+              <p:nvPr/>
+            </p:nvCxnSpPr>
+            <p:spPr>
+              <a:xfrm rot="16200000" flipV="1">
+                <a:off x="857891" y="2298802"/>
+                <a:ext cx="242705" cy="673455"/>
+              </a:xfrm>
+              <a:prstGeom prst="curvedConnector2">
+                <a:avLst/>
+              </a:prstGeom>
+              <a:ln>
+                <a:tailEnd type="triangle"/>
+              </a:ln>
+            </p:spPr>
+            <p:style>
+              <a:lnRef idx="2">
+                <a:schemeClr val="accent1"/>
+              </a:lnRef>
+              <a:fillRef idx="0">
+                <a:schemeClr val="accent1"/>
+              </a:fillRef>
+              <a:effectRef idx="1">
+                <a:schemeClr val="accent1"/>
+              </a:effectRef>
+              <a:fontRef idx="minor">
+                <a:schemeClr val="tx1"/>
+              </a:fontRef>
+            </p:style>
+          </p:cxnSp>
+          <p:cxnSp>
+            <p:nvCxnSpPr>
+              <p:cNvPr id="150" name="Connector: Curved 149">
+                <a:extLst>
+                  <a:ext uri="{FF2B5EF4-FFF2-40B4-BE49-F238E27FC236}">
+                    <a16:creationId xmlns:a16="http://schemas.microsoft.com/office/drawing/2014/main" id="{68627A2E-6BDA-A37F-223A-7254269C42F4}"/>
+                  </a:ext>
+                </a:extLst>
+              </p:cNvPr>
+              <p:cNvCxnSpPr>
+                <a:cxnSpLocks/>
+                <a:stCxn id="32" idx="1"/>
+                <a:endCxn id="31" idx="3"/>
+              </p:cNvCxnSpPr>
+              <p:nvPr/>
+            </p:nvCxnSpPr>
+            <p:spPr>
+              <a:xfrm rot="10800000">
+                <a:off x="642516" y="2966943"/>
+                <a:ext cx="1090685" cy="808"/>
+              </a:xfrm>
+              <a:prstGeom prst="curvedConnector3">
+                <a:avLst>
+                  <a:gd name="adj1" fmla="val 50000"/>
+                </a:avLst>
+              </a:prstGeom>
+              <a:ln>
+                <a:tailEnd type="triangle"/>
+              </a:ln>
+            </p:spPr>
+            <p:style>
+              <a:lnRef idx="2">
+                <a:schemeClr val="accent1"/>
+              </a:lnRef>
+              <a:fillRef idx="0">
+                <a:schemeClr val="accent1"/>
+              </a:fillRef>
+              <a:effectRef idx="1">
+                <a:schemeClr val="accent1"/>
+              </a:effectRef>
+              <a:fontRef idx="minor">
+                <a:schemeClr val="tx1"/>
+              </a:fontRef>
+            </p:style>
+          </p:cxnSp>
+        </p:grpSp>
+        <p:sp>
+          <p:nvSpPr>
+            <p:cNvPr id="4" name="TextBox 3">
+              <a:extLst>
+                <a:ext uri="{FF2B5EF4-FFF2-40B4-BE49-F238E27FC236}">
+                  <a16:creationId xmlns:a16="http://schemas.microsoft.com/office/drawing/2014/main" id="{18186279-8148-E3A6-C34A-53ADB3FA7ED5}"/>
+                </a:ext>
+              </a:extLst>
+            </p:cNvPr>
+            <p:cNvSpPr txBox="1"/>
+            <p:nvPr/>
+          </p:nvSpPr>
+          <p:spPr>
+            <a:xfrm>
+              <a:off x="908299" y="2123010"/>
+              <a:ext cx="308098" cy="369332"/>
+            </a:xfrm>
+            <a:prstGeom prst="rect">
+              <a:avLst/>
+            </a:prstGeom>
+            <a:noFill/>
+          </p:spPr>
+          <p:txBody>
+            <a:bodyPr wrap="none" rtlCol="0">
+              <a:spAutoFit/>
+            </a:bodyPr>
+            <a:lstStyle/>
+            <a:p>
+              <a:r>
+                <a:rPr lang="en-US" b="1" dirty="0"/>
+                <a:t>0</a:t>
+              </a:r>
+            </a:p>
+          </p:txBody>
+        </p:sp>
+        <p:sp>
+          <p:nvSpPr>
+            <p:cNvPr id="48" name="TextBox 47">
+              <a:extLst>
+                <a:ext uri="{FF2B5EF4-FFF2-40B4-BE49-F238E27FC236}">
+                  <a16:creationId xmlns:a16="http://schemas.microsoft.com/office/drawing/2014/main" id="{4BD9F8C5-7D24-B215-BE73-4EF6C8BD3FDE}"/>
+                </a:ext>
+              </a:extLst>
+            </p:cNvPr>
+            <p:cNvSpPr txBox="1"/>
+            <p:nvPr/>
+          </p:nvSpPr>
+          <p:spPr>
+            <a:xfrm>
+              <a:off x="2047640" y="2194215"/>
+              <a:ext cx="344966" cy="369332"/>
+            </a:xfrm>
+            <a:prstGeom prst="rect">
+              <a:avLst/>
+            </a:prstGeom>
+            <a:noFill/>
+          </p:spPr>
+          <p:txBody>
+            <a:bodyPr wrap="none" rtlCol="0">
+              <a:spAutoFit/>
+            </a:bodyPr>
+            <a:lstStyle/>
+            <a:p>
+              <a:r>
+                <a:rPr lang="en-US" dirty="0"/>
+                <a:t>C</a:t>
+              </a:r>
+            </a:p>
+          </p:txBody>
+        </p:sp>
+      </p:grpSp>
+      <p:grpSp>
+        <p:nvGrpSpPr>
+          <p:cNvPr id="65" name="Group 64">
+            <a:extLst>
+              <a:ext uri="{FF2B5EF4-FFF2-40B4-BE49-F238E27FC236}">
+                <a16:creationId xmlns:a16="http://schemas.microsoft.com/office/drawing/2014/main" id="{FB9ABA30-1C84-BF9C-E4EE-99A31AB11676}"/>
+              </a:ext>
+            </a:extLst>
+          </p:cNvPr>
+          <p:cNvGrpSpPr/>
+          <p:nvPr/>
+        </p:nvGrpSpPr>
+        <p:grpSpPr>
+          <a:xfrm>
+            <a:off x="1016202" y="663876"/>
+            <a:ext cx="1689692" cy="1196611"/>
+            <a:chOff x="3322910" y="2123010"/>
+            <a:chExt cx="1689692" cy="1196611"/>
+          </a:xfrm>
+        </p:grpSpPr>
+        <p:grpSp>
+          <p:nvGrpSpPr>
+            <p:cNvPr id="274" name="Group 273">
+              <a:extLst>
+                <a:ext uri="{FF2B5EF4-FFF2-40B4-BE49-F238E27FC236}">
+                  <a16:creationId xmlns:a16="http://schemas.microsoft.com/office/drawing/2014/main" id="{D5895712-4E62-2E8D-81F0-23A88A6A8E58}"/>
+                </a:ext>
+              </a:extLst>
+            </p:cNvPr>
+            <p:cNvGrpSpPr/>
+            <p:nvPr/>
+          </p:nvGrpSpPr>
+          <p:grpSpPr>
+            <a:xfrm>
+              <a:off x="3322910" y="2123010"/>
+              <a:ext cx="1355998" cy="1196611"/>
+              <a:chOff x="3322910" y="2123010"/>
+              <a:chExt cx="1355998" cy="1196611"/>
+            </a:xfrm>
+          </p:grpSpPr>
+          <p:sp>
+            <p:nvSpPr>
+              <p:cNvPr id="43" name="Rectangle 42">
+                <a:extLst>
+                  <a:ext uri="{FF2B5EF4-FFF2-40B4-BE49-F238E27FC236}">
+                    <a16:creationId xmlns:a16="http://schemas.microsoft.com/office/drawing/2014/main" id="{2AE8A90F-9167-3545-DD8B-C6623566BD46}"/>
+                  </a:ext>
+                </a:extLst>
+              </p:cNvPr>
+              <p:cNvSpPr/>
+              <p:nvPr/>
+            </p:nvSpPr>
+            <p:spPr>
+              <a:xfrm>
+                <a:off x="3322910" y="2165723"/>
+                <a:ext cx="1355998" cy="1084442"/>
+              </a:xfrm>
+              <a:prstGeom prst="rect">
+                <a:avLst/>
+              </a:prstGeom>
+              <a:gradFill flip="none" rotWithShape="1">
+                <a:gsLst>
+                  <a:gs pos="100000">
+                    <a:schemeClr val="bg2">
+                      <a:lumMod val="90000"/>
+                    </a:schemeClr>
+                  </a:gs>
+                  <a:gs pos="0">
+                    <a:schemeClr val="bg2">
+                      <a:lumMod val="90000"/>
+                    </a:schemeClr>
+                  </a:gs>
+                </a:gsLst>
+                <a:lin ang="5400000" scaled="1"/>
+                <a:tileRect/>
+              </a:gradFill>
+              <a:ln>
+                <a:noFill/>
+              </a:ln>
+            </p:spPr>
+            <p:style>
+              <a:lnRef idx="2">
+                <a:schemeClr val="accent1">
+                  <a:shade val="15000"/>
+                </a:schemeClr>
+              </a:lnRef>
+              <a:fillRef idx="1">
+                <a:schemeClr val="accent1"/>
+              </a:fillRef>
+              <a:effectRef idx="0">
+                <a:schemeClr val="accent1"/>
+              </a:effectRef>
+              <a:fontRef idx="minor">
+                <a:schemeClr val="lt1"/>
+              </a:fontRef>
+            </p:style>
+            <p:txBody>
+              <a:bodyPr rtlCol="0" anchor="ctr"/>
+              <a:lstStyle/>
+              <a:p>
+                <a:pPr algn="ctr"/>
+                <a:endParaRPr lang="en-US"/>
+              </a:p>
+            </p:txBody>
+          </p:sp>
+          <p:sp>
+            <p:nvSpPr>
+              <p:cNvPr id="44" name="TextBox 43">
+                <a:extLst>
+                  <a:ext uri="{FF2B5EF4-FFF2-40B4-BE49-F238E27FC236}">
+                    <a16:creationId xmlns:a16="http://schemas.microsoft.com/office/drawing/2014/main" id="{B9ED7093-591A-89F0-9AF9-9254F144AC56}"/>
+                  </a:ext>
+                </a:extLst>
+              </p:cNvPr>
+              <p:cNvSpPr txBox="1"/>
+              <p:nvPr/>
+            </p:nvSpPr>
+            <p:spPr>
+              <a:xfrm>
+                <a:off x="3593759" y="2123010"/>
+                <a:ext cx="308098" cy="369332"/>
+              </a:xfrm>
+              <a:prstGeom prst="rect">
+                <a:avLst/>
+              </a:prstGeom>
+              <a:noFill/>
+            </p:spPr>
+            <p:txBody>
+              <a:bodyPr wrap="none" rtlCol="0">
+                <a:spAutoFit/>
+              </a:bodyPr>
+              <a:lstStyle/>
+              <a:p>
+                <a:r>
+                  <a:rPr lang="en-US" b="1" dirty="0"/>
+                  <a:t>0</a:t>
+                </a:r>
+              </a:p>
+            </p:txBody>
+          </p:sp>
+          <p:sp>
+            <p:nvSpPr>
+              <p:cNvPr id="45" name="TextBox 44">
+                <a:extLst>
+                  <a:ext uri="{FF2B5EF4-FFF2-40B4-BE49-F238E27FC236}">
+                    <a16:creationId xmlns:a16="http://schemas.microsoft.com/office/drawing/2014/main" id="{950BCABF-10A8-5A0A-50F2-1909BFF8CCC7}"/>
+                  </a:ext>
+                </a:extLst>
+              </p:cNvPr>
+              <p:cNvSpPr txBox="1"/>
+              <p:nvPr/>
+            </p:nvSpPr>
+            <p:spPr>
+              <a:xfrm>
+                <a:off x="4090001" y="2950289"/>
+                <a:ext cx="308098" cy="369332"/>
+              </a:xfrm>
+              <a:prstGeom prst="rect">
+                <a:avLst/>
+              </a:prstGeom>
+              <a:noFill/>
+            </p:spPr>
+            <p:txBody>
+              <a:bodyPr wrap="none" rtlCol="0">
+                <a:spAutoFit/>
+              </a:bodyPr>
+              <a:lstStyle/>
+              <a:p>
+                <a:r>
+                  <a:rPr lang="en-US" b="1" dirty="0"/>
+                  <a:t>0</a:t>
+                </a:r>
+              </a:p>
+            </p:txBody>
+          </p:sp>
+        </p:grpSp>
+        <p:sp>
+          <p:nvSpPr>
+            <p:cNvPr id="56" name="TextBox 55">
+              <a:extLst>
+                <a:ext uri="{FF2B5EF4-FFF2-40B4-BE49-F238E27FC236}">
+                  <a16:creationId xmlns:a16="http://schemas.microsoft.com/office/drawing/2014/main" id="{D852AA71-8AA8-E257-4017-F63C380D9ED2}"/>
+                </a:ext>
+              </a:extLst>
+            </p:cNvPr>
+            <p:cNvSpPr txBox="1"/>
+            <p:nvPr/>
+          </p:nvSpPr>
+          <p:spPr>
+            <a:xfrm>
+              <a:off x="4699696" y="2125339"/>
+              <a:ext cx="312906" cy="369332"/>
+            </a:xfrm>
+            <a:prstGeom prst="rect">
+              <a:avLst/>
+            </a:prstGeom>
+            <a:noFill/>
+          </p:spPr>
+          <p:txBody>
+            <a:bodyPr wrap="none" rtlCol="0">
+              <a:spAutoFit/>
+            </a:bodyPr>
+            <a:lstStyle/>
+            <a:p>
+              <a:r>
+                <a:rPr lang="en-US" dirty="0"/>
+                <a:t>E</a:t>
+              </a:r>
+            </a:p>
+          </p:txBody>
+        </p:sp>
+      </p:grpSp>
+      <p:grpSp>
+        <p:nvGrpSpPr>
+          <p:cNvPr id="67" name="Group 66">
+            <a:extLst>
+              <a:ext uri="{FF2B5EF4-FFF2-40B4-BE49-F238E27FC236}">
+                <a16:creationId xmlns:a16="http://schemas.microsoft.com/office/drawing/2014/main" id="{0F57B776-113B-9FF8-F8CA-5C5A7CB3BBEE}"/>
+              </a:ext>
+            </a:extLst>
+          </p:cNvPr>
+          <p:cNvGrpSpPr/>
+          <p:nvPr/>
+        </p:nvGrpSpPr>
+        <p:grpSpPr>
+          <a:xfrm>
+            <a:off x="801573" y="2275060"/>
+            <a:ext cx="1956307" cy="1398698"/>
+            <a:chOff x="3116977" y="4970639"/>
+            <a:chExt cx="1956307" cy="1398698"/>
+          </a:xfrm>
+        </p:grpSpPr>
+        <p:grpSp>
+          <p:nvGrpSpPr>
+            <p:cNvPr id="276" name="Group 275">
+              <a:extLst>
+                <a:ext uri="{FF2B5EF4-FFF2-40B4-BE49-F238E27FC236}">
+                  <a16:creationId xmlns:a16="http://schemas.microsoft.com/office/drawing/2014/main" id="{670C15CF-FBE8-4517-2221-55CFA5F35A95}"/>
+                </a:ext>
+              </a:extLst>
+            </p:cNvPr>
+            <p:cNvGrpSpPr/>
+            <p:nvPr/>
+          </p:nvGrpSpPr>
+          <p:grpSpPr>
+            <a:xfrm>
+              <a:off x="3116977" y="4970639"/>
+              <a:ext cx="1575766" cy="1398698"/>
+              <a:chOff x="3116977" y="4970639"/>
+              <a:chExt cx="1575766" cy="1398698"/>
+            </a:xfrm>
+          </p:grpSpPr>
+          <p:sp>
+            <p:nvSpPr>
+              <p:cNvPr id="47" name="Rectangle 46">
+                <a:extLst>
+                  <a:ext uri="{FF2B5EF4-FFF2-40B4-BE49-F238E27FC236}">
+                    <a16:creationId xmlns:a16="http://schemas.microsoft.com/office/drawing/2014/main" id="{C6C9F93C-00AF-D291-1B4E-06AA7F59023C}"/>
+                  </a:ext>
+                </a:extLst>
+              </p:cNvPr>
+              <p:cNvSpPr/>
+              <p:nvPr/>
+            </p:nvSpPr>
+            <p:spPr>
+              <a:xfrm>
+                <a:off x="3336745" y="5218041"/>
+                <a:ext cx="1355998" cy="1084442"/>
+              </a:xfrm>
+              <a:prstGeom prst="rect">
+                <a:avLst/>
+              </a:prstGeom>
+              <a:gradFill flip="none" rotWithShape="1">
+                <a:gsLst>
+                  <a:gs pos="100000">
+                    <a:schemeClr val="tx2">
+                      <a:lumMod val="50000"/>
+                      <a:lumOff val="50000"/>
+                    </a:schemeClr>
+                  </a:gs>
+                  <a:gs pos="0">
+                    <a:schemeClr val="tx2">
+                      <a:lumMod val="50000"/>
+                      <a:lumOff val="50000"/>
+                    </a:schemeClr>
+                  </a:gs>
+                </a:gsLst>
+                <a:lin ang="5400000" scaled="1"/>
+                <a:tileRect/>
+              </a:gradFill>
+              <a:ln>
+                <a:noFill/>
+              </a:ln>
+            </p:spPr>
+            <p:style>
+              <a:lnRef idx="2">
+                <a:schemeClr val="accent1">
+                  <a:shade val="15000"/>
+                </a:schemeClr>
+              </a:lnRef>
+              <a:fillRef idx="1">
+                <a:schemeClr val="accent1"/>
+              </a:fillRef>
+              <a:effectRef idx="0">
+                <a:schemeClr val="accent1"/>
+              </a:effectRef>
+              <a:fontRef idx="minor">
+                <a:schemeClr val="lt1"/>
+              </a:fontRef>
+            </p:style>
+            <p:txBody>
+              <a:bodyPr rtlCol="0" anchor="ctr"/>
+              <a:lstStyle/>
+              <a:p>
+                <a:pPr algn="ctr"/>
+                <a:endParaRPr lang="en-US"/>
+              </a:p>
+            </p:txBody>
+          </p:sp>
+          <p:sp>
+            <p:nvSpPr>
+              <p:cNvPr id="49" name="Rectangle 48">
+                <a:extLst>
+                  <a:ext uri="{FF2B5EF4-FFF2-40B4-BE49-F238E27FC236}">
+                    <a16:creationId xmlns:a16="http://schemas.microsoft.com/office/drawing/2014/main" id="{92E57A70-88AE-E39D-0694-A8E2374EF27F}"/>
+                  </a:ext>
+                </a:extLst>
+              </p:cNvPr>
+              <p:cNvSpPr/>
+              <p:nvPr/>
+            </p:nvSpPr>
+            <p:spPr>
+              <a:xfrm>
+                <a:off x="3916038" y="4970639"/>
+                <a:ext cx="220479" cy="247400"/>
+              </a:xfrm>
+              <a:prstGeom prst="rect">
+                <a:avLst/>
+              </a:prstGeom>
+              <a:solidFill>
+                <a:schemeClr val="tx2">
+                  <a:lumMod val="50000"/>
+                  <a:lumOff val="50000"/>
+                </a:schemeClr>
+              </a:solidFill>
+              <a:ln>
+                <a:noFill/>
+              </a:ln>
+            </p:spPr>
+            <p:style>
+              <a:lnRef idx="2">
+                <a:schemeClr val="accent1">
+                  <a:shade val="15000"/>
+                </a:schemeClr>
+              </a:lnRef>
+              <a:fillRef idx="1">
+                <a:schemeClr val="accent1"/>
+              </a:fillRef>
+              <a:effectRef idx="0">
+                <a:schemeClr val="accent1"/>
+              </a:effectRef>
+              <a:fontRef idx="minor">
+                <a:schemeClr val="lt1"/>
+              </a:fontRef>
+            </p:style>
+            <p:txBody>
+              <a:bodyPr rtlCol="0" anchor="ctr"/>
+              <a:lstStyle/>
+              <a:p>
+                <a:pPr algn="ctr"/>
+                <a:endParaRPr lang="en-US"/>
+              </a:p>
+            </p:txBody>
+          </p:sp>
+          <p:sp>
+            <p:nvSpPr>
+              <p:cNvPr id="50" name="Rectangle 49">
+                <a:extLst>
+                  <a:ext uri="{FF2B5EF4-FFF2-40B4-BE49-F238E27FC236}">
+                    <a16:creationId xmlns:a16="http://schemas.microsoft.com/office/drawing/2014/main" id="{A1423CF1-CCC6-5B38-BFC8-6409033411F0}"/>
+                  </a:ext>
+                </a:extLst>
+              </p:cNvPr>
+              <p:cNvSpPr/>
+              <p:nvPr/>
+            </p:nvSpPr>
+            <p:spPr>
+              <a:xfrm>
+                <a:off x="3884358" y="6055083"/>
+                <a:ext cx="260769" cy="247400"/>
+              </a:xfrm>
+              <a:prstGeom prst="rect">
+                <a:avLst/>
+              </a:prstGeom>
+              <a:solidFill>
+                <a:schemeClr val="bg1"/>
+              </a:solidFill>
+              <a:ln>
+                <a:solidFill>
+                  <a:schemeClr val="bg1"/>
+                </a:solidFill>
+              </a:ln>
+            </p:spPr>
+            <p:style>
+              <a:lnRef idx="2">
+                <a:schemeClr val="accent1">
+                  <a:shade val="15000"/>
+                </a:schemeClr>
+              </a:lnRef>
+              <a:fillRef idx="1">
+                <a:schemeClr val="accent1"/>
+              </a:fillRef>
+              <a:effectRef idx="0">
+                <a:schemeClr val="accent1"/>
+              </a:effectRef>
+              <a:fontRef idx="minor">
+                <a:schemeClr val="lt1"/>
+              </a:fontRef>
+            </p:style>
+            <p:txBody>
+              <a:bodyPr rtlCol="0" anchor="ctr"/>
+              <a:lstStyle/>
+              <a:p>
+                <a:pPr algn="ctr"/>
+                <a:endParaRPr lang="en-US"/>
+              </a:p>
+            </p:txBody>
+          </p:sp>
+          <p:sp>
+            <p:nvSpPr>
+              <p:cNvPr id="51" name="TextBox 50">
+                <a:extLst>
+                  <a:ext uri="{FF2B5EF4-FFF2-40B4-BE49-F238E27FC236}">
+                    <a16:creationId xmlns:a16="http://schemas.microsoft.com/office/drawing/2014/main" id="{E9A89748-E41C-EAD0-A975-2E4914B3FBB0}"/>
+                  </a:ext>
+                </a:extLst>
+              </p:cNvPr>
+              <p:cNvSpPr txBox="1"/>
+              <p:nvPr/>
+            </p:nvSpPr>
+            <p:spPr>
+              <a:xfrm>
+                <a:off x="3615001" y="5151187"/>
+                <a:ext cx="308098" cy="369332"/>
+              </a:xfrm>
+              <a:prstGeom prst="rect">
+                <a:avLst/>
+              </a:prstGeom>
+              <a:noFill/>
+            </p:spPr>
+            <p:txBody>
+              <a:bodyPr wrap="none" rtlCol="0">
+                <a:spAutoFit/>
+              </a:bodyPr>
+              <a:lstStyle/>
+              <a:p>
+                <a:r>
+                  <a:rPr lang="en-US" sz="1800" b="1" dirty="0">
+                    <a:solidFill>
+                      <a:srgbClr val="000000"/>
+                    </a:solidFill>
+                    <a:effectLst/>
+                    <a:latin typeface="Aptos" panose="020B0004020202020204" pitchFamily="34" charset="0"/>
+                  </a:rPr>
+                  <a:t>1</a:t>
+                </a:r>
+                <a:endParaRPr lang="en-US" b="1" dirty="0"/>
+              </a:p>
+            </p:txBody>
+          </p:sp>
+          <p:sp>
+            <p:nvSpPr>
+              <p:cNvPr id="52" name="TextBox 51">
+                <a:extLst>
+                  <a:ext uri="{FF2B5EF4-FFF2-40B4-BE49-F238E27FC236}">
+                    <a16:creationId xmlns:a16="http://schemas.microsoft.com/office/drawing/2014/main" id="{8AB97C51-6998-0969-5C10-490F693F3991}"/>
+                  </a:ext>
+                </a:extLst>
+              </p:cNvPr>
+              <p:cNvSpPr txBox="1"/>
+              <p:nvPr/>
+            </p:nvSpPr>
+            <p:spPr>
+              <a:xfrm>
+                <a:off x="4119041" y="6000005"/>
+                <a:ext cx="308098" cy="369332"/>
+              </a:xfrm>
+              <a:prstGeom prst="rect">
+                <a:avLst/>
+              </a:prstGeom>
+              <a:noFill/>
+            </p:spPr>
+            <p:txBody>
+              <a:bodyPr wrap="none" rtlCol="0">
+                <a:spAutoFit/>
+              </a:bodyPr>
+              <a:lstStyle/>
+              <a:p>
+                <a:r>
+                  <a:rPr lang="en-US" b="1" dirty="0"/>
+                  <a:t>1</a:t>
+                </a:r>
+              </a:p>
+            </p:txBody>
+          </p:sp>
+          <p:cxnSp>
+            <p:nvCxnSpPr>
+              <p:cNvPr id="123" name="Connector: Curved 122">
+                <a:extLst>
+                  <a:ext uri="{FF2B5EF4-FFF2-40B4-BE49-F238E27FC236}">
+                    <a16:creationId xmlns:a16="http://schemas.microsoft.com/office/drawing/2014/main" id="{74A27A0A-E43E-8964-64F7-DF7D862CE700}"/>
+                  </a:ext>
+                </a:extLst>
+              </p:cNvPr>
+              <p:cNvCxnSpPr>
+                <a:cxnSpLocks/>
+                <a:stCxn id="125" idx="0"/>
+                <a:endCxn id="49" idx="2"/>
+              </p:cNvCxnSpPr>
+              <p:nvPr/>
+            </p:nvCxnSpPr>
+            <p:spPr>
+              <a:xfrm rot="5400000" flipH="1" flipV="1">
+                <a:off x="3710054" y="5529831"/>
+                <a:ext cx="628016" cy="4432"/>
+              </a:xfrm>
+              <a:prstGeom prst="curvedConnector3">
+                <a:avLst>
+                  <a:gd name="adj1" fmla="val 50000"/>
+                </a:avLst>
+              </a:prstGeom>
+              <a:ln>
+                <a:tailEnd type="triangle"/>
+              </a:ln>
+            </p:spPr>
+            <p:style>
+              <a:lnRef idx="2">
+                <a:schemeClr val="accent1"/>
+              </a:lnRef>
+              <a:fillRef idx="0">
+                <a:schemeClr val="accent1"/>
+              </a:fillRef>
+              <a:effectRef idx="1">
+                <a:schemeClr val="accent1"/>
+              </a:effectRef>
+              <a:fontRef idx="minor">
+                <a:schemeClr val="tx1"/>
+              </a:fontRef>
+            </p:style>
+          </p:cxnSp>
+          <p:cxnSp>
+            <p:nvCxnSpPr>
+              <p:cNvPr id="124" name="Connector: Curved 123">
+                <a:extLst>
+                  <a:ext uri="{FF2B5EF4-FFF2-40B4-BE49-F238E27FC236}">
+                    <a16:creationId xmlns:a16="http://schemas.microsoft.com/office/drawing/2014/main" id="{794FFDA9-D932-2690-86C9-C639F6ECC16D}"/>
+                  </a:ext>
+                </a:extLst>
+              </p:cNvPr>
+              <p:cNvCxnSpPr>
+                <a:cxnSpLocks/>
+                <a:stCxn id="125" idx="1"/>
+                <a:endCxn id="247" idx="3"/>
+              </p:cNvCxnSpPr>
+              <p:nvPr/>
+            </p:nvCxnSpPr>
+            <p:spPr>
+              <a:xfrm rot="16200000" flipH="1" flipV="1">
+                <a:off x="3601385" y="5601992"/>
+                <a:ext cx="96234" cy="635792"/>
+              </a:xfrm>
+              <a:prstGeom prst="curvedConnector4">
+                <a:avLst>
+                  <a:gd name="adj1" fmla="val -26394"/>
+                  <a:gd name="adj2" fmla="val 51774"/>
+                </a:avLst>
+              </a:prstGeom>
+              <a:ln>
+                <a:tailEnd type="triangle"/>
+              </a:ln>
+            </p:spPr>
+            <p:style>
+              <a:lnRef idx="2">
+                <a:schemeClr val="accent1"/>
+              </a:lnRef>
+              <a:fillRef idx="0">
+                <a:schemeClr val="accent1"/>
+              </a:fillRef>
+              <a:effectRef idx="1">
+                <a:schemeClr val="accent1"/>
+              </a:effectRef>
+              <a:fontRef idx="minor">
+                <a:schemeClr val="tx1"/>
+              </a:fontRef>
+            </p:style>
+          </p:cxnSp>
+          <p:sp>
+            <p:nvSpPr>
+              <p:cNvPr id="125" name="Oval 124">
+                <a:extLst>
+                  <a:ext uri="{FF2B5EF4-FFF2-40B4-BE49-F238E27FC236}">
+                    <a16:creationId xmlns:a16="http://schemas.microsoft.com/office/drawing/2014/main" id="{C742A55E-1C55-8ECB-2C3D-BCE9F6A6CE25}"/>
+                  </a:ext>
+                </a:extLst>
+              </p:cNvPr>
+              <p:cNvSpPr/>
+              <p:nvPr/>
+            </p:nvSpPr>
+            <p:spPr>
+              <a:xfrm>
+                <a:off x="3944845" y="5846055"/>
+                <a:ext cx="154001" cy="175601"/>
+              </a:xfrm>
+              <a:prstGeom prst="ellipse">
+                <a:avLst/>
+              </a:prstGeom>
+            </p:spPr>
+            <p:style>
+              <a:lnRef idx="2">
+                <a:schemeClr val="accent1">
+                  <a:shade val="15000"/>
+                </a:schemeClr>
+              </a:lnRef>
+              <a:fillRef idx="1">
+                <a:schemeClr val="accent1"/>
+              </a:fillRef>
+              <a:effectRef idx="0">
+                <a:schemeClr val="accent1"/>
+              </a:effectRef>
+              <a:fontRef idx="minor">
+                <a:schemeClr val="lt1"/>
+              </a:fontRef>
+            </p:style>
+            <p:txBody>
+              <a:bodyPr rtlCol="0" anchor="ctr"/>
+              <a:lstStyle/>
+              <a:p>
+                <a:pPr algn="ctr"/>
+                <a:endParaRPr lang="en-US" sz="500" dirty="0"/>
+              </a:p>
+            </p:txBody>
+          </p:sp>
+          <p:cxnSp>
+            <p:nvCxnSpPr>
+              <p:cNvPr id="126" name="Connector: Curved 125">
+                <a:extLst>
+                  <a:ext uri="{FF2B5EF4-FFF2-40B4-BE49-F238E27FC236}">
+                    <a16:creationId xmlns:a16="http://schemas.microsoft.com/office/drawing/2014/main" id="{93D6E7E3-A7D7-2220-A2FD-DBB5137F2D4C}"/>
+                  </a:ext>
+                </a:extLst>
+              </p:cNvPr>
+              <p:cNvCxnSpPr>
+                <a:cxnSpLocks/>
+                <a:stCxn id="125" idx="2"/>
+                <a:endCxn id="247" idx="3"/>
+              </p:cNvCxnSpPr>
+              <p:nvPr/>
+            </p:nvCxnSpPr>
+            <p:spPr>
+              <a:xfrm rot="10800000" flipV="1">
+                <a:off x="3331607" y="5933855"/>
+                <a:ext cx="613239" cy="34149"/>
+              </a:xfrm>
+              <a:prstGeom prst="curvedConnector3">
+                <a:avLst>
+                  <a:gd name="adj1" fmla="val 50000"/>
+                </a:avLst>
+              </a:prstGeom>
+              <a:ln>
+                <a:tailEnd type="triangle"/>
+              </a:ln>
+            </p:spPr>
+            <p:style>
+              <a:lnRef idx="2">
+                <a:schemeClr val="accent1"/>
+              </a:lnRef>
+              <a:fillRef idx="0">
+                <a:schemeClr val="accent1"/>
+              </a:fillRef>
+              <a:effectRef idx="1">
+                <a:schemeClr val="accent1"/>
+              </a:effectRef>
+              <a:fontRef idx="minor">
+                <a:schemeClr val="tx1"/>
+              </a:fontRef>
+            </p:style>
+          </p:cxnSp>
+          <p:sp>
+            <p:nvSpPr>
+              <p:cNvPr id="247" name="Rectangle 246">
+                <a:extLst>
+                  <a:ext uri="{FF2B5EF4-FFF2-40B4-BE49-F238E27FC236}">
+                    <a16:creationId xmlns:a16="http://schemas.microsoft.com/office/drawing/2014/main" id="{C68E1644-EDCE-1A2D-1AAE-97154E34115F}"/>
+                  </a:ext>
+                </a:extLst>
+              </p:cNvPr>
+              <p:cNvSpPr/>
+              <p:nvPr/>
+            </p:nvSpPr>
+            <p:spPr>
+              <a:xfrm>
+                <a:off x="3116977" y="5867505"/>
+                <a:ext cx="214629" cy="200999"/>
+              </a:xfrm>
+              <a:prstGeom prst="rect">
+                <a:avLst/>
+              </a:prstGeom>
+              <a:solidFill>
+                <a:schemeClr val="tx2">
+                  <a:lumMod val="25000"/>
+                  <a:lumOff val="75000"/>
+                </a:schemeClr>
+              </a:solidFill>
+              <a:ln>
+                <a:noFill/>
+              </a:ln>
+            </p:spPr>
+            <p:style>
+              <a:lnRef idx="2">
+                <a:schemeClr val="accent1">
+                  <a:shade val="15000"/>
+                </a:schemeClr>
+              </a:lnRef>
+              <a:fillRef idx="1">
+                <a:schemeClr val="accent1"/>
+              </a:fillRef>
+              <a:effectRef idx="0">
+                <a:schemeClr val="accent1"/>
+              </a:effectRef>
+              <a:fontRef idx="minor">
+                <a:schemeClr val="lt1"/>
+              </a:fontRef>
+            </p:style>
+            <p:txBody>
+              <a:bodyPr rtlCol="0" anchor="ctr"/>
+              <a:lstStyle/>
+              <a:p>
+                <a:pPr algn="ctr"/>
+                <a:endParaRPr lang="en-US" b="1" dirty="0"/>
+              </a:p>
+            </p:txBody>
+          </p:sp>
+        </p:grpSp>
+        <p:sp>
+          <p:nvSpPr>
+            <p:cNvPr id="57" name="TextBox 56">
+              <a:extLst>
+                <a:ext uri="{FF2B5EF4-FFF2-40B4-BE49-F238E27FC236}">
+                  <a16:creationId xmlns:a16="http://schemas.microsoft.com/office/drawing/2014/main" id="{72D0C766-2A58-8A73-30BC-519260D706B1}"/>
+                </a:ext>
+              </a:extLst>
+            </p:cNvPr>
+            <p:cNvSpPr txBox="1"/>
+            <p:nvPr/>
+          </p:nvSpPr>
+          <p:spPr>
+            <a:xfrm>
+              <a:off x="4766790" y="5236336"/>
+              <a:ext cx="306494" cy="369332"/>
+            </a:xfrm>
+            <a:prstGeom prst="rect">
+              <a:avLst/>
+            </a:prstGeom>
+            <a:noFill/>
+          </p:spPr>
+          <p:txBody>
+            <a:bodyPr wrap="none" rtlCol="0">
+              <a:spAutoFit/>
+            </a:bodyPr>
+            <a:lstStyle/>
+            <a:p>
+              <a:r>
+                <a:rPr lang="en-US" dirty="0"/>
+                <a:t>F</a:t>
+              </a:r>
+            </a:p>
+          </p:txBody>
+        </p:sp>
+      </p:grpSp>
+      <p:grpSp>
+        <p:nvGrpSpPr>
+          <p:cNvPr id="68" name="Group 67">
+            <a:extLst>
+              <a:ext uri="{FF2B5EF4-FFF2-40B4-BE49-F238E27FC236}">
+                <a16:creationId xmlns:a16="http://schemas.microsoft.com/office/drawing/2014/main" id="{5DA6063E-7C3B-5AFB-2A3A-1C6FD0390F8E}"/>
+              </a:ext>
+            </a:extLst>
+          </p:cNvPr>
+          <p:cNvGrpSpPr/>
+          <p:nvPr/>
+        </p:nvGrpSpPr>
+        <p:grpSpPr>
+          <a:xfrm>
+            <a:off x="9850085" y="1069177"/>
+            <a:ext cx="1934264" cy="1222771"/>
+            <a:chOff x="427886" y="883600"/>
+            <a:chExt cx="1934264" cy="1222771"/>
+          </a:xfrm>
+        </p:grpSpPr>
+        <p:sp>
+          <p:nvSpPr>
+            <p:cNvPr id="10" name="TextBox 9">
+              <a:extLst>
+                <a:ext uri="{FF2B5EF4-FFF2-40B4-BE49-F238E27FC236}">
+                  <a16:creationId xmlns:a16="http://schemas.microsoft.com/office/drawing/2014/main" id="{A8ABC65D-9E40-0191-BF81-B8ACCD8C8A77}"/>
+                </a:ext>
+              </a:extLst>
+            </p:cNvPr>
+            <p:cNvSpPr txBox="1"/>
+            <p:nvPr/>
+          </p:nvSpPr>
+          <p:spPr>
+            <a:xfrm>
+              <a:off x="1456499" y="1737039"/>
+              <a:ext cx="308098" cy="369332"/>
+            </a:xfrm>
+            <a:prstGeom prst="rect">
+              <a:avLst/>
+            </a:prstGeom>
+            <a:noFill/>
+          </p:spPr>
+          <p:txBody>
+            <a:bodyPr wrap="none" rtlCol="0">
+              <a:spAutoFit/>
+            </a:bodyPr>
+            <a:lstStyle/>
+            <a:p>
+              <a:r>
+                <a:rPr lang="en-US" b="1" dirty="0"/>
+                <a:t>1</a:t>
+              </a:r>
+            </a:p>
+          </p:txBody>
+        </p:sp>
+        <p:grpSp>
+          <p:nvGrpSpPr>
+            <p:cNvPr id="60" name="Group 59">
+              <a:extLst>
+                <a:ext uri="{FF2B5EF4-FFF2-40B4-BE49-F238E27FC236}">
+                  <a16:creationId xmlns:a16="http://schemas.microsoft.com/office/drawing/2014/main" id="{23ADC9B1-4CEE-1932-4C06-4489036A79E3}"/>
+                </a:ext>
+              </a:extLst>
+            </p:cNvPr>
+            <p:cNvGrpSpPr/>
+            <p:nvPr/>
+          </p:nvGrpSpPr>
+          <p:grpSpPr>
+            <a:xfrm>
+              <a:off x="427886" y="883600"/>
+              <a:ext cx="1570631" cy="1161805"/>
+              <a:chOff x="427886" y="883600"/>
+              <a:chExt cx="1570631" cy="1161805"/>
+            </a:xfrm>
+          </p:grpSpPr>
+          <p:sp>
+            <p:nvSpPr>
+              <p:cNvPr id="5" name="Rectangle 4">
+                <a:extLst>
+                  <a:ext uri="{FF2B5EF4-FFF2-40B4-BE49-F238E27FC236}">
+                    <a16:creationId xmlns:a16="http://schemas.microsoft.com/office/drawing/2014/main" id="{1E55F704-B006-8FD6-07C8-3F1DEB9EA654}"/>
+                  </a:ext>
+                </a:extLst>
+              </p:cNvPr>
+              <p:cNvSpPr/>
+              <p:nvPr/>
+            </p:nvSpPr>
+            <p:spPr>
+              <a:xfrm>
+                <a:off x="642519" y="960963"/>
+                <a:ext cx="1355998" cy="1084442"/>
+              </a:xfrm>
+              <a:prstGeom prst="rect">
+                <a:avLst/>
+              </a:prstGeom>
+              <a:gradFill flip="none" rotWithShape="1">
+                <a:gsLst>
+                  <a:gs pos="62000">
+                    <a:schemeClr val="tx2">
+                      <a:lumMod val="50000"/>
+                      <a:lumOff val="50000"/>
+                    </a:schemeClr>
+                  </a:gs>
+                  <a:gs pos="37000">
+                    <a:schemeClr val="bg2">
+                      <a:lumMod val="90000"/>
+                    </a:schemeClr>
+                  </a:gs>
+                </a:gsLst>
+                <a:lin ang="5400000" scaled="1"/>
+                <a:tileRect/>
+              </a:gradFill>
+              <a:ln>
+                <a:noFill/>
+              </a:ln>
+            </p:spPr>
+            <p:style>
+              <a:lnRef idx="2">
+                <a:schemeClr val="accent1">
+                  <a:shade val="15000"/>
+                </a:schemeClr>
+              </a:lnRef>
+              <a:fillRef idx="1">
+                <a:schemeClr val="accent1"/>
+              </a:fillRef>
+              <a:effectRef idx="0">
+                <a:schemeClr val="accent1"/>
+              </a:effectRef>
+              <a:fontRef idx="minor">
+                <a:schemeClr val="lt1"/>
+              </a:fontRef>
+            </p:style>
+            <p:txBody>
+              <a:bodyPr rtlCol="0" anchor="ctr"/>
+              <a:lstStyle/>
+              <a:p>
+                <a:pPr algn="ctr"/>
+                <a:endParaRPr lang="en-US"/>
+              </a:p>
+            </p:txBody>
+          </p:sp>
+          <p:sp>
+            <p:nvSpPr>
+              <p:cNvPr id="6" name="Rectangle 5">
+                <a:extLst>
+                  <a:ext uri="{FF2B5EF4-FFF2-40B4-BE49-F238E27FC236}">
+                    <a16:creationId xmlns:a16="http://schemas.microsoft.com/office/drawing/2014/main" id="{4122279E-B48B-3208-4B73-2A06E2DBE9E1}"/>
+                  </a:ext>
+                </a:extLst>
+              </p:cNvPr>
+              <p:cNvSpPr/>
+              <p:nvPr/>
+            </p:nvSpPr>
+            <p:spPr>
+              <a:xfrm>
+                <a:off x="427886" y="1186202"/>
+                <a:ext cx="214629" cy="200999"/>
+              </a:xfrm>
+              <a:prstGeom prst="rect">
+                <a:avLst/>
+              </a:prstGeom>
+              <a:solidFill>
+                <a:schemeClr val="tx2">
+                  <a:lumMod val="25000"/>
+                  <a:lumOff val="75000"/>
+                </a:schemeClr>
+              </a:solidFill>
+              <a:ln>
+                <a:noFill/>
+              </a:ln>
+            </p:spPr>
+            <p:style>
+              <a:lnRef idx="2">
+                <a:schemeClr val="accent1">
+                  <a:shade val="15000"/>
+                </a:schemeClr>
+              </a:lnRef>
+              <a:fillRef idx="1">
+                <a:schemeClr val="accent1"/>
+              </a:fillRef>
+              <a:effectRef idx="0">
+                <a:schemeClr val="accent1"/>
+              </a:effectRef>
+              <a:fontRef idx="minor">
+                <a:schemeClr val="lt1"/>
+              </a:fontRef>
+            </p:style>
+            <p:txBody>
+              <a:bodyPr rtlCol="0" anchor="ctr"/>
+              <a:lstStyle/>
+              <a:p>
+                <a:pPr algn="ctr"/>
+                <a:endParaRPr lang="en-US" b="1" dirty="0"/>
+              </a:p>
+            </p:txBody>
+          </p:sp>
+          <p:sp>
+            <p:nvSpPr>
+              <p:cNvPr id="7" name="Rectangle 6">
+                <a:extLst>
+                  <a:ext uri="{FF2B5EF4-FFF2-40B4-BE49-F238E27FC236}">
+                    <a16:creationId xmlns:a16="http://schemas.microsoft.com/office/drawing/2014/main" id="{D735C855-E803-CEAA-2285-E2C177BD1026}"/>
+                  </a:ext>
+                </a:extLst>
+              </p:cNvPr>
+              <p:cNvSpPr/>
+              <p:nvPr/>
+            </p:nvSpPr>
+            <p:spPr>
+              <a:xfrm>
+                <a:off x="427886" y="1638968"/>
+                <a:ext cx="214629" cy="200999"/>
+              </a:xfrm>
+              <a:prstGeom prst="rect">
+                <a:avLst/>
+              </a:prstGeom>
+              <a:solidFill>
+                <a:schemeClr val="tx2">
+                  <a:lumMod val="25000"/>
+                  <a:lumOff val="75000"/>
+                </a:schemeClr>
+              </a:solidFill>
+              <a:ln>
+                <a:noFill/>
+              </a:ln>
+            </p:spPr>
+            <p:style>
+              <a:lnRef idx="2">
+                <a:schemeClr val="accent1">
+                  <a:shade val="15000"/>
+                </a:schemeClr>
+              </a:lnRef>
+              <a:fillRef idx="1">
+                <a:schemeClr val="accent1"/>
+              </a:fillRef>
+              <a:effectRef idx="0">
+                <a:schemeClr val="accent1"/>
+              </a:effectRef>
+              <a:fontRef idx="minor">
+                <a:schemeClr val="lt1"/>
+              </a:fontRef>
+            </p:style>
+            <p:txBody>
+              <a:bodyPr rtlCol="0" anchor="ctr"/>
+              <a:lstStyle/>
+              <a:p>
+                <a:pPr algn="ctr"/>
+                <a:endParaRPr lang="en-US" b="1" dirty="0"/>
+              </a:p>
+            </p:txBody>
+          </p:sp>
+          <p:sp>
+            <p:nvSpPr>
+              <p:cNvPr id="8" name="Rectangle 7">
+                <a:extLst>
+                  <a:ext uri="{FF2B5EF4-FFF2-40B4-BE49-F238E27FC236}">
+                    <a16:creationId xmlns:a16="http://schemas.microsoft.com/office/drawing/2014/main" id="{BE283F67-9986-0542-FDD7-7B8C01E5FF51}"/>
+                  </a:ext>
+                </a:extLst>
+              </p:cNvPr>
+              <p:cNvSpPr/>
+              <p:nvPr/>
+            </p:nvSpPr>
+            <p:spPr>
+              <a:xfrm>
+                <a:off x="1190132" y="1798005"/>
+                <a:ext cx="260769" cy="247400"/>
+              </a:xfrm>
+              <a:prstGeom prst="rect">
+                <a:avLst/>
+              </a:prstGeom>
+              <a:solidFill>
+                <a:schemeClr val="bg1"/>
+              </a:solidFill>
+              <a:ln>
+                <a:solidFill>
+                  <a:schemeClr val="bg1"/>
+                </a:solidFill>
+              </a:ln>
+            </p:spPr>
+            <p:style>
+              <a:lnRef idx="2">
+                <a:schemeClr val="accent1">
+                  <a:shade val="15000"/>
+                </a:schemeClr>
+              </a:lnRef>
+              <a:fillRef idx="1">
+                <a:schemeClr val="accent1"/>
+              </a:fillRef>
+              <a:effectRef idx="0">
+                <a:schemeClr val="accent1"/>
+              </a:effectRef>
+              <a:fontRef idx="minor">
+                <a:schemeClr val="lt1"/>
+              </a:fontRef>
+            </p:style>
+            <p:txBody>
+              <a:bodyPr rtlCol="0" anchor="ctr"/>
+              <a:lstStyle/>
+              <a:p>
+                <a:pPr algn="ctr"/>
+                <a:endParaRPr lang="en-US"/>
+              </a:p>
+            </p:txBody>
+          </p:sp>
+          <p:sp>
+            <p:nvSpPr>
+              <p:cNvPr id="9" name="TextBox 8">
+                <a:extLst>
+                  <a:ext uri="{FF2B5EF4-FFF2-40B4-BE49-F238E27FC236}">
+                    <a16:creationId xmlns:a16="http://schemas.microsoft.com/office/drawing/2014/main" id="{1A7BEF99-669D-A944-5047-A4F233332BF1}"/>
+                  </a:ext>
+                </a:extLst>
+              </p:cNvPr>
+              <p:cNvSpPr txBox="1"/>
+              <p:nvPr/>
+            </p:nvSpPr>
+            <p:spPr>
+              <a:xfrm>
+                <a:off x="915786" y="883600"/>
+                <a:ext cx="308098" cy="369332"/>
+              </a:xfrm>
+              <a:prstGeom prst="rect">
+                <a:avLst/>
+              </a:prstGeom>
+              <a:noFill/>
+            </p:spPr>
+            <p:txBody>
+              <a:bodyPr wrap="none" rtlCol="0">
+                <a:spAutoFit/>
+              </a:bodyPr>
+              <a:lstStyle/>
+              <a:p>
+                <a:r>
+                  <a:rPr lang="en-US" b="1" dirty="0"/>
+                  <a:t>0</a:t>
+                </a:r>
+              </a:p>
+            </p:txBody>
+          </p:sp>
+          <p:cxnSp>
+            <p:nvCxnSpPr>
+              <p:cNvPr id="54" name="Connector: Curved 53">
+                <a:extLst>
+                  <a:ext uri="{FF2B5EF4-FFF2-40B4-BE49-F238E27FC236}">
+                    <a16:creationId xmlns:a16="http://schemas.microsoft.com/office/drawing/2014/main" id="{3A7FE7DF-671E-96A0-E66C-782017872386}"/>
+                  </a:ext>
+                </a:extLst>
+              </p:cNvPr>
+              <p:cNvCxnSpPr>
+                <a:cxnSpLocks/>
+                <a:stCxn id="59" idx="0"/>
+                <a:endCxn id="6" idx="3"/>
+              </p:cNvCxnSpPr>
+              <p:nvPr/>
+            </p:nvCxnSpPr>
+            <p:spPr>
+              <a:xfrm rot="16200000" flipV="1">
+                <a:off x="862921" y="1066297"/>
+                <a:ext cx="232367" cy="673177"/>
+              </a:xfrm>
+              <a:prstGeom prst="curvedConnector2">
+                <a:avLst/>
+              </a:prstGeom>
+              <a:ln>
+                <a:tailEnd type="triangle"/>
+              </a:ln>
+            </p:spPr>
+            <p:style>
+              <a:lnRef idx="2">
+                <a:schemeClr val="accent1"/>
+              </a:lnRef>
+              <a:fillRef idx="0">
+                <a:schemeClr val="accent1"/>
+              </a:fillRef>
+              <a:effectRef idx="1">
+                <a:schemeClr val="accent1"/>
+              </a:effectRef>
+              <a:fontRef idx="minor">
+                <a:schemeClr val="tx1"/>
+              </a:fontRef>
+            </p:style>
+          </p:cxnSp>
+          <p:cxnSp>
+            <p:nvCxnSpPr>
+              <p:cNvPr id="55" name="Connector: Curved 54">
+                <a:extLst>
+                  <a:ext uri="{FF2B5EF4-FFF2-40B4-BE49-F238E27FC236}">
+                    <a16:creationId xmlns:a16="http://schemas.microsoft.com/office/drawing/2014/main" id="{B5B1B7DC-F58C-D152-F7F5-FDEF8DC6D876}"/>
+                  </a:ext>
+                </a:extLst>
+              </p:cNvPr>
+              <p:cNvCxnSpPr>
+                <a:cxnSpLocks/>
+                <a:stCxn id="59" idx="3"/>
+                <a:endCxn id="7" idx="3"/>
+              </p:cNvCxnSpPr>
+              <p:nvPr/>
+            </p:nvCxnSpPr>
+            <p:spPr>
+              <a:xfrm rot="5400000">
+                <a:off x="916623" y="1394847"/>
+                <a:ext cx="70514" cy="618729"/>
+              </a:xfrm>
+              <a:prstGeom prst="curvedConnector2">
+                <a:avLst/>
+              </a:prstGeom>
+              <a:ln>
+                <a:tailEnd type="triangle"/>
+              </a:ln>
+            </p:spPr>
+            <p:style>
+              <a:lnRef idx="2">
+                <a:schemeClr val="accent1"/>
+              </a:lnRef>
+              <a:fillRef idx="0">
+                <a:schemeClr val="accent1"/>
+              </a:fillRef>
+              <a:effectRef idx="1">
+                <a:schemeClr val="accent1"/>
+              </a:effectRef>
+              <a:fontRef idx="minor">
+                <a:schemeClr val="tx1"/>
+              </a:fontRef>
+            </p:style>
+          </p:cxnSp>
+          <p:sp>
+            <p:nvSpPr>
+              <p:cNvPr id="59" name="Oval 58">
+                <a:extLst>
+                  <a:ext uri="{FF2B5EF4-FFF2-40B4-BE49-F238E27FC236}">
+                    <a16:creationId xmlns:a16="http://schemas.microsoft.com/office/drawing/2014/main" id="{09555910-BF0A-F878-D184-6FC86CCA578F}"/>
+                  </a:ext>
+                </a:extLst>
+              </p:cNvPr>
+              <p:cNvSpPr/>
+              <p:nvPr/>
+            </p:nvSpPr>
+            <p:spPr>
+              <a:xfrm>
+                <a:off x="1238691" y="1519069"/>
+                <a:ext cx="154001" cy="175601"/>
+              </a:xfrm>
+              <a:prstGeom prst="ellipse">
+                <a:avLst/>
+              </a:prstGeom>
+            </p:spPr>
+            <p:style>
+              <a:lnRef idx="2">
+                <a:schemeClr val="accent1">
+                  <a:shade val="15000"/>
+                </a:schemeClr>
+              </a:lnRef>
+              <a:fillRef idx="1">
+                <a:schemeClr val="accent1"/>
+              </a:fillRef>
+              <a:effectRef idx="0">
+                <a:schemeClr val="accent1"/>
+              </a:effectRef>
+              <a:fontRef idx="minor">
+                <a:schemeClr val="lt1"/>
+              </a:fontRef>
+            </p:style>
+            <p:txBody>
+              <a:bodyPr rtlCol="0" anchor="ctr"/>
+              <a:lstStyle/>
+              <a:p>
+                <a:pPr algn="ctr"/>
+                <a:r>
+                  <a:rPr lang="en-US" sz="900" dirty="0"/>
+                  <a:t>X</a:t>
+                </a:r>
+              </a:p>
+            </p:txBody>
+          </p:sp>
+          <p:cxnSp>
+            <p:nvCxnSpPr>
+              <p:cNvPr id="62" name="Connector: Curved 61">
+                <a:extLst>
+                  <a:ext uri="{FF2B5EF4-FFF2-40B4-BE49-F238E27FC236}">
+                    <a16:creationId xmlns:a16="http://schemas.microsoft.com/office/drawing/2014/main" id="{0FFFA1FC-E614-BD84-26CC-890CCD759E0E}"/>
+                  </a:ext>
+                </a:extLst>
+              </p:cNvPr>
+              <p:cNvCxnSpPr>
+                <a:cxnSpLocks/>
+                <a:stCxn id="59" idx="1"/>
+                <a:endCxn id="6" idx="3"/>
+              </p:cNvCxnSpPr>
+              <p:nvPr/>
+            </p:nvCxnSpPr>
+            <p:spPr>
+              <a:xfrm rot="16200000" flipV="1">
+                <a:off x="822839" y="1106379"/>
+                <a:ext cx="258083" cy="618729"/>
+              </a:xfrm>
+              <a:prstGeom prst="curvedConnector2">
+                <a:avLst/>
+              </a:prstGeom>
+              <a:ln>
+                <a:tailEnd type="triangle"/>
+              </a:ln>
+            </p:spPr>
+            <p:style>
+              <a:lnRef idx="2">
+                <a:schemeClr val="accent1"/>
+              </a:lnRef>
+              <a:fillRef idx="0">
+                <a:schemeClr val="accent1"/>
+              </a:fillRef>
+              <a:effectRef idx="1">
+                <a:schemeClr val="accent1"/>
+              </a:effectRef>
+              <a:fontRef idx="minor">
+                <a:schemeClr val="tx1"/>
+              </a:fontRef>
+            </p:style>
+          </p:cxnSp>
+          <p:sp>
+            <p:nvSpPr>
+              <p:cNvPr id="79" name="Oval 78">
+                <a:extLst>
+                  <a:ext uri="{FF2B5EF4-FFF2-40B4-BE49-F238E27FC236}">
+                    <a16:creationId xmlns:a16="http://schemas.microsoft.com/office/drawing/2014/main" id="{62880A00-F91B-3843-1F7A-FE812D344C18}"/>
+                  </a:ext>
+                </a:extLst>
+              </p:cNvPr>
+              <p:cNvSpPr/>
+              <p:nvPr/>
+            </p:nvSpPr>
+            <p:spPr>
+              <a:xfrm>
+                <a:off x="1674646" y="1649238"/>
+                <a:ext cx="154001" cy="175601"/>
+              </a:xfrm>
+              <a:prstGeom prst="ellipse">
+                <a:avLst/>
+              </a:prstGeom>
+              <a:solidFill>
+                <a:schemeClr val="accent2"/>
+              </a:solidFill>
+            </p:spPr>
+            <p:style>
+              <a:lnRef idx="2">
+                <a:schemeClr val="accent1">
+                  <a:shade val="15000"/>
+                </a:schemeClr>
+              </a:lnRef>
+              <a:fillRef idx="1">
+                <a:schemeClr val="accent1"/>
+              </a:fillRef>
+              <a:effectRef idx="0">
+                <a:schemeClr val="accent1"/>
+              </a:effectRef>
+              <a:fontRef idx="minor">
+                <a:schemeClr val="lt1"/>
+              </a:fontRef>
+            </p:style>
+            <p:txBody>
+              <a:bodyPr rtlCol="0" anchor="ctr"/>
+              <a:lstStyle/>
+              <a:p>
+                <a:pPr algn="ctr"/>
+                <a:r>
+                  <a:rPr lang="en-US" sz="1050" dirty="0"/>
+                  <a:t>+</a:t>
+                </a:r>
+              </a:p>
+            </p:txBody>
+          </p:sp>
+          <p:cxnSp>
+            <p:nvCxnSpPr>
+              <p:cNvPr id="84" name="Connector: Curved 83">
+                <a:extLst>
+                  <a:ext uri="{FF2B5EF4-FFF2-40B4-BE49-F238E27FC236}">
+                    <a16:creationId xmlns:a16="http://schemas.microsoft.com/office/drawing/2014/main" id="{AA9E009C-F332-C598-3BC8-E0DACBB1361E}"/>
+                  </a:ext>
+                </a:extLst>
+              </p:cNvPr>
+              <p:cNvCxnSpPr>
+                <a:cxnSpLocks/>
+                <a:stCxn id="79" idx="2"/>
+                <a:endCxn id="7" idx="3"/>
+              </p:cNvCxnSpPr>
+              <p:nvPr/>
+            </p:nvCxnSpPr>
+            <p:spPr>
+              <a:xfrm rot="10800000" flipV="1">
+                <a:off x="642516" y="1737038"/>
+                <a:ext cx="1032131" cy="2429"/>
+              </a:xfrm>
+              <a:prstGeom prst="curvedConnector3">
+                <a:avLst>
+                  <a:gd name="adj1" fmla="val 50000"/>
+                </a:avLst>
+              </a:prstGeom>
+              <a:ln>
+                <a:tailEnd type="triangle"/>
+              </a:ln>
+            </p:spPr>
+            <p:style>
+              <a:lnRef idx="2">
+                <a:schemeClr val="accent1"/>
+              </a:lnRef>
+              <a:fillRef idx="0">
+                <a:schemeClr val="accent1"/>
+              </a:fillRef>
+              <a:effectRef idx="1">
+                <a:schemeClr val="accent1"/>
+              </a:effectRef>
+              <a:fontRef idx="minor">
+                <a:schemeClr val="tx1"/>
+              </a:fontRef>
+            </p:style>
+          </p:cxnSp>
+        </p:grpSp>
+        <p:sp>
+          <p:nvSpPr>
+            <p:cNvPr id="11" name="TextBox 10">
+              <a:extLst>
+                <a:ext uri="{FF2B5EF4-FFF2-40B4-BE49-F238E27FC236}">
+                  <a16:creationId xmlns:a16="http://schemas.microsoft.com/office/drawing/2014/main" id="{D2855180-428D-394C-8F06-EE93202590C1}"/>
+                </a:ext>
+              </a:extLst>
+            </p:cNvPr>
+            <p:cNvSpPr txBox="1"/>
+            <p:nvPr/>
+          </p:nvSpPr>
+          <p:spPr>
+            <a:xfrm>
+              <a:off x="2047640" y="959430"/>
+              <a:ext cx="314510" cy="369332"/>
+            </a:xfrm>
+            <a:prstGeom prst="rect">
+              <a:avLst/>
+            </a:prstGeom>
+            <a:noFill/>
+          </p:spPr>
+          <p:txBody>
+            <a:bodyPr wrap="none" rtlCol="0">
+              <a:spAutoFit/>
+            </a:bodyPr>
+            <a:lstStyle/>
+            <a:p>
+              <a:r>
+                <a:rPr lang="en-US" dirty="0"/>
+                <a:t>S</a:t>
+              </a:r>
+            </a:p>
+          </p:txBody>
+        </p:sp>
+        <p:sp>
+          <p:nvSpPr>
+            <p:cNvPr id="58" name="TextBox 57">
+              <a:extLst>
+                <a:ext uri="{FF2B5EF4-FFF2-40B4-BE49-F238E27FC236}">
+                  <a16:creationId xmlns:a16="http://schemas.microsoft.com/office/drawing/2014/main" id="{909BD028-5CD4-BADE-06E7-DC9A1210914A}"/>
+                </a:ext>
+              </a:extLst>
+            </p:cNvPr>
+            <p:cNvSpPr txBox="1"/>
+            <p:nvPr/>
+          </p:nvSpPr>
+          <p:spPr>
+            <a:xfrm>
+              <a:off x="1446018" y="1721321"/>
+              <a:ext cx="308098" cy="369332"/>
+            </a:xfrm>
+            <a:prstGeom prst="rect">
+              <a:avLst/>
+            </a:prstGeom>
+            <a:noFill/>
+          </p:spPr>
+          <p:txBody>
+            <a:bodyPr wrap="none" rtlCol="0">
+              <a:spAutoFit/>
+            </a:bodyPr>
+            <a:lstStyle/>
+            <a:p>
+              <a:r>
+                <a:rPr lang="en-US" b="1" dirty="0"/>
+                <a:t>1</a:t>
+              </a:r>
+            </a:p>
+          </p:txBody>
+        </p:sp>
+      </p:grpSp>
+      <p:grpSp>
+        <p:nvGrpSpPr>
+          <p:cNvPr id="70" name="Group 69">
+            <a:extLst>
+              <a:ext uri="{FF2B5EF4-FFF2-40B4-BE49-F238E27FC236}">
+                <a16:creationId xmlns:a16="http://schemas.microsoft.com/office/drawing/2014/main" id="{16D73E3C-DD9F-B3F8-021F-5DFEDD5066AD}"/>
+              </a:ext>
+            </a:extLst>
+          </p:cNvPr>
+          <p:cNvGrpSpPr/>
+          <p:nvPr/>
+        </p:nvGrpSpPr>
+        <p:grpSpPr>
+          <a:xfrm>
+            <a:off x="4252554" y="2229244"/>
+            <a:ext cx="1710532" cy="1380034"/>
+            <a:chOff x="6328966" y="1773991"/>
+            <a:chExt cx="1710532" cy="1380034"/>
+          </a:xfrm>
+        </p:grpSpPr>
+        <p:grpSp>
+          <p:nvGrpSpPr>
+            <p:cNvPr id="64" name="Group 63">
+              <a:extLst>
+                <a:ext uri="{FF2B5EF4-FFF2-40B4-BE49-F238E27FC236}">
+                  <a16:creationId xmlns:a16="http://schemas.microsoft.com/office/drawing/2014/main" id="{C5F24F07-7932-7F33-9958-3D4E35DF2010}"/>
+                </a:ext>
+              </a:extLst>
+            </p:cNvPr>
+            <p:cNvGrpSpPr/>
+            <p:nvPr/>
+          </p:nvGrpSpPr>
+          <p:grpSpPr>
+            <a:xfrm>
+              <a:off x="6328966" y="1773991"/>
+              <a:ext cx="1710532" cy="1331844"/>
+              <a:chOff x="3322910" y="708033"/>
+              <a:chExt cx="1710532" cy="1331844"/>
+            </a:xfrm>
+          </p:grpSpPr>
+          <p:grpSp>
+            <p:nvGrpSpPr>
+              <p:cNvPr id="273" name="Group 272">
+                <a:extLst>
+                  <a:ext uri="{FF2B5EF4-FFF2-40B4-BE49-F238E27FC236}">
+                    <a16:creationId xmlns:a16="http://schemas.microsoft.com/office/drawing/2014/main" id="{DDC45AB4-85FF-042A-DDCB-B4B115876EF1}"/>
+                  </a:ext>
+                </a:extLst>
+              </p:cNvPr>
+              <p:cNvGrpSpPr/>
+              <p:nvPr/>
+            </p:nvGrpSpPr>
+            <p:grpSpPr>
+              <a:xfrm>
+                <a:off x="3322910" y="708033"/>
+                <a:ext cx="1355998" cy="1331844"/>
+                <a:chOff x="3322910" y="708033"/>
+                <a:chExt cx="1355998" cy="1331844"/>
+              </a:xfrm>
+            </p:grpSpPr>
+            <p:sp>
+              <p:nvSpPr>
+                <p:cNvPr id="37" name="Rectangle 36">
+                  <a:extLst>
+                    <a:ext uri="{FF2B5EF4-FFF2-40B4-BE49-F238E27FC236}">
+                      <a16:creationId xmlns:a16="http://schemas.microsoft.com/office/drawing/2014/main" id="{74D43518-9604-9427-DE6F-778C51E41FFE}"/>
+                    </a:ext>
+                  </a:extLst>
+                </p:cNvPr>
+                <p:cNvSpPr/>
+                <p:nvPr/>
+              </p:nvSpPr>
+              <p:spPr>
+                <a:xfrm>
+                  <a:off x="3322910" y="955435"/>
+                  <a:ext cx="1355998" cy="1084442"/>
+                </a:xfrm>
+                <a:prstGeom prst="rect">
+                  <a:avLst/>
+                </a:prstGeom>
+                <a:gradFill flip="none" rotWithShape="1">
+                  <a:gsLst>
+                    <a:gs pos="42000">
+                      <a:schemeClr val="tx2">
+                        <a:lumMod val="50000"/>
+                        <a:lumOff val="50000"/>
+                      </a:schemeClr>
+                    </a:gs>
+                    <a:gs pos="61000">
+                      <a:schemeClr val="bg2">
+                        <a:lumMod val="90000"/>
+                      </a:schemeClr>
+                    </a:gs>
+                  </a:gsLst>
+                  <a:lin ang="5400000" scaled="1"/>
+                  <a:tileRect/>
+                </a:gradFill>
+                <a:ln>
+                  <a:noFill/>
+                </a:ln>
+              </p:spPr>
+              <p:style>
+                <a:lnRef idx="2">
+                  <a:schemeClr val="accent1">
+                    <a:shade val="15000"/>
+                  </a:schemeClr>
+                </a:lnRef>
+                <a:fillRef idx="1">
+                  <a:schemeClr val="accent1"/>
+                </a:fillRef>
+                <a:effectRef idx="0">
+                  <a:schemeClr val="accent1"/>
+                </a:effectRef>
+                <a:fontRef idx="minor">
+                  <a:schemeClr val="lt1"/>
+                </a:fontRef>
+              </p:style>
+              <p:txBody>
+                <a:bodyPr rtlCol="0" anchor="ctr"/>
+                <a:lstStyle/>
+                <a:p>
+                  <a:pPr algn="ctr"/>
+                  <a:endParaRPr lang="en-US"/>
+                </a:p>
+              </p:txBody>
+            </p:sp>
+            <p:sp>
+              <p:nvSpPr>
+                <p:cNvPr id="38" name="Rectangle 37">
+                  <a:extLst>
+                    <a:ext uri="{FF2B5EF4-FFF2-40B4-BE49-F238E27FC236}">
+                      <a16:creationId xmlns:a16="http://schemas.microsoft.com/office/drawing/2014/main" id="{06B9F493-7C93-800C-5BD5-F08547345D02}"/>
+                    </a:ext>
+                  </a:extLst>
+                </p:cNvPr>
+                <p:cNvSpPr/>
+                <p:nvPr/>
+              </p:nvSpPr>
+              <p:spPr>
+                <a:xfrm>
+                  <a:off x="4410817" y="1607811"/>
+                  <a:ext cx="260769" cy="247400"/>
+                </a:xfrm>
+                <a:prstGeom prst="rect">
+                  <a:avLst/>
+                </a:prstGeom>
+                <a:solidFill>
+                  <a:schemeClr val="bg1"/>
+                </a:solidFill>
+                <a:ln>
+                  <a:solidFill>
+                    <a:schemeClr val="bg1"/>
+                  </a:solidFill>
+                </a:ln>
+              </p:spPr>
+              <p:style>
+                <a:lnRef idx="2">
+                  <a:schemeClr val="accent1">
+                    <a:shade val="15000"/>
+                  </a:schemeClr>
+                </a:lnRef>
+                <a:fillRef idx="1">
+                  <a:schemeClr val="accent1"/>
+                </a:fillRef>
+                <a:effectRef idx="0">
+                  <a:schemeClr val="accent1"/>
+                </a:effectRef>
+                <a:fontRef idx="minor">
+                  <a:schemeClr val="lt1"/>
+                </a:fontRef>
+              </p:style>
+              <p:txBody>
+                <a:bodyPr rtlCol="0" anchor="ctr"/>
+                <a:lstStyle/>
+                <a:p>
+                  <a:pPr algn="ctr"/>
+                  <a:endParaRPr lang="en-US" b="1"/>
+                </a:p>
+              </p:txBody>
+            </p:sp>
+            <p:sp>
+              <p:nvSpPr>
+                <p:cNvPr id="39" name="Rectangle 38">
+                  <a:extLst>
+                    <a:ext uri="{FF2B5EF4-FFF2-40B4-BE49-F238E27FC236}">
+                      <a16:creationId xmlns:a16="http://schemas.microsoft.com/office/drawing/2014/main" id="{54EDB4BA-7EEA-853A-7C7F-CADDC60AA7FB}"/>
+                    </a:ext>
+                  </a:extLst>
+                </p:cNvPr>
+                <p:cNvSpPr/>
+                <p:nvPr/>
+              </p:nvSpPr>
+              <p:spPr>
+                <a:xfrm>
+                  <a:off x="3902203" y="708033"/>
+                  <a:ext cx="220479" cy="247400"/>
+                </a:xfrm>
+                <a:prstGeom prst="rect">
+                  <a:avLst/>
+                </a:prstGeom>
+                <a:solidFill>
+                  <a:schemeClr val="tx2">
+                    <a:lumMod val="50000"/>
+                    <a:lumOff val="50000"/>
+                  </a:schemeClr>
+                </a:solidFill>
+                <a:ln>
+                  <a:noFill/>
+                </a:ln>
+              </p:spPr>
+              <p:style>
+                <a:lnRef idx="2">
+                  <a:schemeClr val="accent1">
+                    <a:shade val="15000"/>
+                  </a:schemeClr>
+                </a:lnRef>
+                <a:fillRef idx="1">
+                  <a:schemeClr val="accent1"/>
+                </a:fillRef>
+                <a:effectRef idx="0">
+                  <a:schemeClr val="accent1"/>
+                </a:effectRef>
+                <a:fontRef idx="minor">
+                  <a:schemeClr val="lt1"/>
+                </a:fontRef>
+              </p:style>
+              <p:txBody>
+                <a:bodyPr rtlCol="0" anchor="ctr"/>
+                <a:lstStyle/>
+                <a:p>
+                  <a:pPr algn="ctr"/>
+                  <a:endParaRPr lang="en-US"/>
+                </a:p>
+              </p:txBody>
+            </p:sp>
+            <p:sp>
+              <p:nvSpPr>
+                <p:cNvPr id="40" name="TextBox 39">
+                  <a:extLst>
+                    <a:ext uri="{FF2B5EF4-FFF2-40B4-BE49-F238E27FC236}">
+                      <a16:creationId xmlns:a16="http://schemas.microsoft.com/office/drawing/2014/main" id="{0E0D3EC9-7896-F4DD-1926-B2103D11DF68}"/>
+                    </a:ext>
+                  </a:extLst>
+                </p:cNvPr>
+                <p:cNvSpPr txBox="1"/>
+                <p:nvPr/>
+              </p:nvSpPr>
+              <p:spPr>
+                <a:xfrm>
+                  <a:off x="3588856" y="889464"/>
+                  <a:ext cx="308098" cy="369332"/>
+                </a:xfrm>
+                <a:prstGeom prst="rect">
+                  <a:avLst/>
+                </a:prstGeom>
+                <a:noFill/>
+              </p:spPr>
+              <p:txBody>
+                <a:bodyPr wrap="none" rtlCol="0">
+                  <a:spAutoFit/>
+                </a:bodyPr>
+                <a:lstStyle/>
+                <a:p>
+                  <a:r>
+                    <a:rPr lang="en-US" b="1" dirty="0"/>
+                    <a:t>1</a:t>
+                  </a:r>
+                </a:p>
+              </p:txBody>
+            </p:sp>
+            <p:cxnSp>
+              <p:nvCxnSpPr>
+                <p:cNvPr id="102" name="Connector: Curved 101">
+                  <a:extLst>
+                    <a:ext uri="{FF2B5EF4-FFF2-40B4-BE49-F238E27FC236}">
+                      <a16:creationId xmlns:a16="http://schemas.microsoft.com/office/drawing/2014/main" id="{9112D450-0DCF-B744-6945-EA3E64D79135}"/>
+                    </a:ext>
+                  </a:extLst>
+                </p:cNvPr>
+                <p:cNvCxnSpPr>
+                  <a:cxnSpLocks/>
+                  <a:stCxn id="38" idx="1"/>
+                  <a:endCxn id="39" idx="2"/>
+                </p:cNvCxnSpPr>
+                <p:nvPr/>
+              </p:nvCxnSpPr>
+              <p:spPr>
+                <a:xfrm rot="10800000">
+                  <a:off x="4012443" y="955433"/>
+                  <a:ext cx="398374" cy="776078"/>
+                </a:xfrm>
+                <a:prstGeom prst="curvedConnector2">
+                  <a:avLst/>
+                </a:prstGeom>
+                <a:ln>
+                  <a:tailEnd type="triangle"/>
+                </a:ln>
+              </p:spPr>
+              <p:style>
+                <a:lnRef idx="2">
+                  <a:schemeClr val="accent1"/>
+                </a:lnRef>
+                <a:fillRef idx="0">
+                  <a:schemeClr val="accent1"/>
+                </a:fillRef>
+                <a:effectRef idx="1">
+                  <a:schemeClr val="accent1"/>
+                </a:effectRef>
+                <a:fontRef idx="minor">
+                  <a:schemeClr val="tx1"/>
+                </a:fontRef>
+              </p:style>
+            </p:cxnSp>
+          </p:grpSp>
+          <p:sp>
+            <p:nvSpPr>
+              <p:cNvPr id="53" name="TextBox 52">
+                <a:extLst>
+                  <a:ext uri="{FF2B5EF4-FFF2-40B4-BE49-F238E27FC236}">
+                    <a16:creationId xmlns:a16="http://schemas.microsoft.com/office/drawing/2014/main" id="{2B47C26E-B61F-442D-0C56-6E86CD0D9229}"/>
+                  </a:ext>
+                </a:extLst>
+              </p:cNvPr>
+              <p:cNvSpPr txBox="1"/>
+              <p:nvPr/>
+            </p:nvSpPr>
+            <p:spPr>
+              <a:xfrm>
+                <a:off x="4690078" y="953512"/>
+                <a:ext cx="343364" cy="369332"/>
+              </a:xfrm>
+              <a:prstGeom prst="rect">
+                <a:avLst/>
+              </a:prstGeom>
+              <a:noFill/>
+            </p:spPr>
+            <p:txBody>
+              <a:bodyPr wrap="none" rtlCol="0">
+                <a:spAutoFit/>
+              </a:bodyPr>
+              <a:lstStyle/>
+              <a:p>
+                <a:r>
+                  <a:rPr lang="en-US" dirty="0"/>
+                  <a:t>D</a:t>
+                </a:r>
+              </a:p>
+            </p:txBody>
+          </p:sp>
+        </p:grpSp>
+        <p:sp>
+          <p:nvSpPr>
+            <p:cNvPr id="69" name="TextBox 68">
+              <a:extLst>
+                <a:ext uri="{FF2B5EF4-FFF2-40B4-BE49-F238E27FC236}">
+                  <a16:creationId xmlns:a16="http://schemas.microsoft.com/office/drawing/2014/main" id="{119E0A28-ED49-BF84-9864-A02D8C4C44B5}"/>
+                </a:ext>
+              </a:extLst>
+            </p:cNvPr>
+            <p:cNvSpPr txBox="1"/>
+            <p:nvPr/>
+          </p:nvSpPr>
+          <p:spPr>
+            <a:xfrm>
+              <a:off x="6974689" y="2784693"/>
+              <a:ext cx="308098" cy="369332"/>
+            </a:xfrm>
+            <a:prstGeom prst="rect">
+              <a:avLst/>
+            </a:prstGeom>
+            <a:noFill/>
+          </p:spPr>
+          <p:txBody>
+            <a:bodyPr wrap="none" rtlCol="0">
+              <a:spAutoFit/>
+            </a:bodyPr>
+            <a:lstStyle/>
+            <a:p>
+              <a:r>
+                <a:rPr lang="en-US" b="1" dirty="0"/>
+                <a:t>0</a:t>
+              </a:r>
+            </a:p>
+          </p:txBody>
+        </p:sp>
+      </p:grpSp>
+    </p:spTree>
+    <p:extLst>
+      <p:ext uri="{BB962C8B-B14F-4D97-AF65-F5344CB8AC3E}">
+        <p14:creationId xmlns:p14="http://schemas.microsoft.com/office/powerpoint/2010/main" val="2278232981"/>
+      </p:ext>
+    </p:extLst>
+  </p:cSld>
+  <p:clrMapOvr>
+    <a:masterClrMapping/>
+  </p:clrMapOvr>
+</p:sld>
+</file>
+
+<file path=ppt/slides/slide2.xml><?xml version="1.0" encoding="utf-8"?>
+<p:sld xmlns:a="http://schemas.openxmlformats.org/drawingml/2006/main" xmlns:r="http://schemas.openxmlformats.org/officeDocument/2006/relationships" xmlns:p="http://schemas.openxmlformats.org/presentationml/2006/main">
+  <p:cSld>
+    <p:spTree>
+      <p:nvGrpSpPr>
+        <p:cNvPr id="1" name="">
+          <a:extLst>
+            <a:ext uri="{FF2B5EF4-FFF2-40B4-BE49-F238E27FC236}">
+              <a16:creationId xmlns:a16="http://schemas.microsoft.com/office/drawing/2014/main" id="{D10D360C-47AE-ABB2-06B1-133D6C1D0D91}"/>
+            </a:ext>
+          </a:extLst>
+        </p:cNvPr>
+        <p:cNvGrpSpPr/>
+        <p:nvPr/>
+      </p:nvGrpSpPr>
+      <p:grpSpPr>
+        <a:xfrm>
+          <a:off x="0" y="0"/>
+          <a:ext cx="0" cy="0"/>
+          <a:chOff x="0" y="0"/>
+          <a:chExt cx="0" cy="0"/>
+        </a:xfrm>
+      </p:grpSpPr>
       <p:sp>
         <p:nvSpPr>
           <p:cNvPr id="10" name="TextBox 9">
             <a:extLst>
               <a:ext uri="{FF2B5EF4-FFF2-40B4-BE49-F238E27FC236}">
-                <a16:creationId xmlns:a16="http://schemas.microsoft.com/office/drawing/2014/main" id="{A8ABC65D-9E40-0191-BF81-B8ACCD8C8A77}"/>
+                <a16:creationId xmlns:a16="http://schemas.microsoft.com/office/drawing/2014/main" id="{F3218E27-B7F1-89FE-06EA-18861031A618}"/>
               </a:ext>
             </a:extLst>
           </p:cNvPr>
@@ -3373,7 +7257,7 @@
           <p:cNvPr id="26" name="TextBox 25">
             <a:extLst>
               <a:ext uri="{FF2B5EF4-FFF2-40B4-BE49-F238E27FC236}">
-                <a16:creationId xmlns:a16="http://schemas.microsoft.com/office/drawing/2014/main" id="{245983F3-4403-EC3A-B6C5-8C107013BAF2}"/>
+                <a16:creationId xmlns:a16="http://schemas.microsoft.com/office/drawing/2014/main" id="{B87169A0-F162-3E1F-84D9-71C74A1C04A9}"/>
               </a:ext>
             </a:extLst>
           </p:cNvPr>
@@ -3409,7 +7293,7 @@
           <p:cNvPr id="34" name="TextBox 33">
             <a:extLst>
               <a:ext uri="{FF2B5EF4-FFF2-40B4-BE49-F238E27FC236}">
-                <a16:creationId xmlns:a16="http://schemas.microsoft.com/office/drawing/2014/main" id="{48666CF5-3764-6744-E438-C12226848B63}"/>
+                <a16:creationId xmlns:a16="http://schemas.microsoft.com/office/drawing/2014/main" id="{6CE4B316-ADFA-5D2C-D251-93656CA9B8AA}"/>
               </a:ext>
             </a:extLst>
           </p:cNvPr>
@@ -3444,7 +7328,7 @@
           <p:cNvPr id="41" name="TextBox 40">
             <a:extLst>
               <a:ext uri="{FF2B5EF4-FFF2-40B4-BE49-F238E27FC236}">
-                <a16:creationId xmlns:a16="http://schemas.microsoft.com/office/drawing/2014/main" id="{07B17D0B-DFFC-CF73-4D3D-C47C9EF52CEA}"/>
+                <a16:creationId xmlns:a16="http://schemas.microsoft.com/office/drawing/2014/main" id="{9F748C84-6D86-D32F-B4AF-F2FF84016CB9}"/>
               </a:ext>
             </a:extLst>
           </p:cNvPr>
@@ -3479,7 +7363,7 @@
           <p:cNvPr id="274" name="Group 273">
             <a:extLst>
               <a:ext uri="{FF2B5EF4-FFF2-40B4-BE49-F238E27FC236}">
-                <a16:creationId xmlns:a16="http://schemas.microsoft.com/office/drawing/2014/main" id="{D5895712-4E62-2E8D-81F0-23A88A6A8E58}"/>
+                <a16:creationId xmlns:a16="http://schemas.microsoft.com/office/drawing/2014/main" id="{258EEA44-C7CE-14E1-8422-DD9BC3A74816}"/>
               </a:ext>
             </a:extLst>
           </p:cNvPr>
@@ -3499,7 +7383,7 @@
             <p:cNvPr id="43" name="Rectangle 42">
               <a:extLst>
                 <a:ext uri="{FF2B5EF4-FFF2-40B4-BE49-F238E27FC236}">
-                  <a16:creationId xmlns:a16="http://schemas.microsoft.com/office/drawing/2014/main" id="{2AE8A90F-9167-3545-DD8B-C6623566BD46}"/>
+                  <a16:creationId xmlns:a16="http://schemas.microsoft.com/office/drawing/2014/main" id="{D24E15CF-1D65-C2BD-6FD8-F3E8DE88817C}"/>
                 </a:ext>
               </a:extLst>
             </p:cNvPr>
@@ -3564,7 +7448,7 @@
             <p:cNvPr id="44" name="TextBox 43">
               <a:extLst>
                 <a:ext uri="{FF2B5EF4-FFF2-40B4-BE49-F238E27FC236}">
-                  <a16:creationId xmlns:a16="http://schemas.microsoft.com/office/drawing/2014/main" id="{B9ED7093-591A-89F0-9AF9-9254F144AC56}"/>
+                  <a16:creationId xmlns:a16="http://schemas.microsoft.com/office/drawing/2014/main" id="{B7D9A994-089D-78E5-5266-0C6EB614246D}"/>
                 </a:ext>
               </a:extLst>
             </p:cNvPr>
@@ -3599,7 +7483,7 @@
             <p:cNvPr id="45" name="TextBox 44">
               <a:extLst>
                 <a:ext uri="{FF2B5EF4-FFF2-40B4-BE49-F238E27FC236}">
-                  <a16:creationId xmlns:a16="http://schemas.microsoft.com/office/drawing/2014/main" id="{950BCABF-10A8-5A0A-50F2-1909BFF8CCC7}"/>
+                  <a16:creationId xmlns:a16="http://schemas.microsoft.com/office/drawing/2014/main" id="{9741A0D9-EC6F-D4FA-F943-50C846C9CC61}"/>
                 </a:ext>
               </a:extLst>
             </p:cNvPr>
@@ -3635,7 +7519,7 @@
           <p:cNvPr id="279" name="Group 278">
             <a:extLst>
               <a:ext uri="{FF2B5EF4-FFF2-40B4-BE49-F238E27FC236}">
-                <a16:creationId xmlns:a16="http://schemas.microsoft.com/office/drawing/2014/main" id="{ECB96D2C-22DF-36D4-6D7C-6C7B8DCC5484}"/>
+                <a16:creationId xmlns:a16="http://schemas.microsoft.com/office/drawing/2014/main" id="{819EF93C-B238-0135-BD63-85BDC0B56CC0}"/>
               </a:ext>
             </a:extLst>
           </p:cNvPr>
@@ -3655,7 +7539,7 @@
             <p:cNvPr id="5" name="Rectangle 4">
               <a:extLst>
                 <a:ext uri="{FF2B5EF4-FFF2-40B4-BE49-F238E27FC236}">
-                  <a16:creationId xmlns:a16="http://schemas.microsoft.com/office/drawing/2014/main" id="{1E55F704-B006-8FD6-07C8-3F1DEB9EA654}"/>
+                  <a16:creationId xmlns:a16="http://schemas.microsoft.com/office/drawing/2014/main" id="{C8DD10ED-B7B0-5217-76F2-A461B214BCB5}"/>
                 </a:ext>
               </a:extLst>
             </p:cNvPr>
@@ -3721,7 +7605,7 @@
             <p:cNvPr id="6" name="Rectangle 5">
               <a:extLst>
                 <a:ext uri="{FF2B5EF4-FFF2-40B4-BE49-F238E27FC236}">
-                  <a16:creationId xmlns:a16="http://schemas.microsoft.com/office/drawing/2014/main" id="{4122279E-B48B-3208-4B73-2A06E2DBE9E1}"/>
+                  <a16:creationId xmlns:a16="http://schemas.microsoft.com/office/drawing/2014/main" id="{243B791F-052D-5AA9-5124-CC623CFB61FA}"/>
                 </a:ext>
               </a:extLst>
             </p:cNvPr>
@@ -3776,7 +7660,7 @@
             <p:cNvPr id="7" name="Rectangle 6">
               <a:extLst>
                 <a:ext uri="{FF2B5EF4-FFF2-40B4-BE49-F238E27FC236}">
-                  <a16:creationId xmlns:a16="http://schemas.microsoft.com/office/drawing/2014/main" id="{D735C855-E803-CEAA-2285-E2C177BD1026}"/>
+                  <a16:creationId xmlns:a16="http://schemas.microsoft.com/office/drawing/2014/main" id="{3C870832-3A3E-A413-483C-2B94DC2BD72B}"/>
                 </a:ext>
               </a:extLst>
             </p:cNvPr>
@@ -3831,7 +7715,7 @@
             <p:cNvPr id="8" name="Rectangle 7">
               <a:extLst>
                 <a:ext uri="{FF2B5EF4-FFF2-40B4-BE49-F238E27FC236}">
-                  <a16:creationId xmlns:a16="http://schemas.microsoft.com/office/drawing/2014/main" id="{BE283F67-9986-0542-FDD7-7B8C01E5FF51}"/>
+                  <a16:creationId xmlns:a16="http://schemas.microsoft.com/office/drawing/2014/main" id="{F6D6DB34-5CB3-C459-73DB-63A520BA6E09}"/>
                 </a:ext>
               </a:extLst>
             </p:cNvPr>
@@ -3885,7 +7769,7 @@
             <p:cNvPr id="9" name="TextBox 8">
               <a:extLst>
                 <a:ext uri="{FF2B5EF4-FFF2-40B4-BE49-F238E27FC236}">
-                  <a16:creationId xmlns:a16="http://schemas.microsoft.com/office/drawing/2014/main" id="{1A7BEF99-669D-A944-5047-A4F233332BF1}"/>
+                  <a16:creationId xmlns:a16="http://schemas.microsoft.com/office/drawing/2014/main" id="{171A5D00-979D-5250-378D-A3CEB2D70086}"/>
                 </a:ext>
               </a:extLst>
             </p:cNvPr>
@@ -3920,7 +7804,7 @@
             <p:cNvPr id="54" name="Connector: Curved 53">
               <a:extLst>
                 <a:ext uri="{FF2B5EF4-FFF2-40B4-BE49-F238E27FC236}">
-                  <a16:creationId xmlns:a16="http://schemas.microsoft.com/office/drawing/2014/main" id="{3A7FE7DF-671E-96A0-E66C-782017872386}"/>
+                  <a16:creationId xmlns:a16="http://schemas.microsoft.com/office/drawing/2014/main" id="{0C90EE1F-F32E-C139-D6B9-A0EC1BF004A2}"/>
                 </a:ext>
               </a:extLst>
             </p:cNvPr>
@@ -3963,7 +7847,7 @@
             <p:cNvPr id="55" name="Connector: Curved 54">
               <a:extLst>
                 <a:ext uri="{FF2B5EF4-FFF2-40B4-BE49-F238E27FC236}">
-                  <a16:creationId xmlns:a16="http://schemas.microsoft.com/office/drawing/2014/main" id="{B5B1B7DC-F58C-D152-F7F5-FDEF8DC6D876}"/>
+                  <a16:creationId xmlns:a16="http://schemas.microsoft.com/office/drawing/2014/main" id="{E6ADD34E-1127-E243-1A69-C02784B9BE9C}"/>
                 </a:ext>
               </a:extLst>
             </p:cNvPr>
@@ -4006,7 +7890,7 @@
             <p:cNvPr id="59" name="Oval 58">
               <a:extLst>
                 <a:ext uri="{FF2B5EF4-FFF2-40B4-BE49-F238E27FC236}">
-                  <a16:creationId xmlns:a16="http://schemas.microsoft.com/office/drawing/2014/main" id="{09555910-BF0A-F878-D184-6FC86CCA578F}"/>
+                  <a16:creationId xmlns:a16="http://schemas.microsoft.com/office/drawing/2014/main" id="{78DA8D31-94F9-56E8-2B68-57A824721E30}"/>
                 </a:ext>
               </a:extLst>
             </p:cNvPr>
@@ -4055,7 +7939,7 @@
             <p:cNvPr id="62" name="Connector: Curved 61">
               <a:extLst>
                 <a:ext uri="{FF2B5EF4-FFF2-40B4-BE49-F238E27FC236}">
-                  <a16:creationId xmlns:a16="http://schemas.microsoft.com/office/drawing/2014/main" id="{0FFFA1FC-E614-BD84-26CC-890CCD759E0E}"/>
+                  <a16:creationId xmlns:a16="http://schemas.microsoft.com/office/drawing/2014/main" id="{22BB4761-9A43-5D4C-57B7-B4D1D3222BEA}"/>
                 </a:ext>
               </a:extLst>
             </p:cNvPr>
@@ -4098,7 +7982,7 @@
             <p:cNvPr id="79" name="Oval 78">
               <a:extLst>
                 <a:ext uri="{FF2B5EF4-FFF2-40B4-BE49-F238E27FC236}">
-                  <a16:creationId xmlns:a16="http://schemas.microsoft.com/office/drawing/2014/main" id="{62880A00-F91B-3843-1F7A-FE812D344C18}"/>
+                  <a16:creationId xmlns:a16="http://schemas.microsoft.com/office/drawing/2014/main" id="{900E3B08-1EED-A9F7-4016-CA525A540F87}"/>
                 </a:ext>
               </a:extLst>
             </p:cNvPr>
@@ -4150,7 +8034,7 @@
             <p:cNvPr id="84" name="Connector: Curved 83">
               <a:extLst>
                 <a:ext uri="{FF2B5EF4-FFF2-40B4-BE49-F238E27FC236}">
-                  <a16:creationId xmlns:a16="http://schemas.microsoft.com/office/drawing/2014/main" id="{AA9E009C-F332-C598-3BC8-E0DACBB1361E}"/>
+                  <a16:creationId xmlns:a16="http://schemas.microsoft.com/office/drawing/2014/main" id="{62D9B3AA-753B-7AA9-7D23-CD0A337029E0}"/>
                 </a:ext>
               </a:extLst>
             </p:cNvPr>
@@ -4196,7 +8080,7 @@
           <p:cNvPr id="277" name="Group 276">
             <a:extLst>
               <a:ext uri="{FF2B5EF4-FFF2-40B4-BE49-F238E27FC236}">
-                <a16:creationId xmlns:a16="http://schemas.microsoft.com/office/drawing/2014/main" id="{B9650466-782F-1394-924E-13C1DD33279A}"/>
+                <a16:creationId xmlns:a16="http://schemas.microsoft.com/office/drawing/2014/main" id="{21E5F63D-DDA7-02B6-B322-5218EAA5E101}"/>
               </a:ext>
             </a:extLst>
           </p:cNvPr>
@@ -4216,7 +8100,7 @@
             <p:cNvPr id="22" name="Rectangle 21">
               <a:extLst>
                 <a:ext uri="{FF2B5EF4-FFF2-40B4-BE49-F238E27FC236}">
-                  <a16:creationId xmlns:a16="http://schemas.microsoft.com/office/drawing/2014/main" id="{A56F9B83-8C91-CA26-8EC1-271DA05A5BDB}"/>
+                  <a16:creationId xmlns:a16="http://schemas.microsoft.com/office/drawing/2014/main" id="{24A67DF2-504F-DC0F-B50D-551ABC93503F}"/>
                 </a:ext>
               </a:extLst>
             </p:cNvPr>
@@ -4281,7 +8165,7 @@
             <p:cNvPr id="23" name="Rectangle 22">
               <a:extLst>
                 <a:ext uri="{FF2B5EF4-FFF2-40B4-BE49-F238E27FC236}">
-                  <a16:creationId xmlns:a16="http://schemas.microsoft.com/office/drawing/2014/main" id="{F07154AC-7BAC-00DB-BCDF-BF85219811DB}"/>
+                  <a16:creationId xmlns:a16="http://schemas.microsoft.com/office/drawing/2014/main" id="{FD90F8F2-6FC9-C92A-9DD4-175DBAE3E859}"/>
                 </a:ext>
               </a:extLst>
             </p:cNvPr>
@@ -4336,7 +8220,7 @@
             <p:cNvPr id="24" name="Rectangle 23">
               <a:extLst>
                 <a:ext uri="{FF2B5EF4-FFF2-40B4-BE49-F238E27FC236}">
-                  <a16:creationId xmlns:a16="http://schemas.microsoft.com/office/drawing/2014/main" id="{D6748EDC-4E98-3163-753D-56C506E0E1EC}"/>
+                  <a16:creationId xmlns:a16="http://schemas.microsoft.com/office/drawing/2014/main" id="{4D6100C0-DD16-B3FB-78B1-4F0E0F5F77ED}"/>
                 </a:ext>
               </a:extLst>
             </p:cNvPr>
@@ -4390,7 +8274,7 @@
             <p:cNvPr id="25" name="Rectangle 24">
               <a:extLst>
                 <a:ext uri="{FF2B5EF4-FFF2-40B4-BE49-F238E27FC236}">
-                  <a16:creationId xmlns:a16="http://schemas.microsoft.com/office/drawing/2014/main" id="{D9013506-24A2-8664-D6AF-E8035068133F}"/>
+                  <a16:creationId xmlns:a16="http://schemas.microsoft.com/office/drawing/2014/main" id="{C17CCE9C-A86A-E8DF-FC8E-6C8DED01AF89}"/>
                 </a:ext>
               </a:extLst>
             </p:cNvPr>
@@ -4444,7 +8328,7 @@
             <p:cNvPr id="27" name="TextBox 26">
               <a:extLst>
                 <a:ext uri="{FF2B5EF4-FFF2-40B4-BE49-F238E27FC236}">
-                  <a16:creationId xmlns:a16="http://schemas.microsoft.com/office/drawing/2014/main" id="{C6C941D3-41FE-0118-CF79-0AFE4E4BC556}"/>
+                  <a16:creationId xmlns:a16="http://schemas.microsoft.com/office/drawing/2014/main" id="{29728581-2BB6-F99F-8D71-E45E61EBD966}"/>
                 </a:ext>
               </a:extLst>
             </p:cNvPr>
@@ -4479,7 +8363,7 @@
             <p:cNvPr id="89" name="Connector: Curved 88">
               <a:extLst>
                 <a:ext uri="{FF2B5EF4-FFF2-40B4-BE49-F238E27FC236}">
-                  <a16:creationId xmlns:a16="http://schemas.microsoft.com/office/drawing/2014/main" id="{0E4693AA-2415-50A6-0F0C-913852DE3569}"/>
+                  <a16:creationId xmlns:a16="http://schemas.microsoft.com/office/drawing/2014/main" id="{F8E48E1B-B53B-BFDD-53C1-9993F0914AD0}"/>
                 </a:ext>
               </a:extLst>
             </p:cNvPr>
@@ -4523,7 +8407,7 @@
             <p:cNvPr id="92" name="Connector: Curved 91">
               <a:extLst>
                 <a:ext uri="{FF2B5EF4-FFF2-40B4-BE49-F238E27FC236}">
-                  <a16:creationId xmlns:a16="http://schemas.microsoft.com/office/drawing/2014/main" id="{949B96A9-1BFC-0BA0-7CA8-DECB156C4BA0}"/>
+                  <a16:creationId xmlns:a16="http://schemas.microsoft.com/office/drawing/2014/main" id="{DA9EF202-2A10-EA58-9E54-35431B33C613}"/>
                 </a:ext>
               </a:extLst>
             </p:cNvPr>
@@ -4569,7 +8453,7 @@
           <p:cNvPr id="273" name="Group 272">
             <a:extLst>
               <a:ext uri="{FF2B5EF4-FFF2-40B4-BE49-F238E27FC236}">
-                <a16:creationId xmlns:a16="http://schemas.microsoft.com/office/drawing/2014/main" id="{DDC45AB4-85FF-042A-DDCB-B4B115876EF1}"/>
+                <a16:creationId xmlns:a16="http://schemas.microsoft.com/office/drawing/2014/main" id="{6BCA8DB7-A210-88EB-C775-9B7186A4ED4D}"/>
               </a:ext>
             </a:extLst>
           </p:cNvPr>
@@ -4589,7 +8473,7 @@
             <p:cNvPr id="37" name="Rectangle 36">
               <a:extLst>
                 <a:ext uri="{FF2B5EF4-FFF2-40B4-BE49-F238E27FC236}">
-                  <a16:creationId xmlns:a16="http://schemas.microsoft.com/office/drawing/2014/main" id="{74D43518-9604-9427-DE6F-778C51E41FFE}"/>
+                  <a16:creationId xmlns:a16="http://schemas.microsoft.com/office/drawing/2014/main" id="{0ADBAA69-4817-AC55-6FD2-5C5CE2CB51FC}"/>
                 </a:ext>
               </a:extLst>
             </p:cNvPr>
@@ -4655,7 +8539,7 @@
             <p:cNvPr id="38" name="Rectangle 37">
               <a:extLst>
                 <a:ext uri="{FF2B5EF4-FFF2-40B4-BE49-F238E27FC236}">
-                  <a16:creationId xmlns:a16="http://schemas.microsoft.com/office/drawing/2014/main" id="{06B9F493-7C93-800C-5BD5-F08547345D02}"/>
+                  <a16:creationId xmlns:a16="http://schemas.microsoft.com/office/drawing/2014/main" id="{AFC2451F-DE9A-F81C-2A0B-5642B795FAB9}"/>
                 </a:ext>
               </a:extLst>
             </p:cNvPr>
@@ -4709,7 +8593,7 @@
             <p:cNvPr id="39" name="Rectangle 38">
               <a:extLst>
                 <a:ext uri="{FF2B5EF4-FFF2-40B4-BE49-F238E27FC236}">
-                  <a16:creationId xmlns:a16="http://schemas.microsoft.com/office/drawing/2014/main" id="{54EDB4BA-7EEA-853A-7C7F-CADDC60AA7FB}"/>
+                  <a16:creationId xmlns:a16="http://schemas.microsoft.com/office/drawing/2014/main" id="{5D057F14-3710-9FFE-E1B4-7DF950E52791}"/>
                 </a:ext>
               </a:extLst>
             </p:cNvPr>
@@ -4764,7 +8648,7 @@
             <p:cNvPr id="40" name="TextBox 39">
               <a:extLst>
                 <a:ext uri="{FF2B5EF4-FFF2-40B4-BE49-F238E27FC236}">
-                  <a16:creationId xmlns:a16="http://schemas.microsoft.com/office/drawing/2014/main" id="{0E0D3EC9-7896-F4DD-1926-B2103D11DF68}"/>
+                  <a16:creationId xmlns:a16="http://schemas.microsoft.com/office/drawing/2014/main" id="{7EB63770-6A2C-9038-CD81-7E8DB10815E7}"/>
                 </a:ext>
               </a:extLst>
             </p:cNvPr>
@@ -4799,7 +8683,7 @@
             <p:cNvPr id="102" name="Connector: Curved 101">
               <a:extLst>
                 <a:ext uri="{FF2B5EF4-FFF2-40B4-BE49-F238E27FC236}">
-                  <a16:creationId xmlns:a16="http://schemas.microsoft.com/office/drawing/2014/main" id="{9112D450-0DCF-B744-6945-EA3E64D79135}"/>
+                  <a16:creationId xmlns:a16="http://schemas.microsoft.com/office/drawing/2014/main" id="{0168F4DE-9DBF-FD16-A714-157A2C23AE2D}"/>
                 </a:ext>
               </a:extLst>
             </p:cNvPr>
@@ -4843,7 +8727,7 @@
           <p:cNvPr id="275" name="Group 274">
             <a:extLst>
               <a:ext uri="{FF2B5EF4-FFF2-40B4-BE49-F238E27FC236}">
-                <a16:creationId xmlns:a16="http://schemas.microsoft.com/office/drawing/2014/main" id="{9857FA49-E309-9CC1-6A6B-B0A5900C6659}"/>
+                <a16:creationId xmlns:a16="http://schemas.microsoft.com/office/drawing/2014/main" id="{91B20512-4798-4AD0-A1E1-EF6801FAF0E9}"/>
               </a:ext>
             </a:extLst>
           </p:cNvPr>
@@ -4863,7 +8747,7 @@
             <p:cNvPr id="12" name="Rectangle 11">
               <a:extLst>
                 <a:ext uri="{FF2B5EF4-FFF2-40B4-BE49-F238E27FC236}">
-                  <a16:creationId xmlns:a16="http://schemas.microsoft.com/office/drawing/2014/main" id="{0EA104E8-9BC5-32EF-8B10-C216EF810958}"/>
+                  <a16:creationId xmlns:a16="http://schemas.microsoft.com/office/drawing/2014/main" id="{E913A4B2-2A03-BAEF-BC0E-AA5AE916BA8B}"/>
                 </a:ext>
               </a:extLst>
             </p:cNvPr>
@@ -4930,7 +8814,7 @@
             <p:cNvPr id="13" name="Rectangle 12">
               <a:extLst>
                 <a:ext uri="{FF2B5EF4-FFF2-40B4-BE49-F238E27FC236}">
-                  <a16:creationId xmlns:a16="http://schemas.microsoft.com/office/drawing/2014/main" id="{D3046944-A3AC-5CCC-0449-3BA998F8558A}"/>
+                  <a16:creationId xmlns:a16="http://schemas.microsoft.com/office/drawing/2014/main" id="{98826C20-031B-23BB-A6CA-DE453D153991}"/>
                 </a:ext>
               </a:extLst>
             </p:cNvPr>
@@ -4985,7 +8869,7 @@
             <p:cNvPr id="14" name="Rectangle 13">
               <a:extLst>
                 <a:ext uri="{FF2B5EF4-FFF2-40B4-BE49-F238E27FC236}">
-                  <a16:creationId xmlns:a16="http://schemas.microsoft.com/office/drawing/2014/main" id="{D1C1F06A-66E8-3A06-44B1-70F3F0CB9428}"/>
+                  <a16:creationId xmlns:a16="http://schemas.microsoft.com/office/drawing/2014/main" id="{BEC78169-1D31-6F84-6AF4-9AA1BE11145F}"/>
                 </a:ext>
               </a:extLst>
             </p:cNvPr>
@@ -5040,7 +8924,7 @@
             <p:cNvPr id="15" name="Rectangle 14">
               <a:extLst>
                 <a:ext uri="{FF2B5EF4-FFF2-40B4-BE49-F238E27FC236}">
-                  <a16:creationId xmlns:a16="http://schemas.microsoft.com/office/drawing/2014/main" id="{C80E39EC-0EDD-A80D-4B45-FB70BF7B0AD9}"/>
+                  <a16:creationId xmlns:a16="http://schemas.microsoft.com/office/drawing/2014/main" id="{C6AE3209-959B-F88F-782E-AD075D8D30C6}"/>
                 </a:ext>
               </a:extLst>
             </p:cNvPr>
@@ -5094,7 +8978,7 @@
             <p:cNvPr id="16" name="Rectangle 15">
               <a:extLst>
                 <a:ext uri="{FF2B5EF4-FFF2-40B4-BE49-F238E27FC236}">
-                  <a16:creationId xmlns:a16="http://schemas.microsoft.com/office/drawing/2014/main" id="{A939300D-B2C3-368B-9941-6F1558273684}"/>
+                  <a16:creationId xmlns:a16="http://schemas.microsoft.com/office/drawing/2014/main" id="{12087913-022B-0C97-1732-3B6EA8BDBFB3}"/>
                 </a:ext>
               </a:extLst>
             </p:cNvPr>
@@ -5148,7 +9032,7 @@
             <p:cNvPr id="17" name="Rectangle 16">
               <a:extLst>
                 <a:ext uri="{FF2B5EF4-FFF2-40B4-BE49-F238E27FC236}">
-                  <a16:creationId xmlns:a16="http://schemas.microsoft.com/office/drawing/2014/main" id="{1D5BC98E-02B2-4B64-12E4-0197CDC9BE30}"/>
+                  <a16:creationId xmlns:a16="http://schemas.microsoft.com/office/drawing/2014/main" id="{3B8473E5-FC1A-DBCC-9998-7E7ABC596C70}"/>
                 </a:ext>
               </a:extLst>
             </p:cNvPr>
@@ -5203,7 +9087,7 @@
             <p:cNvPr id="18" name="Rectangle 17">
               <a:extLst>
                 <a:ext uri="{FF2B5EF4-FFF2-40B4-BE49-F238E27FC236}">
-                  <a16:creationId xmlns:a16="http://schemas.microsoft.com/office/drawing/2014/main" id="{0447556C-5955-1B43-DF0D-6D80DFD218FF}"/>
+                  <a16:creationId xmlns:a16="http://schemas.microsoft.com/office/drawing/2014/main" id="{BE00E8C1-C689-5713-81DF-C3BA47C04543}"/>
                 </a:ext>
               </a:extLst>
             </p:cNvPr>
@@ -5257,7 +9141,7 @@
             <p:cNvPr id="19" name="TextBox 18">
               <a:extLst>
                 <a:ext uri="{FF2B5EF4-FFF2-40B4-BE49-F238E27FC236}">
-                  <a16:creationId xmlns:a16="http://schemas.microsoft.com/office/drawing/2014/main" id="{2F7EBD3E-1E90-AA46-A521-D80D0F347F76}"/>
+                  <a16:creationId xmlns:a16="http://schemas.microsoft.com/office/drawing/2014/main" id="{26349D11-572F-3CAB-C5C6-221C4DFABCC4}"/>
                 </a:ext>
               </a:extLst>
             </p:cNvPr>
@@ -5292,7 +9176,7 @@
             <p:cNvPr id="20" name="TextBox 19">
               <a:extLst>
                 <a:ext uri="{FF2B5EF4-FFF2-40B4-BE49-F238E27FC236}">
-                  <a16:creationId xmlns:a16="http://schemas.microsoft.com/office/drawing/2014/main" id="{9B01F477-5541-109D-B0CE-E5B71ECC3279}"/>
+                  <a16:creationId xmlns:a16="http://schemas.microsoft.com/office/drawing/2014/main" id="{A6B19E44-5F58-DDF2-1CFF-B5747BEAFD4A}"/>
                 </a:ext>
               </a:extLst>
             </p:cNvPr>
@@ -5327,7 +9211,7 @@
             <p:cNvPr id="106" name="Connector: Curved 105">
               <a:extLst>
                 <a:ext uri="{FF2B5EF4-FFF2-40B4-BE49-F238E27FC236}">
-                  <a16:creationId xmlns:a16="http://schemas.microsoft.com/office/drawing/2014/main" id="{8889A558-A6C3-F11A-86A0-AE3DAB1B00C7}"/>
+                  <a16:creationId xmlns:a16="http://schemas.microsoft.com/office/drawing/2014/main" id="{7E895675-72DE-3803-89C0-29CFF276314B}"/>
                 </a:ext>
               </a:extLst>
             </p:cNvPr>
@@ -5370,7 +9254,7 @@
             <p:cNvPr id="107" name="Connector: Curved 106">
               <a:extLst>
                 <a:ext uri="{FF2B5EF4-FFF2-40B4-BE49-F238E27FC236}">
-                  <a16:creationId xmlns:a16="http://schemas.microsoft.com/office/drawing/2014/main" id="{A106A4D3-9866-16E1-1C72-DAD4545237A3}"/>
+                  <a16:creationId xmlns:a16="http://schemas.microsoft.com/office/drawing/2014/main" id="{098D3201-329B-FB63-EBDC-860639C4B2C9}"/>
                 </a:ext>
               </a:extLst>
             </p:cNvPr>
@@ -5413,7 +9297,7 @@
             <p:cNvPr id="108" name="Oval 107">
               <a:extLst>
                 <a:ext uri="{FF2B5EF4-FFF2-40B4-BE49-F238E27FC236}">
-                  <a16:creationId xmlns:a16="http://schemas.microsoft.com/office/drawing/2014/main" id="{3C8BAA31-E1C6-1A74-77B3-7952FFEF4B89}"/>
+                  <a16:creationId xmlns:a16="http://schemas.microsoft.com/office/drawing/2014/main" id="{8AB89910-C667-934E-B763-86C2AB8C3CCF}"/>
                 </a:ext>
               </a:extLst>
             </p:cNvPr>
@@ -5459,7 +9343,7 @@
             <p:cNvPr id="109" name="Connector: Curved 108">
               <a:extLst>
                 <a:ext uri="{FF2B5EF4-FFF2-40B4-BE49-F238E27FC236}">
-                  <a16:creationId xmlns:a16="http://schemas.microsoft.com/office/drawing/2014/main" id="{C43394D2-3FCC-271A-578C-C3EF4968E470}"/>
+                  <a16:creationId xmlns:a16="http://schemas.microsoft.com/office/drawing/2014/main" id="{6A8D9D11-4947-4153-08FD-7A91BADCD920}"/>
                 </a:ext>
               </a:extLst>
             </p:cNvPr>
@@ -5502,7 +9386,7 @@
             <p:cNvPr id="113" name="Connector: Curved 112">
               <a:extLst>
                 <a:ext uri="{FF2B5EF4-FFF2-40B4-BE49-F238E27FC236}">
-                  <a16:creationId xmlns:a16="http://schemas.microsoft.com/office/drawing/2014/main" id="{22D9A917-2BF8-4693-20C8-56163F6B6E75}"/>
+                  <a16:creationId xmlns:a16="http://schemas.microsoft.com/office/drawing/2014/main" id="{434B69C7-112A-50AE-1932-7E4F4EB70222}"/>
                 </a:ext>
               </a:extLst>
             </p:cNvPr>
@@ -5545,7 +9429,7 @@
             <p:cNvPr id="117" name="Connector: Curved 116">
               <a:extLst>
                 <a:ext uri="{FF2B5EF4-FFF2-40B4-BE49-F238E27FC236}">
-                  <a16:creationId xmlns:a16="http://schemas.microsoft.com/office/drawing/2014/main" id="{EA00C1EB-74D8-B828-17CF-5F50453AC79C}"/>
+                  <a16:creationId xmlns:a16="http://schemas.microsoft.com/office/drawing/2014/main" id="{BD84A712-53CA-5E13-2953-D817404F5DD7}"/>
                 </a:ext>
               </a:extLst>
             </p:cNvPr>
@@ -5591,7 +9475,7 @@
           <p:cNvPr id="278" name="Group 277">
             <a:extLst>
               <a:ext uri="{FF2B5EF4-FFF2-40B4-BE49-F238E27FC236}">
-                <a16:creationId xmlns:a16="http://schemas.microsoft.com/office/drawing/2014/main" id="{4048737D-0FFF-2CDD-C928-3B4E23F9AD7B}"/>
+                <a16:creationId xmlns:a16="http://schemas.microsoft.com/office/drawing/2014/main" id="{16152EE8-F783-B96B-4837-B280C8FCC47A}"/>
               </a:ext>
             </a:extLst>
           </p:cNvPr>
@@ -5611,7 +9495,7 @@
             <p:cNvPr id="29" name="Rectangle 28">
               <a:extLst>
                 <a:ext uri="{FF2B5EF4-FFF2-40B4-BE49-F238E27FC236}">
-                  <a16:creationId xmlns:a16="http://schemas.microsoft.com/office/drawing/2014/main" id="{681E44A2-FAD2-F071-315C-AE6C2DA28499}"/>
+                  <a16:creationId xmlns:a16="http://schemas.microsoft.com/office/drawing/2014/main" id="{69663B98-E2BC-9B84-C9D7-0FED5930CFE7}"/>
                 </a:ext>
               </a:extLst>
             </p:cNvPr>
@@ -5682,7 +9566,7 @@
             <p:cNvPr id="30" name="Rectangle 29">
               <a:extLst>
                 <a:ext uri="{FF2B5EF4-FFF2-40B4-BE49-F238E27FC236}">
-                  <a16:creationId xmlns:a16="http://schemas.microsoft.com/office/drawing/2014/main" id="{4D23A105-2517-65E3-2F8B-5CC6D800292C}"/>
+                  <a16:creationId xmlns:a16="http://schemas.microsoft.com/office/drawing/2014/main" id="{B99F0A6F-3284-77AC-B6B5-1D299274A5DB}"/>
                 </a:ext>
               </a:extLst>
             </p:cNvPr>
@@ -5737,7 +9621,7 @@
             <p:cNvPr id="31" name="Rectangle 30">
               <a:extLst>
                 <a:ext uri="{FF2B5EF4-FFF2-40B4-BE49-F238E27FC236}">
-                  <a16:creationId xmlns:a16="http://schemas.microsoft.com/office/drawing/2014/main" id="{B5BDCF78-0167-D93B-52A9-37BBDEC8175A}"/>
+                  <a16:creationId xmlns:a16="http://schemas.microsoft.com/office/drawing/2014/main" id="{231ECCBA-8EA7-2D4C-7AC1-96A99C0B459E}"/>
                 </a:ext>
               </a:extLst>
             </p:cNvPr>
@@ -5792,7 +9676,7 @@
             <p:cNvPr id="32" name="Rectangle 31">
               <a:extLst>
                 <a:ext uri="{FF2B5EF4-FFF2-40B4-BE49-F238E27FC236}">
-                  <a16:creationId xmlns:a16="http://schemas.microsoft.com/office/drawing/2014/main" id="{05F671E8-9804-9174-F23A-59B5A2296281}"/>
+                  <a16:creationId xmlns:a16="http://schemas.microsoft.com/office/drawing/2014/main" id="{9D72932F-9015-B2CE-0C6A-1DAD67663EEE}"/>
                 </a:ext>
               </a:extLst>
             </p:cNvPr>
@@ -5846,7 +9730,7 @@
             <p:cNvPr id="33" name="Rectangle 32">
               <a:extLst>
                 <a:ext uri="{FF2B5EF4-FFF2-40B4-BE49-F238E27FC236}">
-                  <a16:creationId xmlns:a16="http://schemas.microsoft.com/office/drawing/2014/main" id="{9F65DA1C-8917-2062-DDE7-955D90C99A77}"/>
+                  <a16:creationId xmlns:a16="http://schemas.microsoft.com/office/drawing/2014/main" id="{A237C51F-D198-45E7-F7C8-9CF1CFAE6F37}"/>
                 </a:ext>
               </a:extLst>
             </p:cNvPr>
@@ -5900,7 +9784,7 @@
             <p:cNvPr id="35" name="TextBox 34">
               <a:extLst>
                 <a:ext uri="{FF2B5EF4-FFF2-40B4-BE49-F238E27FC236}">
-                  <a16:creationId xmlns:a16="http://schemas.microsoft.com/office/drawing/2014/main" id="{CC06EA81-30CB-BB8F-E80B-DE7D8A89575F}"/>
+                  <a16:creationId xmlns:a16="http://schemas.microsoft.com/office/drawing/2014/main" id="{6C731067-02F3-BC6D-807F-3473F523913F}"/>
                 </a:ext>
               </a:extLst>
             </p:cNvPr>
@@ -5935,7 +9819,7 @@
             <p:cNvPr id="95" name="Connector: Curved 94">
               <a:extLst>
                 <a:ext uri="{FF2B5EF4-FFF2-40B4-BE49-F238E27FC236}">
-                  <a16:creationId xmlns:a16="http://schemas.microsoft.com/office/drawing/2014/main" id="{3255831B-7649-76AC-4677-CBF9F6251D49}"/>
+                  <a16:creationId xmlns:a16="http://schemas.microsoft.com/office/drawing/2014/main" id="{2BA50997-93A7-5D45-3630-DDC888ADCBB9}"/>
                 </a:ext>
               </a:extLst>
             </p:cNvPr>
@@ -5978,7 +9862,7 @@
             <p:cNvPr id="96" name="Connector: Curved 95">
               <a:extLst>
                 <a:ext uri="{FF2B5EF4-FFF2-40B4-BE49-F238E27FC236}">
-                  <a16:creationId xmlns:a16="http://schemas.microsoft.com/office/drawing/2014/main" id="{926046AC-CE31-D569-B5F3-DF264832715A}"/>
+                  <a16:creationId xmlns:a16="http://schemas.microsoft.com/office/drawing/2014/main" id="{8E1EA687-5D2C-28DD-533F-103B1EDD82B0}"/>
                 </a:ext>
               </a:extLst>
             </p:cNvPr>
@@ -6021,7 +9905,7 @@
             <p:cNvPr id="97" name="Oval 96">
               <a:extLst>
                 <a:ext uri="{FF2B5EF4-FFF2-40B4-BE49-F238E27FC236}">
-                  <a16:creationId xmlns:a16="http://schemas.microsoft.com/office/drawing/2014/main" id="{C3168F44-67B1-D0E0-A078-2802F34525A1}"/>
+                  <a16:creationId xmlns:a16="http://schemas.microsoft.com/office/drawing/2014/main" id="{9E02EBD7-24AC-E75F-1116-58FB014797E5}"/>
                 </a:ext>
               </a:extLst>
             </p:cNvPr>
@@ -6067,7 +9951,7 @@
             <p:cNvPr id="98" name="Connector: Curved 97">
               <a:extLst>
                 <a:ext uri="{FF2B5EF4-FFF2-40B4-BE49-F238E27FC236}">
-                  <a16:creationId xmlns:a16="http://schemas.microsoft.com/office/drawing/2014/main" id="{3868B91E-9105-3D8D-BBDE-0695EA3AACD5}"/>
+                  <a16:creationId xmlns:a16="http://schemas.microsoft.com/office/drawing/2014/main" id="{9F9F4553-350B-2007-E25F-9C86ADFF79F7}"/>
                 </a:ext>
               </a:extLst>
             </p:cNvPr>
@@ -6110,7 +9994,7 @@
             <p:cNvPr id="150" name="Connector: Curved 149">
               <a:extLst>
                 <a:ext uri="{FF2B5EF4-FFF2-40B4-BE49-F238E27FC236}">
-                  <a16:creationId xmlns:a16="http://schemas.microsoft.com/office/drawing/2014/main" id="{68627A2E-6BDA-A37F-223A-7254269C42F4}"/>
+                  <a16:creationId xmlns:a16="http://schemas.microsoft.com/office/drawing/2014/main" id="{B5534E7E-F236-7178-3B2F-51F348C16B66}"/>
                 </a:ext>
               </a:extLst>
             </p:cNvPr>
@@ -6156,7 +10040,7 @@
           <p:cNvPr id="276" name="Group 275">
             <a:extLst>
               <a:ext uri="{FF2B5EF4-FFF2-40B4-BE49-F238E27FC236}">
-                <a16:creationId xmlns:a16="http://schemas.microsoft.com/office/drawing/2014/main" id="{670C15CF-FBE8-4517-2221-55CFA5F35A95}"/>
+                <a16:creationId xmlns:a16="http://schemas.microsoft.com/office/drawing/2014/main" id="{4F5FDDB9-2BF6-CC00-73EC-E3266F7FC33B}"/>
               </a:ext>
             </a:extLst>
           </p:cNvPr>
@@ -6176,7 +10060,7 @@
             <p:cNvPr id="47" name="Rectangle 46">
               <a:extLst>
                 <a:ext uri="{FF2B5EF4-FFF2-40B4-BE49-F238E27FC236}">
-                  <a16:creationId xmlns:a16="http://schemas.microsoft.com/office/drawing/2014/main" id="{C6C9F93C-00AF-D291-1B4E-06AA7F59023C}"/>
+                  <a16:creationId xmlns:a16="http://schemas.microsoft.com/office/drawing/2014/main" id="{E63C8894-5A63-E62D-8499-988C8F839D9A}"/>
                 </a:ext>
               </a:extLst>
             </p:cNvPr>
@@ -6243,7 +10127,7 @@
             <p:cNvPr id="49" name="Rectangle 48">
               <a:extLst>
                 <a:ext uri="{FF2B5EF4-FFF2-40B4-BE49-F238E27FC236}">
-                  <a16:creationId xmlns:a16="http://schemas.microsoft.com/office/drawing/2014/main" id="{92E57A70-88AE-E39D-0694-A8E2374EF27F}"/>
+                  <a16:creationId xmlns:a16="http://schemas.microsoft.com/office/drawing/2014/main" id="{6AA172AC-F17E-5875-2634-908336D2576D}"/>
                 </a:ext>
               </a:extLst>
             </p:cNvPr>
@@ -6298,7 +10182,7 @@
             <p:cNvPr id="50" name="Rectangle 49">
               <a:extLst>
                 <a:ext uri="{FF2B5EF4-FFF2-40B4-BE49-F238E27FC236}">
-                  <a16:creationId xmlns:a16="http://schemas.microsoft.com/office/drawing/2014/main" id="{A1423CF1-CCC6-5B38-BFC8-6409033411F0}"/>
+                  <a16:creationId xmlns:a16="http://schemas.microsoft.com/office/drawing/2014/main" id="{ED97D52B-1C55-7713-F28E-ECE1CF5D8580}"/>
                 </a:ext>
               </a:extLst>
             </p:cNvPr>
@@ -6352,7 +10236,7 @@
             <p:cNvPr id="51" name="TextBox 50">
               <a:extLst>
                 <a:ext uri="{FF2B5EF4-FFF2-40B4-BE49-F238E27FC236}">
-                  <a16:creationId xmlns:a16="http://schemas.microsoft.com/office/drawing/2014/main" id="{E9A89748-E41C-EAD0-A975-2E4914B3FBB0}"/>
+                  <a16:creationId xmlns:a16="http://schemas.microsoft.com/office/drawing/2014/main" id="{AA570FC4-48FD-AB72-594F-886A071B7AB1}"/>
                 </a:ext>
               </a:extLst>
             </p:cNvPr>
@@ -6394,7 +10278,7 @@
             <p:cNvPr id="52" name="TextBox 51">
               <a:extLst>
                 <a:ext uri="{FF2B5EF4-FFF2-40B4-BE49-F238E27FC236}">
-                  <a16:creationId xmlns:a16="http://schemas.microsoft.com/office/drawing/2014/main" id="{8AB97C51-6998-0969-5C10-490F693F3991}"/>
+                  <a16:creationId xmlns:a16="http://schemas.microsoft.com/office/drawing/2014/main" id="{C07F45F3-3219-C945-E009-F30A1AFCA7DC}"/>
                 </a:ext>
               </a:extLst>
             </p:cNvPr>
@@ -6429,7 +10313,7 @@
             <p:cNvPr id="123" name="Connector: Curved 122">
               <a:extLst>
                 <a:ext uri="{FF2B5EF4-FFF2-40B4-BE49-F238E27FC236}">
-                  <a16:creationId xmlns:a16="http://schemas.microsoft.com/office/drawing/2014/main" id="{74A27A0A-E43E-8964-64F7-DF7D862CE700}"/>
+                  <a16:creationId xmlns:a16="http://schemas.microsoft.com/office/drawing/2014/main" id="{9CEACD8E-06CE-0017-9064-A0B08F616A02}"/>
                 </a:ext>
               </a:extLst>
             </p:cNvPr>
@@ -6474,7 +10358,7 @@
             <p:cNvPr id="124" name="Connector: Curved 123">
               <a:extLst>
                 <a:ext uri="{FF2B5EF4-FFF2-40B4-BE49-F238E27FC236}">
-                  <a16:creationId xmlns:a16="http://schemas.microsoft.com/office/drawing/2014/main" id="{794FFDA9-D932-2690-86C9-C639F6ECC16D}"/>
+                  <a16:creationId xmlns:a16="http://schemas.microsoft.com/office/drawing/2014/main" id="{6AB9544B-055C-18ED-56E1-037C9CE46E42}"/>
                 </a:ext>
               </a:extLst>
             </p:cNvPr>
@@ -6520,7 +10404,7 @@
             <p:cNvPr id="125" name="Oval 124">
               <a:extLst>
                 <a:ext uri="{FF2B5EF4-FFF2-40B4-BE49-F238E27FC236}">
-                  <a16:creationId xmlns:a16="http://schemas.microsoft.com/office/drawing/2014/main" id="{C742A55E-1C55-8ECB-2C3D-BCE9F6A6CE25}"/>
+                  <a16:creationId xmlns:a16="http://schemas.microsoft.com/office/drawing/2014/main" id="{D0586AF4-6B7B-8250-BBA0-8A27109EFFF6}"/>
                 </a:ext>
               </a:extLst>
             </p:cNvPr>
@@ -6566,7 +10450,7 @@
             <p:cNvPr id="126" name="Connector: Curved 125">
               <a:extLst>
                 <a:ext uri="{FF2B5EF4-FFF2-40B4-BE49-F238E27FC236}">
-                  <a16:creationId xmlns:a16="http://schemas.microsoft.com/office/drawing/2014/main" id="{93D6E7E3-A7D7-2220-A2FD-DBB5137F2D4C}"/>
+                  <a16:creationId xmlns:a16="http://schemas.microsoft.com/office/drawing/2014/main" id="{75A3FB8B-CC09-2FE3-9438-61D963A458E5}"/>
                 </a:ext>
               </a:extLst>
             </p:cNvPr>
@@ -6611,7 +10495,7 @@
             <p:cNvPr id="247" name="Rectangle 246">
               <a:extLst>
                 <a:ext uri="{FF2B5EF4-FFF2-40B4-BE49-F238E27FC236}">
-                  <a16:creationId xmlns:a16="http://schemas.microsoft.com/office/drawing/2014/main" id="{C68E1644-EDCE-1A2D-1AAE-97154E34115F}"/>
+                  <a16:creationId xmlns:a16="http://schemas.microsoft.com/office/drawing/2014/main" id="{6F0D7343-60DB-0829-9BF8-DFEAD92D80A1}"/>
                 </a:ext>
               </a:extLst>
             </p:cNvPr>
@@ -6667,7 +10551,7 @@
           <p:cNvPr id="249" name="Picture 248">
             <a:extLst>
               <a:ext uri="{FF2B5EF4-FFF2-40B4-BE49-F238E27FC236}">
-                <a16:creationId xmlns:a16="http://schemas.microsoft.com/office/drawing/2014/main" id="{4D10E6FE-34CF-2D1B-0D09-6D69B76914D4}"/>
+                <a16:creationId xmlns:a16="http://schemas.microsoft.com/office/drawing/2014/main" id="{4DA0FA06-1E73-8940-5438-8712A41EC662}"/>
               </a:ext>
             </a:extLst>
           </p:cNvPr>
@@ -6708,7 +10592,7 @@
           <p:cNvPr id="287" name="Picture 286">
             <a:extLst>
               <a:ext uri="{FF2B5EF4-FFF2-40B4-BE49-F238E27FC236}">
-                <a16:creationId xmlns:a16="http://schemas.microsoft.com/office/drawing/2014/main" id="{C60C7967-3F97-34D9-3181-2CDFDF4F6AB7}"/>
+                <a16:creationId xmlns:a16="http://schemas.microsoft.com/office/drawing/2014/main" id="{5911806B-6CEB-5BDE-1DDC-5FF03F9FF49A}"/>
               </a:ext>
             </a:extLst>
           </p:cNvPr>
@@ -6749,7 +10633,7 @@
           <p:cNvPr id="289" name="Picture 288">
             <a:extLst>
               <a:ext uri="{FF2B5EF4-FFF2-40B4-BE49-F238E27FC236}">
-                <a16:creationId xmlns:a16="http://schemas.microsoft.com/office/drawing/2014/main" id="{96D099C5-015E-0FD3-A4D4-34C320BE243C}"/>
+                <a16:creationId xmlns:a16="http://schemas.microsoft.com/office/drawing/2014/main" id="{EDFA35EE-8060-630A-B45D-9D7E3F9654FF}"/>
               </a:ext>
             </a:extLst>
           </p:cNvPr>
@@ -6790,7 +10674,7 @@
           <p:cNvPr id="291" name="Picture 290">
             <a:extLst>
               <a:ext uri="{FF2B5EF4-FFF2-40B4-BE49-F238E27FC236}">
-                <a16:creationId xmlns:a16="http://schemas.microsoft.com/office/drawing/2014/main" id="{7DA4BA7F-F569-43DB-C54B-901CA1102A3E}"/>
+                <a16:creationId xmlns:a16="http://schemas.microsoft.com/office/drawing/2014/main" id="{6A7DC759-70BA-279C-55F7-B57D235624BC}"/>
               </a:ext>
             </a:extLst>
           </p:cNvPr>
@@ -6831,7 +10715,7 @@
           <p:cNvPr id="2" name="TextBox 1">
             <a:extLst>
               <a:ext uri="{FF2B5EF4-FFF2-40B4-BE49-F238E27FC236}">
-                <a16:creationId xmlns:a16="http://schemas.microsoft.com/office/drawing/2014/main" id="{72EF035E-4F55-0BEB-0DFE-DB7D88B0DFC3}"/>
+                <a16:creationId xmlns:a16="http://schemas.microsoft.com/office/drawing/2014/main" id="{B95C88F0-63AD-5E0F-EE34-CB9161A29FCA}"/>
               </a:ext>
             </a:extLst>
           </p:cNvPr>
@@ -6866,7 +10750,7 @@
           <p:cNvPr id="3" name="TextBox 2">
             <a:extLst>
               <a:ext uri="{FF2B5EF4-FFF2-40B4-BE49-F238E27FC236}">
-                <a16:creationId xmlns:a16="http://schemas.microsoft.com/office/drawing/2014/main" id="{9B8AFA0D-C77F-F4E9-1E6D-597792641017}"/>
+                <a16:creationId xmlns:a16="http://schemas.microsoft.com/office/drawing/2014/main" id="{5B32A9E4-198A-C9EA-ABD4-CCC6731AA559}"/>
               </a:ext>
             </a:extLst>
           </p:cNvPr>
@@ -6901,7 +10785,7 @@
           <p:cNvPr id="4" name="TextBox 3">
             <a:extLst>
               <a:ext uri="{FF2B5EF4-FFF2-40B4-BE49-F238E27FC236}">
-                <a16:creationId xmlns:a16="http://schemas.microsoft.com/office/drawing/2014/main" id="{18186279-8148-E3A6-C34A-53ADB3FA7ED5}"/>
+                <a16:creationId xmlns:a16="http://schemas.microsoft.com/office/drawing/2014/main" id="{5F516645-3F9C-B2C0-32B0-9177AECC44B6}"/>
               </a:ext>
             </a:extLst>
           </p:cNvPr>
@@ -6936,7 +10820,7 @@
           <p:cNvPr id="21" name="Picture 20">
             <a:extLst>
               <a:ext uri="{FF2B5EF4-FFF2-40B4-BE49-F238E27FC236}">
-                <a16:creationId xmlns:a16="http://schemas.microsoft.com/office/drawing/2014/main" id="{933DF526-A401-92D7-B57C-7ECE3C0E5C6E}"/>
+                <a16:creationId xmlns:a16="http://schemas.microsoft.com/office/drawing/2014/main" id="{C1E9B898-E6B6-3C77-B840-EC7B005834BD}"/>
               </a:ext>
             </a:extLst>
           </p:cNvPr>
@@ -6977,7 +10861,7 @@
           <p:cNvPr id="36" name="Picture 35">
             <a:extLst>
               <a:ext uri="{FF2B5EF4-FFF2-40B4-BE49-F238E27FC236}">
-                <a16:creationId xmlns:a16="http://schemas.microsoft.com/office/drawing/2014/main" id="{4B4FFF21-D236-6D5B-E58E-9471A308A377}"/>
+                <a16:creationId xmlns:a16="http://schemas.microsoft.com/office/drawing/2014/main" id="{FC12492D-6CDB-39FB-D140-C3807DA89A20}"/>
               </a:ext>
             </a:extLst>
           </p:cNvPr>
@@ -7018,7 +10902,7 @@
           <p:cNvPr id="46" name="Picture 45">
             <a:extLst>
               <a:ext uri="{FF2B5EF4-FFF2-40B4-BE49-F238E27FC236}">
-                <a16:creationId xmlns:a16="http://schemas.microsoft.com/office/drawing/2014/main" id="{207EE3EB-B9FF-9168-A4AB-F7BDA508B0AE}"/>
+                <a16:creationId xmlns:a16="http://schemas.microsoft.com/office/drawing/2014/main" id="{43E9176D-3DF1-C523-9B41-10A6BED37AA0}"/>
               </a:ext>
             </a:extLst>
           </p:cNvPr>
@@ -7059,7 +10943,7 @@
           <p:cNvPr id="11" name="TextBox 10">
             <a:extLst>
               <a:ext uri="{FF2B5EF4-FFF2-40B4-BE49-F238E27FC236}">
-                <a16:creationId xmlns:a16="http://schemas.microsoft.com/office/drawing/2014/main" id="{D2855180-428D-394C-8F06-EE93202590C1}"/>
+                <a16:creationId xmlns:a16="http://schemas.microsoft.com/office/drawing/2014/main" id="{E0419E3F-F8CE-7B17-D388-290349D9359B}"/>
               </a:ext>
             </a:extLst>
           </p:cNvPr>
@@ -7094,7 +10978,7 @@
           <p:cNvPr id="28" name="TextBox 27">
             <a:extLst>
               <a:ext uri="{FF2B5EF4-FFF2-40B4-BE49-F238E27FC236}">
-                <a16:creationId xmlns:a16="http://schemas.microsoft.com/office/drawing/2014/main" id="{7966F720-0856-30BE-FC5B-68D1C802EAE6}"/>
+                <a16:creationId xmlns:a16="http://schemas.microsoft.com/office/drawing/2014/main" id="{A79F227D-5ED5-4F85-4E34-A8BBCE7844FC}"/>
               </a:ext>
             </a:extLst>
           </p:cNvPr>
@@ -7129,7 +11013,7 @@
           <p:cNvPr id="42" name="TextBox 41">
             <a:extLst>
               <a:ext uri="{FF2B5EF4-FFF2-40B4-BE49-F238E27FC236}">
-                <a16:creationId xmlns:a16="http://schemas.microsoft.com/office/drawing/2014/main" id="{09813C7E-3E51-97FC-835A-BB8BE0014A87}"/>
+                <a16:creationId xmlns:a16="http://schemas.microsoft.com/office/drawing/2014/main" id="{D8BB99B3-DCEA-3F5E-5889-78932B4F7BB2}"/>
               </a:ext>
             </a:extLst>
           </p:cNvPr>
@@ -7164,7 +11048,7 @@
           <p:cNvPr id="48" name="TextBox 47">
             <a:extLst>
               <a:ext uri="{FF2B5EF4-FFF2-40B4-BE49-F238E27FC236}">
-                <a16:creationId xmlns:a16="http://schemas.microsoft.com/office/drawing/2014/main" id="{4BD9F8C5-7D24-B215-BE73-4EF6C8BD3FDE}"/>
+                <a16:creationId xmlns:a16="http://schemas.microsoft.com/office/drawing/2014/main" id="{461EBEC0-15B7-F887-FFEF-966A0A983B8F}"/>
               </a:ext>
             </a:extLst>
           </p:cNvPr>
@@ -7199,7 +11083,7 @@
           <p:cNvPr id="53" name="TextBox 52">
             <a:extLst>
               <a:ext uri="{FF2B5EF4-FFF2-40B4-BE49-F238E27FC236}">
-                <a16:creationId xmlns:a16="http://schemas.microsoft.com/office/drawing/2014/main" id="{2B47C26E-B61F-442D-0C56-6E86CD0D9229}"/>
+                <a16:creationId xmlns:a16="http://schemas.microsoft.com/office/drawing/2014/main" id="{29AB3334-C5D4-CAF5-5505-1F39A59753A0}"/>
               </a:ext>
             </a:extLst>
           </p:cNvPr>
@@ -7234,7 +11118,7 @@
           <p:cNvPr id="56" name="TextBox 55">
             <a:extLst>
               <a:ext uri="{FF2B5EF4-FFF2-40B4-BE49-F238E27FC236}">
-                <a16:creationId xmlns:a16="http://schemas.microsoft.com/office/drawing/2014/main" id="{D852AA71-8AA8-E257-4017-F63C380D9ED2}"/>
+                <a16:creationId xmlns:a16="http://schemas.microsoft.com/office/drawing/2014/main" id="{7DC404C7-B092-4030-9937-7DD7D3780E1B}"/>
               </a:ext>
             </a:extLst>
           </p:cNvPr>
@@ -7269,7 +11153,7 @@
           <p:cNvPr id="57" name="TextBox 56">
             <a:extLst>
               <a:ext uri="{FF2B5EF4-FFF2-40B4-BE49-F238E27FC236}">
-                <a16:creationId xmlns:a16="http://schemas.microsoft.com/office/drawing/2014/main" id="{72D0C766-2A58-8A73-30BC-519260D706B1}"/>
+                <a16:creationId xmlns:a16="http://schemas.microsoft.com/office/drawing/2014/main" id="{4B15B42C-458C-DD1D-C7A9-A0DB14F9DCB4}"/>
               </a:ext>
             </a:extLst>
           </p:cNvPr>
@@ -7299,10 +11183,45 @@
           </a:p>
         </p:txBody>
       </p:sp>
+      <p:sp>
+        <p:nvSpPr>
+          <p:cNvPr id="58" name="TextBox 57">
+            <a:extLst>
+              <a:ext uri="{FF2B5EF4-FFF2-40B4-BE49-F238E27FC236}">
+                <a16:creationId xmlns:a16="http://schemas.microsoft.com/office/drawing/2014/main" id="{8D766604-5F93-4A4B-38B5-FD4E0948055F}"/>
+              </a:ext>
+            </a:extLst>
+          </p:cNvPr>
+          <p:cNvSpPr txBox="1"/>
+          <p:nvPr/>
+        </p:nvSpPr>
+        <p:spPr>
+          <a:xfrm>
+            <a:off x="1446018" y="1721321"/>
+            <a:ext cx="308098" cy="369332"/>
+          </a:xfrm>
+          <a:prstGeom prst="rect">
+            <a:avLst/>
+          </a:prstGeom>
+          <a:noFill/>
+        </p:spPr>
+        <p:txBody>
+          <a:bodyPr wrap="none" rtlCol="0">
+            <a:spAutoFit/>
+          </a:bodyPr>
+          <a:lstStyle/>
+          <a:p>
+            <a:r>
+              <a:rPr lang="en-US" b="1" dirty="0"/>
+              <a:t>1</a:t>
+            </a:r>
+          </a:p>
+        </p:txBody>
+      </p:sp>
     </p:spTree>
     <p:extLst>
       <p:ext uri="{BB962C8B-B14F-4D97-AF65-F5344CB8AC3E}">
-        <p14:creationId xmlns:p14="http://schemas.microsoft.com/office/powerpoint/2010/main" val="2278232981"/>
+        <p14:creationId xmlns:p14="http://schemas.microsoft.com/office/powerpoint/2010/main" val="2891022474"/>
       </p:ext>
     </p:extLst>
   </p:cSld>
@@ -7312,7 +11231,7 @@
 </p:sld>
 </file>
 
-<file path=ppt/slides/slide2.xml><?xml version="1.0" encoding="utf-8"?>
+<file path=ppt/slides/slide3.xml><?xml version="1.0" encoding="utf-8"?>
 <p:sld xmlns:a="http://schemas.openxmlformats.org/drawingml/2006/main" xmlns:r="http://schemas.openxmlformats.org/officeDocument/2006/relationships" xmlns:p="http://schemas.openxmlformats.org/presentationml/2006/main">
   <p:cSld>
     <p:spTree>
@@ -16952,7 +20871,7 @@
 </p:sld>
 </file>
 
-<file path=ppt/slides/slide3.xml><?xml version="1.0" encoding="utf-8"?>
+<file path=ppt/slides/slide4.xml><?xml version="1.0" encoding="utf-8"?>
 <p:sld xmlns:a="http://schemas.openxmlformats.org/drawingml/2006/main" xmlns:r="http://schemas.openxmlformats.org/officeDocument/2006/relationships" xmlns:p="http://schemas.openxmlformats.org/presentationml/2006/main">
   <p:cSld>
     <p:spTree>
@@ -17431,7 +21350,7 @@
 </p:sld>
 </file>
 
-<file path=ppt/slides/slide4.xml><?xml version="1.0" encoding="utf-8"?>
+<file path=ppt/slides/slide5.xml><?xml version="1.0" encoding="utf-8"?>
 <p:sld xmlns:a="http://schemas.openxmlformats.org/drawingml/2006/main" xmlns:r="http://schemas.openxmlformats.org/officeDocument/2006/relationships" xmlns:p="http://schemas.openxmlformats.org/presentationml/2006/main">
   <p:cSld>
     <p:spTree>
@@ -17916,7 +21835,7 @@
 </p:sld>
 </file>
 
-<file path=ppt/slides/slide5.xml><?xml version="1.0" encoding="utf-8"?>
+<file path=ppt/slides/slide6.xml><?xml version="1.0" encoding="utf-8"?>
 <p:sld xmlns:a="http://schemas.openxmlformats.org/drawingml/2006/main" xmlns:r="http://schemas.openxmlformats.org/officeDocument/2006/relationships" xmlns:p="http://schemas.openxmlformats.org/presentationml/2006/main">
   <p:cSld>
     <p:spTree>
@@ -18347,7 +22266,7 @@
 </p:sld>
 </file>
 
-<file path=ppt/slides/slide6.xml><?xml version="1.0" encoding="utf-8"?>
+<file path=ppt/slides/slide7.xml><?xml version="1.0" encoding="utf-8"?>
 <p:sld xmlns:a="http://schemas.openxmlformats.org/drawingml/2006/main" xmlns:r="http://schemas.openxmlformats.org/officeDocument/2006/relationships" xmlns:p="http://schemas.openxmlformats.org/presentationml/2006/main">
   <p:cSld>
     <p:spTree>
@@ -18778,7 +22697,7 @@
 </p:sld>
 </file>
 
-<file path=ppt/slides/slide7.xml><?xml version="1.0" encoding="utf-8"?>
+<file path=ppt/slides/slide8.xml><?xml version="1.0" encoding="utf-8"?>
 <p:sld xmlns:a="http://schemas.openxmlformats.org/drawingml/2006/main" xmlns:r="http://schemas.openxmlformats.org/officeDocument/2006/relationships" xmlns:p="http://schemas.openxmlformats.org/presentationml/2006/main">
   <p:cSld>
     <p:spTree>
@@ -22776,7 +26695,7 @@
 </p:sld>
 </file>
 
-<file path=ppt/slides/slide8.xml><?xml version="1.0" encoding="utf-8"?>
+<file path=ppt/slides/slide9.xml><?xml version="1.0" encoding="utf-8"?>
 <p:sld xmlns:a="http://schemas.openxmlformats.org/drawingml/2006/main" xmlns:r="http://schemas.openxmlformats.org/officeDocument/2006/relationships" xmlns:p="http://schemas.openxmlformats.org/presentationml/2006/main">
   <p:cSld>
     <p:spTree>
